--- a/CS4273 - Introduce to Software Engineering/Lab 1. Setup workspace.pptx
+++ b/CS4273 - Introduce to Software Engineering/Lab 1. Setup workspace.pptx
@@ -5,7 +5,7 @@
     <p:sldMasterId id="2147483648" r:id="rId1"/>
   </p:sldMasterIdLst>
   <p:notesMasterIdLst>
-    <p:notesMasterId r:id="rId13"/>
+    <p:notesMasterId r:id="rId12"/>
   </p:notesMasterIdLst>
   <p:sldIdLst>
     <p:sldId id="256" r:id="rId2"/>
@@ -15,10 +15,9 @@
     <p:sldId id="260" r:id="rId6"/>
     <p:sldId id="259" r:id="rId7"/>
     <p:sldId id="261" r:id="rId8"/>
-    <p:sldId id="266" r:id="rId9"/>
-    <p:sldId id="262" r:id="rId10"/>
-    <p:sldId id="264" r:id="rId11"/>
-    <p:sldId id="265" r:id="rId12"/>
+    <p:sldId id="262" r:id="rId9"/>
+    <p:sldId id="264" r:id="rId10"/>
+    <p:sldId id="265" r:id="rId11"/>
   </p:sldIdLst>
   <p:sldSz cx="12192000" cy="6858000"/>
   <p:notesSz cx="6858000" cy="9144000"/>
@@ -125,249 +124,6 @@
 </p:presentation>
 </file>
 
-<file path=ppt/ink/ink1.xml><?xml version="1.0" encoding="utf-8"?>
-<inkml:ink xmlns:inkml="http://www.w3.org/2003/InkML">
-  <inkml:definitions>
-    <inkml:context xml:id="ctx0">
-      <inkml:inkSource xml:id="inkSrc0">
-        <inkml:traceFormat>
-          <inkml:channel name="X" type="integer" max="1360" units="cm"/>
-          <inkml:channel name="Y" type="integer" max="768" units="cm"/>
-          <inkml:channel name="T" type="integer" max="2.14748E9" units="dev"/>
-        </inkml:traceFormat>
-        <inkml:channelProperties>
-          <inkml:channelProperty channel="X" name="resolution" value="33.49754" units="1/cm"/>
-          <inkml:channelProperty channel="Y" name="resolution" value="33.53712" units="1/cm"/>
-          <inkml:channelProperty channel="T" name="resolution" value="1" units="1/dev"/>
-        </inkml:channelProperties>
-      </inkml:inkSource>
-      <inkml:timestamp xml:id="ts0" timeString="2021-09-27T01:29:32.748"/>
-    </inkml:context>
-    <inkml:brush xml:id="br0">
-      <inkml:brushProperty name="width" value="0.05292" units="cm"/>
-      <inkml:brushProperty name="height" value="0.05292" units="cm"/>
-      <inkml:brushProperty name="color" value="#FF0000"/>
-    </inkml:brush>
-  </inkml:definitions>
-  <inkml:trace contextRef="#ctx0" brushRef="#br0">3237 16162 0,'25'0'125,"0"0"-109,50 50-16,-1-50 15,-24 0-15,75 0 16,-26 0-16,-24 0 15,0 0-15,0 0 16,24 0-16,26 0 16,-1 0-16,-24 0 15,49 25-15,-49-25 16,49 0-16,-24 0 16,-26 0-1,51 0-15,-51 0 16,1 0-16,24 0 15,-24 0-15,-25 0 0,49 0 16,-24 0-16,-25 0 16,49 0-1,-24 0-15,-26 0 16,76 0-16,-26 0 16,26 0-16,-1 0 15,-24 0-15,24 0 16,-24 0-16,24 0 15,0 24-15,1-24 16,-1 0-16,-24 0 16,-1 0-16,1 0 15,-51 25-15,26-25 16,-50 0-16,-25 0 16,25 0-16,-1 0 15,26 0-15,0 0 16,-25 0-1,-1 0-15,51 0 16,-25 0-16,24 0 16,1 0-16,0 0 15,-1 0-15,1 0 16,24 0-16,-74 0 16,50 0-16,-51 0 15,26 0-15,-25 0 16,25 0-16,-1 0 15,-24 0-15,0 0 16,25 0-16,-25 0 16,24 0-16,-49 0 15,25 0-15,25 0 16,-50 0-16,24 0 16,1 0-1,-25 0-15,50 0 16,-25 0-16,-26 0 0,1 0 15,0 0-15,0 0 16,0 0 0,25 0-16,-25 0 15,25 0-15,-26 0 16,1 0-16,25 0 16,0 0-16,0 25 15,0-25-15,-26 0 16,26 0-16,25 0 15,0 0-15,-50 0 16,24 0-16,1 0 16,50 0-16,-50 0 15,-1 0-15,51 0 16,-25 0-16,-25 0 16,24 0-16,-24 0 15,50 0 1,-51 0-16,1 0 15,0 0-15,50 25 16,-51-25-16,26 0 0,-25 0 16,50 0-1,-51 0-15,1 0 16,25 0-16,0 0 16,-50 25-16,-1-25 15,26 0-15,0 0 16,0 0-16,0 0 15,-1 0-15,-24 0 16,0 0-16,0 0 16,50 0-16,-50 0 15,0 0 1,24 0 0,-24 0-1,0 0-15,0 0 16,0 0 31,0 0 31,0 0-47,-25 25-15,25-25-1,0 0 1,0 0 0,-1 0 15,1 0-16,0 0-15,0 0 16,0 25-16,0-25 0,0 0 31,0 25-31,0-25 16,0 0 15,0 0 0,-1 0-15</inkml:trace>
-  <inkml:trace contextRef="#ctx0" brushRef="#br0" timeOffset="18171.25">2515 16909 0,'25'0'94,"0"0"-94,0 25 31,0-25 0,0 25-15,0-25 15,-1 0-15,1 0 31,0 0-16,0 0-15,25 0-1,-25 0 1,0 0 15</inkml:trace>
-  <inkml:trace contextRef="#ctx0" brushRef="#br0" timeOffset="171442.81">21167 6450 0,'0'-50'125,"0"25"-110,0 0 32,0 1-31,0-1 15,0 0-15,0 0-1,-25 25 1,25-25 0,-25 0-1,0 25 1,0-25 0,0 25-1,0 0 1,0 0-1,0-25-15,1 25 32,-1-25-17,0 25 1,0 0 15,0 0-15,0 0-1,0 0 17,-25 0-17,25 0-15,1 0 16,-1 0-16,0 0 16,0 0-16,0 0 15,-50 0-15,50 0 16,-24 0-1,-26 0-15,25 0 16,-25 0-16,1 0 16,-1 0-16,-25 0 0,50 0 15,-24 0 1,-26-25-16,1 25 16,24 0-16,0 0 15,25 0-15,-24 0 16,-1 0-16,-50 0 15,26 0-15,-1 0 16,-49 0-16,49 0 16,1 0-16,-26 0 15,50 0-15,1 0 16,-1 0-16,0 0 16,25 0-1,-24 0-15,-26 0 16,50 0-16,-24 0 0,-1 0 15,50 0-15,-25 0 16,25 0 0,-25 0-16,1-24 15,-1 24 1,25-25-16,0 25 16,-25 0-16,25 0 15,0 0-15,1 0 16,-1-25-16,0 25 15,0 0-15,0 0 16,0 0 0,0 0-16,0 0 15,-25 0 1,26 0-16,-1 0 16,0 0-16,0 0 15,0 0-15,-25 0 31,25 0-15,0 0-16,0 0 16,1 0-16,-1 0 15,0 0 1,0 0-16,0 25 16,0-25-1,0 0 1,0 0-16,-25 0 15,26 25 1,-1-25 0,0 0-1,0 0-15,25 24 16,-25-24 0,0 25-16,0-25 15,0 25 1,0 25-1,0-25 17,0 25-17,25 0-15,0-26 16,-24 1-16,24 0 16,0 25-16,0 0 15,-25-25-15,25 0 16,-25 24-16,25-24 15,0 25-15,-25-25 16,25 0 0,0 25-16,-25-25 0,25 24 15,0-24-15,0 0 16,0 0-16,0 25 16,0-25-16,0 25 15,0-25 1,0 24-1,0-24-15,0 0 16,0 0-16,0 0 16,0 0-16,0 0 31,0 0-31,0 0 16,0 0-1,0-1 1,0 1-16,25 0 31,0-25-15,0 25-1,0-25 1,-1 0 15,1 25-31,0-25 16,0 0-16,0 0 15,0 0 1,25 0-16,-25 0 16,0 0-16,24 0 15,1 0-15,-25 0 16,50 0-16,-25 0 16,24 0-16,1 0 15,-50-25-15,25 25 16,0 0-16,-26 0 15,51 0 1,-25 0-16,0 0 0,24 0 16,-24 0-16,25 0 15,-50 0-15,50 0 16,-1-25-16,-24 25 16,-25 0-1,25 0-15,0 0 16,-25 0-16,-1 0 15,51 0-15,-50 0 16,25 0-16,-25 0 0,0 0 16,49 0-1,-49 0-15,0 0 16,0 0-16,25 0 16,-25 0-16,49 0 15,-49 0-15,0 0 16,25 0-16,-25 0 15,0 0-15,50 0 16,-26 0-16,-24 0 16,25 0-1,-25 0-15,0 0 0,50 0 16,-51 0-16,1 0 16,25 0-1,0 0-15,0 0 0,0 0 16,-1 0-1,1 0-15,0 0 16,-25 0-16,50 0 16,-26 0-16,-24 0 15,25 0-15,-25 0 16,50 0-16,-50 0 16,24 0-16,1 0 15,-25 0-15,0 0 16,75 0-1,-75 0-15,24 0 0,1 0 16,25 0-16,-25 0 16,-1 0-16,-24 0 15,25 0-15,0 0 16,0 0 0,0 0-16,-25 0 15,-1 0-15,26 0 16,0 0-16,-25 0 15,25 0-15,-25 0 16,0 0-16,-1 0 16,1 0-1,0 0-15,0 0 16,0 0 0,0 0-1,0 0 1,0 0-1,0 0 32,0 0-31,-1 0 0,1 0-1,25-25 1,-25 0 31,0 1-32,-25-1 1,25 25 0,-25-25-1,0 0 1,0 0-1,0 0-15,0 0 16,0 0-16,0 0 16,0-25-16,0 1 31,0 24-15,25 25-16,-25-25 15,0 0 1,0 0-16,0-25 15,0 25 1,0 0 0,0 1-1,0-1 1,0 0 15,0 0-15,0 0-1,25 0 1,-25 0 0,0 0-16,0 0 0,0 0 15,25 1 1,-25-1 15,0 0-15,0 0-16,0 0 15,0 0 1,0 0 15,0 0 32,0 0 15</inkml:trace>
-  <inkml:trace contextRef="#ctx0" brushRef="#br0" timeOffset="189743.46">20445 6176 0,'0'-50'141,"0"25"-141,24-24 16,-24-26-16,25 50 15,-25 0-15,0-75 16,0 51-16,0-1 16,25-50-16,0 26 15,-25 49-15,25-50 16,-25 25-1,0 25-15,25-25 16,-25 26-16,25-26 16,-25 25-16,25 0 15,0-50-15,0 50 0,-1-24 16,1-1 0,25 0-16,0-25 15,-50 50 1,25 25-16,-25-25 15,25 1-15,0-1 16,-25 0 0,49 0-16,-49 0 47,25 25-32</inkml:trace>
-  <inkml:trace contextRef="#ctx0" brushRef="#br0" timeOffset="190783.57">20619 4632 0,'25'0'78,"0"0"-47,0 0-15,-1 0 0,1 0-16,0 0 15,0 0-15,0 0 16,0-25-1,0 25 1,0 0 0,0 0-16,0 0 15,-1 0 1,1 0 31,0 0-16,0 0 32,0 25-48,-25 0 1,0 25-16,25-50 15,-25 25-15,0 0 16,0 0 15</inkml:trace>
-  <inkml:trace contextRef="#ctx0" brushRef="#br0" timeOffset="195698.75">22138 3960 0,'-25'25'78,"0"0"-78,25 24 15,-25-24-15,-25 0 16,25 0 0,1-25-16,-1 25 15,0-25 1,0 0-16,0 0 15,0 0 17,0 0-17,0-25 17,25 0-17,0 0 1,0 0-1,0 1-15,-25 24 0,25-25 32,0 0-17,50 0 17,0 25-32,-25 0 15,25 0-15,-25 0 16,-1 0-16,1 0 15,25 0 1,-25 0 0,0 50-16,-25 24 15,0-49 1,25 0-16,-25 0 16,0 25-16,0-25 15,0 49 1,0-49-16,0 0 15,-25 25-15,25-25 16,-50 25-16,50-25 16,-25 0-16,0-1 0,25 1 15,-25-25 1,-24 0-16,-1 25 16,25-25-1,-25 25-15,25-25 16,0 0-1,0 0-15,1 0 16,-1 0 0,25-25-1,0 0 1,0 0-16,0 1 16,0-1-16,0 0 15,0 0 1,25 25 15,-1 0-15,1 25-1,25 0-15,0 0 16,25 49-16,-26-49 16,-24 0-16,0-25 15,-25 25-15,50-25 16</inkml:trace>
-  <inkml:trace contextRef="#ctx0" brushRef="#br0" timeOffset="196581.14">22711 3985 0,'0'0'0,"0"-25"16,0 0-1,0 0 1,-25 25 0,-25 0-1,25 0 32,0 0-47,0 25 0,-25 0 16,25 25-1,-24-1-15,49-24 16,0 75 0,0-25-16,0-26 15,0 1-15,0 0 16,0 25-16,25-50 15,-25 24-15,24-49 0,1 50 16,0 0 0,0-25-1,0 0 17,50-25-1,-75-25-16,0-25-15,0 0 16,25 1 0,-25-1-16,25-50 15,-25 50-15,0 1 0,24-1 16,-24-25-16,0 0 16,0 50-16,0 1 15,0-1 16,0 0 16</inkml:trace>
-  <inkml:trace contextRef="#ctx0" brushRef="#br0" timeOffset="197392.58">23682 3711 0,'-25'0'31,"0"0"-15,0 0-1,0 0 1,-74 50-16,99-25 16,-50 24-1,0 76-15,-25-26 16,1-24-16,49 25 16,-25 24-16,0 1 15,25-51-15,-50 51 16,26-25-16,-26-26 15,50 26-15,0 0 16,0-76-16,0 1 16,25 25-16,-25-25 15,25 0-15,0-75 110</inkml:trace>
-  <inkml:trace contextRef="#ctx0" brushRef="#br0" timeOffset="198254.65">23184 3711 0,'0'0'0,"0"-75"32,0 50-32,0 0 15,-25-24 17,25 24 14,-25 25-30,0 0-16,-25 0 16,25 49-1,0-24 1,1 0-16,-26 0 16,50 0-16,0 0 15,-25 0-15,25 25 16,0-25-16,0-1 15,0 1 1,25-25 47,0 0-48,0 0-15,-1 0 16,-24-49-16,50 24 15,-50 0 1,0 0-16,25-25 16,-25 25-16,0 0 15</inkml:trace>
-  <inkml:trace contextRef="#ctx0" brushRef="#br0" timeOffset="199086.83">23433 4632 0,'0'-25'62,"0"0"-46,-50 25 0,0 25-1,25 25-15,25-25 16,-25 0 0,25 0-16,0 0 15,0 0-15,0 0 16,0-1-16,0 1 15,25 0 17,0-25-32,25 0 15,-25 0 1,0 0 0,0 0 15,-25-25-31,25-24 15,-25-1 1,0 25-16,24 0 16,-24 0-16,0 0 15,0 0 17</inkml:trace>
-  <inkml:trace contextRef="#ctx0" brushRef="#br0" timeOffset="201684.77">20420 6151 0,'-25'0'93,"0"0"-77,25-25 0,-25 25-16,0-49 15,0-26-15,0 50 16,25-25-16,-25-25 15,0-24-15,0 49 16,25 0-16,-24 0 16,24 1-16,-25-1 15,0-25-15,0 50 16,25 0-16,0-25 16,-25 1-1,25-1 1,0 25-16,0-25 0,-50-25 15,25 26 1,25 24-16,-25-50 0,25 50 16,0-25-1,0 1-15,0-1 16,0 25-16,0-50 16,0 25-16,0 0 15,0 26-15,0-26 16,0 25-16,0 0 15,0 0-15,0-25 16,0 0-16,0 26 16,25-1-1,0-25 1,-25 25 0,0 0-1,25 0 1,0 0 31</inkml:trace>
-  <inkml:trace contextRef="#ctx0" brushRef="#br0" timeOffset="202330.25">19872 4184 0,'25'0'94,"0"0"-94,-1-25 16,-24 0-16,25 25 15,0-25 1,0 25-16,0 0 62,0 25 17,0 0-79,-25 0 15,0 0-15,25 0 16,-25 0-16,25-25 15,-25 25 17</inkml:trace>
-  <inkml:trace contextRef="#ctx0" brushRef="#br0" timeOffset="203545.8">20096 3661 0,'0'-50'62,"0"25"-46,25-24-16,0 24 16,24-50-16,-24 25 15,25 0-15,-25 25 16,0-74-16,0 99 15,0-75-15,-25 50 16,25 0-16,0 0 16,0 0-1,-1 25 32,1 0-31,0 0-16,0 50 15,-25 75-15,25-75 16,0 49-16,25 1 16,-50-25-16,0-26 15,0-24-15,0 0 16,25 50-16,-25-50 16,0 0 62</inkml:trace>
-  <inkml:trace contextRef="#ctx0" brushRef="#br0" timeOffset="204312.68">20943 3088 0,'-25'0'109,"-25"0"-93,25 0 0,-25 0-16,50 25 15,-25-25-15,25 25 16,0 0-16,-25 25 16,25-25 15,0 0-16,0-1 1,25 1 0,0 0-1,0-25 1,0 25 0,0-25-16,0 25 15,0-25 16,-25 25-15,25-25 0,-25 25-1,0 0-15,0 0 16,0 0-16,0 0 16,0 24-1,-25-24 1,0-25-1,0 25-15,0-25 16,0 0 0,0 0-16,0 0 15,0 0 1</inkml:trace>
-  <inkml:trace contextRef="#ctx0" brushRef="#br0" timeOffset="204932.24">21715 2989 0,'-25'0'32,"0"25"-17,-25 24 1,0-24-16,25 25 0,-25-25 15,-24 50-15,-26-1 16,0 51-16,51-50 16,-26-1-16,-25 51 15,51-50 1,24-51-16,0 1 16,25 0-16</inkml:trace>
-  <inkml:trace contextRef="#ctx0" brushRef="#br0" timeOffset="205614.58">21266 2989 0,'-25'0'62,"0"0"-46,1 0 0,-1 0 15,0 0-16,25 25 32,25-25 47,0 0-78,-1 0-1</inkml:trace>
-  <inkml:trace contextRef="#ctx0" brushRef="#br0" timeOffset="206652.7">21391 3636 0,'-25'25'15,"0"-25"1,-25 25 15,25 0-15,0-25-1,25 25 48,0 0-48,0 0 1,0-1 15,0 1 1,25-25-32,0 0 46,0 0-30,0 0 15,0 0-31,-25-25 16,0 1-16,0-26 16,0 25-1,0 0 16</inkml:trace>
-  <inkml:trace contextRef="#ctx0" brushRef="#br0" timeOffset="207997.67">21316 3063 0,'-25'-25'16,"0"25"15,0-24-31,25-1 16,-25 25-16,1 0 16,-1 0 15,0-25-16,0 25 1,0 0 0,-25 0 31,25 0-47,25 25 15,-25 0-15,25-1 16,0 1-1,0 0 1,0 0 0,0 0 15,0 0 0,0 0 0,0 0-15,50-25 62,-25 0-47,-25-25 1,25 25-17,-25-25 1,0 0 15,25 0-15,-25 0-1,25 25 17,-25-25 77,0 0-62</inkml:trace>
-  <inkml:trace contextRef="#ctx0" brushRef="#br0" timeOffset="-135372.08">21839 7322 0,'0'25'140,"50"-25"-108,-25 0-17,0 0 1,0 0-16,-1 0 0,1 0 15,0 0-15,0 0 16,25 0 0,-25 0-16,25 0 15,-25 0-15,24 0 16,-24 0-16,0 0 16,25 0-16,-25 0 15,0 0-15,0 0 16,0 0-16,-1 0 15,1 0-15,25 0 16,-25 0-16,0 0 16,25 0-16,-25 0 15,24 0-15,26 0 16,-25 0-16,0 0 16,-25 0-16,25 0 15,-1 0 1,1 0-16,-25 0 15,25 0-15,0 0 16,-25 0-16,24 0 16,1 0-16,-25 0 15,0 0 1,0 0 0,0 0-1,0 0 1,0 0-1,-1 0-15,1 0 16,0 0 15,-25-25-15,25 25-16,-25-25 31,25 25-31,0-25 16,-25 0-1,0 0 1,25 25-16,25-50 16,-50 0-16,0 1 15,25-1 1,-25 25-16,24-25 16,1 50-16,-25-50 15,25 50-15,-25-50 16,0 26-1,0-1-15,25 0 16,-25 0 0,0 0-1,0 0 1,0 0 15,0 0-31,0 0 16,0 0-1,0 1 1,0-1 0,-25 0-1,25 0 1,0 0 0,-25 0-16,25 0 15,-25 25 1,25-25-16,0 0 15,-24 0 1,-1 25-16,25-24 16,-25-1-1,0 25-15,0 0 0,-25-50 32,25 50-32,0-25 0,0 25 15,1 0-15,-1-25 16,0 25-1,0 0 1,0-25-16,0 25 16,25-25-1,-50 25-15,25 0 0,0 0 16,1 0 0,-26 0-16,0 0 15,-25 0-15,25 0 16,1 0-16,-1 0 15,0 0-15,-25 0 16,25 0-16,1 0 16,-26 0-16,-25 0 15,26 0-15,24 0 16,0 0 0,-25 0-16,1 0 15,49 25-15,-25-25 16,0 0-16,0 25 15,-24 0-15,49-25 16,-25 0 0,25 0-1,0 25-15,0-25 16,0 0 0,-24 0-16,24 0 78,0 25-47,25 0-15,-25-25-1,25 25 1,0-1-16,0 1 15,0 0-15,0 0 16,0 25-16,0 0 16,0 24-16,0-49 15,0 75-15,0-50 16,0 0-16,0-1 16,0 1-16,0 0 15,0-25-15,0 0 16,0 25-16,0-1 15,0-24 1,0 0-16,0 0 16,0 0-16,0 0 31,0 25-31,0-25 47,25-25-16,-25 25-15,25-1 77,0-24-61,24 0-17,-24 0 1,0 0-16,0 0 16,0 0-1,0 0 1,0 0-16,25 0 15,-26 0-15,26 0 16,0 0 0,-25 0-16,0 0 15,0 0-15,0 0 16,0 0-16,24 0 16,26 0-1,-25 0 1,-25 0-16,0 0 15,0 0-15,-1 0 16,1 0-16,0 0 31,25 0-15,-25 0-16,0 0 16,0 0-16,0 0 15,0 0 1,-1 0-1,1 0 1,0 0 0,0 0-16,25 0 15,-25 0 1,0 0 0,0 0-1,0 0 1,0 0-16,-1 0 15,1 0-15,0 0 16,0-24-16,0 24 31,0 0 1,0 0-17,0 0 1,0 0-16,24 0 15,-24 0 1,0 0 0,0 0-16,0 0 15,0 0 1,0 0 0,0-25 15,0 25 0,0 0-15,-1 0-1,1 0-15,-25-25 16,25 25 31,-25-25-47,25 25 31,0 0-15,-25-25-1,25 25 1,0-25 0,0 25-1,-25-25 1,25 25-1,0-50 17,-1 50-1,-24-25-31,0-24 16,0 24-1,0 0 1,0 0-16,0 0 15,0 0 1,0 0-16,0 0 31,0 0-15,0 0-16,0 1 16,0-1-1,0 0-15,0 0 16,0 0-1,0 0 17,0 0-17,0 0 1,0 0 15,0 0-15,0 1-16,0-1 15,0 0 17,0 0-32,0 0 31,-24 0-31,24 0 31,0 0 0,-50 0-31,50 0 47,-25 25-31,25-24 0,-25 24-16,0 0 15,0 0 1,0-25-16,0 25 15,0 0 1,1-25 0,-1 25-16,0 0 15,0-25 1,0 25 15,0 0 0,0-25-15,-25 0 15,25 0-15,1 25 0,24-25-1,-25 25 1,0-25-1,0 25 1,0-25 0,0 25 15,0 0-31,0 0 16,0 0-1,0 0-15,1 0 16,-1 0-1,0 0-15,0 0 32,-25 0-17,25 0-15,0 0 16,0 0 0,0 0-16,0 0 0,1 0 15,-1 0 1,-25 0-16,25 0 15,0 0 1,0 0-16,0-24 16,0 24-16,0 0 15,-49 0 1,49 0-16,-25 0 16,25 0-16,0 0 15,0 0 1,0 0-16,1 0 0,-1 0 15,-25 0-15,25 0 16,0 0-16,0 0 16,0 0-16,0 0 15,-24 0 1,-1 0-16,25 0 16,0 0-16,0 0 15,0 0-15,0 0 16,-25 0-16,26 24 15,-1-24 1,0 25-16,0-25 16,0 25-1,0 0 1,0 0 0,0 0-1,0 0 1,0 0 15,25 0-31,0 0 31,0-1-31,0 1 0,0 0 16,0 25-16,0 0 31,0-25-31,0 0 16,0 49-16,0-49 15,25 0 1,-25 0-16,0 0 31,0 25-31,25-50 16,-25 25-16,0 24 16,0-24-1,25-25-15,-25 25 0,0 0 31,0 0-31,0 0 16,0 0 0,0 0-1,0 0 1,0 0 0,0-1-1,25 1-15,-25 0 16,25 0-1,0 0 1,-25 25-16,25-50 16,0 25-16,0 0 31,-1-25 0,-24 25 0,25-25-15,-25 25 15,25-25-15,0 24 31,0-24-16,0 25 0,0-25 16</inkml:trace>
-  <inkml:trace contextRef="#ctx0" brushRef="#br0" timeOffset="-111206.01">23732 6475 0,'-25'0'125,"25"-25"-109,0 0-16,0-25 16,0 1-16,0 24 15,0-25 1,0 0-16,0 0 16,0 0-16,25 1 15,-1-1-15,1 25 0,0-25 16,0 0-1,25 0-15,-50 26 16,25-26-16,0 0 16,0 25-16,24-25 15,-24 0-15,0 26 16,-25-1-16,25 0 16,0-25-16,0 25 15,0 0-15,-25-25 16,50 25-16,0-24 15,-26 24 1,51-25-16,-25-25 16,0 50-16,0-49 0,24 24 15,-74 25-15,25 0 16,0 0-16,0-25 16,0 25-1,0 25 1,-25-24-16,25 24 31,-25-25-31,25 25 16,-1-25-1</inkml:trace>
-  <inkml:trace contextRef="#ctx0" brushRef="#br0" timeOffset="-110344.1">24379 4707 0,'0'-25'78,"50"0"-62,-25 25-1,0-25-15,0 25 16,24 0 0,-24-25-16,0 25 15,0 0 1,25-25 0,-25 25 15,0 0-16,0-25 1,-1 25 62,1 25-62,-25 0-1,0 25-15,25 0 16,-25-25-16,0 0 16,0 0-1,25 0 1,0-1 0,-25 1 15</inkml:trace>
-  <inkml:trace contextRef="#ctx0" brushRef="#br0" timeOffset="-100922.97">15414 6425 0,'25'0'93,"-50"-25"-61,0 0-32,-24 0 15,24 25 1,0 0-16,0 0 16,0-24-16,0 24 15,-50-25-15,50 25 16,1 0-16,-26 0 15,0-25-15,25 0 16,0 25-16,-25-25 16,1 25-16,24-25 15,0 25-15,-25 0 16,0-25-16,-25 25 16,51 0-16,-51-25 15,25 25-15,25 0 16,-74 0-16,74 0 15,-25 0 1,-25 0-16,50-25 16,0 25-16,0 0 15,-74 0-15,74 0 0,-50 0 16,25 0 0,-24 0-16,49 0 15,0 0-15,-25 0 16,0 0-16,25 0 15,0 0-15,-24 25 16,24 0 0,-25-25-16,25 50 15,0-50-15,0 0 16,0 25-16,0-25 16,1 0-1,-1 25-15,0 0 16,0-25-1,-25 25-15,25-25 16,25 24-16,-25 1 16,0 0-1,0 25 1,-24-25 0,49 0-1,-25 25-15,0-25 16,0-1-16,0 1 15,0 25-15,0-25 16,25 0-16,-25-25 16,25 25-16,-25 0 15,25 0 1,-24 0-16,24-1 16,0 1-1,0 0-15,0 0 16,0 0-1,0 0 1,0 25-16,0-25 16,24 0-16,-24-1 15,25 1-15,0 0 16,0 0-16,25 0 16,-25 0-16,0 0 15,0 0-15,0-25 16,-25 25-16,49 0 15,-49 0-15,50-25 16,0 49-16,-25-49 16,25 25-1,-1-25-15,1 0 16,0 25 0,-25-25-16,25 0 0,-25 0 15,24 25-15,26-25 16,-50 0-16,75 25 15,-51-25-15,1 0 16,50 25 0,-50-25-16,49 0 15,-49 0-15,0 0 16,50 0-16,-51 0 16,51 0-16,-25 0 15,24 0-15,1 0 16,-50 0-16,49 0 15,-49 0-15,50 0 16,-51 0 0,26 0-16,-25 0 0,0 0 15,0 0-15,-25 0 16,-1 0 0,1 0-1,0-25 1,0 0 15,25 0-15,-25 0 15,-25-25-15,25 50-1,-25-24 1,0-1-1,25 0-15,-25 0 0,25 0 16,-25 0-16,0 0 16,24-25-16,-24 25 31,25 0-15,-25 1-16,0-1 15,0 0 1,0 0-16,0 0 15,0 0 1,0 0-16,0 0 16,0 0-16,0 0 15,0 1-15,0-1 16,0 0-16,0-25 16,0 0-1,0 25 1,0 0 15,0 0-31,0 1 16,0-1-1,0 0-15,0 0 16,-25 25 0,25-25-1,-24 25-15,24-25 16,-25 0-1,0 0 17,0 0 15,0 25-32,0-25 16,0 25-15,0-24 15,0 24-31,0-25 0,1 25 16,-1-25 0,0 25-16,0 0 15,0 0 1,25-25-1,-25 25-15,0 0 16,0-25 0,0 25-16,0 0 15,0-25 1,1 25-16,-1 0 16,0 0-1,0 0-15,25-25 16,-50 25-1,25 0 1,-50-25 0,51 25-1,-1 0 1,0-25 15,0 25-15,0 0-1,-25 0 48,25 0-16,0 0 0,0 0-16,1 0-15,-1 0-16,0 0 31,-25 0-16,25 0 1,0 0 0</inkml:trace>
-  <inkml:trace contextRef="#ctx0" brushRef="#br0" timeOffset="-81458.56">24578 7396 0,'25'0'156,"0"0"-156,0 25 0,0 0 16,0-25-1,0 0 1,0 0-16,-1 0 15,51 0-15,-25 0 16,-25 0-16,50 0 16,-26 0-16,26 0 15,25 0-15,-51 0 16,51 0-16,-25 0 16,24 0-1,-49 0-15,25 0 0,0 0 16,-1 0-16,1 0 15,-25 0-15,49 0 16,-49 0-16,50 0 16,-25 0-1,-1 0-15,26 0 16,-25 0-16,-26 0 16,26 0-16,-25 0 15,25 0-15,-50 0 16,24 0-16,-24 0 15,25 0-15,0 0 16,-25 0 0,0 0-16,0 0 31,-1 0-15,1 0-1,0 0 32,0 0 47,0 0-63,0 0-15,0 0-1,0 0 17,0 0-32,0 0 15,-1 0-15,1 0 16,25 0-1,-25 0 17,0 0-32,0 0 15,25 0 1,-1 0 0,-24 0-1,0 0 1,0 0-1,-25-25 17,25 25-17,-25-25 267,-25 0 30,0 25-218,0 0-32,0-24-30,1 24-1,-1 0 109</inkml:trace>
-  <inkml:trace contextRef="#ctx0" brushRef="#br0" timeOffset="-8965.7">2191 8218 0,'25'0'32,"0"0"30,0 25-46,0-25-1,0 25-15,0-25 16,25 0-16,-26 0 16,1 25-16,25-25 15,25 0-15,0 25 16,-50-25-1,49 0-15,26 0 16,-1 0-16,-24 0 0,0 0 16,0 0-16,-1 0 15,51 0-15,-26 0 16,51 0 0,-1 0-16,1 0 15,24 0-15,-50 0 16,26 0-16,24 0 15,-24 0-15,24 0 16,-25 0-16,51 0 16,-26 0-16,25 0 15,-25 0-15,-24 25 16,-1-1-16,1-24 16,49 0-16,-25 0 15,0 0-15,-24 0 16,24 0-16,-49 0 15,24 0-15,0 0 16,-24 0 0,24 0-16,-24 0 15,-1 0-15,26 0 16,-51 0-16,51 0 16,-51 0-16,26 0 15,-1 0-15,-24 0 16,25 0-16,-1 0 15,-24 0-15,24 0 16,1 0-16,-1 0 16,26 0-16,-26 0 15,-24 0-15,49 0 16,-49 0-16,-1 0 16,26 0-16,-1 0 15,-24 0 1,25 0-16,-1 0 15,-24 0-15,24 0 16,1 0-16,24 0 0,-24 0 16,-1 0-16,26 0 15,-26 0 1,1 0-16,24 0 16,0 0-16,26 0 15,-51 0-15,26 0 16,-1 0-16,-24 25 15,49-25-15,-50 0 16,26 0-16,-26 25 16,26-25-16,24 25 15,-25 0-15,1-25 16,-26 0-16,26 25 16,-26 0-1,1-25-15,-26 0 0,1 0 16,24 0-16,-24 0 15,0 0 1,24 0-16,-24 0 16,-25 0-16,49 0 15,-49 0-15,-1 0 0,1 0 16,0 0 0,0 0-16,-1 0 15,-24 0-15,25 0 16,24 0-16,-24 0 15,-25 0-15,25 0 16,-26 0-16,1 0 16,0 0-16,0 0 15,25 0-15,-26 0 16,-24 0-16,50 0 16,0 0-1,-26 0-15,1 0 16,0 0-16,25 0 15,-25 0-15,-26 0 0,1 0 16,0 0-16,25 0 16,0 0-1,-25 0 1,0 0-16,0 0 16,24 0-16,1 0 15,25 0 1,-25 0-16,0 0 15,-1 0-15,-24 0 16,50 0-16,-50 0 16,0 0-16,0 0 15,0 0 1,-1 0 0,1 0-16,25 0 15,-25 0 16,0 0-15,0 0 0,0 0-1,0 0 17,0 0 61</inkml:trace>
-  <inkml:trace contextRef="#ctx0" brushRef="#br0" timeOffset="42283.25">19747 8392 0,'-25'0'15,"25"25"-15,0 0 31,0 0-15,0 0-16,25 0 16,-25 0-1,25-25-15,0 50 16,25-50-16,-25 25 16,0-25-16,0 0 15,-1 24-15,1-24 16,0 0-16,0 0 15,25 0-15,0 0 16,-25 0-16,0 0 16,24 0-16,-24 0 15,0 0-15,0 0 16,0 0 0,0 0-16,0 0 15,0 0 16,0 0-15,0 0 0,-1 0-1,26 25 1,-25-25-16,0 0 16,0 25-1,0-25 1,0 25-16,0-25 15,0 25-15,49-25 32,-49 50-32,-25-25 15,25-25-15,-25 25 0,25-25 16,0 0-16,0 0 16,-25 25-1,25-25 1,0 24-16,-1-24 15,1 25 1,0-25 0,0 0-1,0 0 1,0 0 0,0 0-16,25 0 15,-25-25 1,-1 25-16,-24-24 15,25 24-15,25-50 16,-25 50-16,0-25 16,0 25-16,0 0 15,0-25 1,0 25-16,24-25 16,1 0-1,25 25 1,-75-25-16,25 25 15,0 0-15,25 0 16,-26 0 0,26 0-16,0 0 15,-25 0-15,25 0 16,-25 0-16,0 0 16,24 0-16,-24 0 15,25 0-15,-25 0 16,0 0-16,0 0 15,25 0-15,-1 0 16,1 0 0,-25 0-16,0 0 0,25 0 15,0-25 1,-26 25-16,26 0 16,-25-25 15,0 1-31,0-1 31,0 0-15,-25 0-1,25 0 1,-25-25 0,0 25-1,0 0 16</inkml:trace>
-  <inkml:trace contextRef="#ctx0" brushRef="#br0" timeOffset="47293.9">17855 9413 0,'-25'0'32,"25"25"-17,0 0-15,25 50 16,-25-25-1,50-1-15,-26 76 16,26-50-16,-25-50 16,25 99-16,-50-99 15,25 50-15,0-25 0,-25-1 16,0 1 0,0 0-16,0-25 15,0 0-15,0-50 78</inkml:trace>
-  <inkml:trace contextRef="#ctx0" brushRef="#br0" timeOffset="47689.87">17481 9438 0,'0'-25'32,"0"0"-17,50 25-15,-25 0 16,25-24-16,24-1 16,1 0-16,-25 25 15,25-25 1,-1 0-16,-24 25 15,0 0-15,-25 0 16,0 0-16,0-25 16,0 25-16,-1 0 0,1 0 31</inkml:trace>
-  <inkml:trace contextRef="#ctx0" brushRef="#br0" timeOffset="48387.72">18278 9862 0,'25'25'31,"0"24"-31,-25-24 16,0 0-16,25 0 0,0 25 15,-25-25 1,0 0 0,0 0-16,0-1 15,0-48 63,0-26-62,0-25-16,0 25 16,25-49-16,-1 49 15,1-25 1,0 50-16,25-50 0,-50 26 16,50 24-16,-25 0 15,-25 0-15</inkml:trace>
-  <inkml:trace contextRef="#ctx0" brushRef="#br0" timeOffset="49003.23">18627 10036 0,'74'0'31,"-49"-25"-15,25-25-16,-50 25 15,0 0-15,25 1 16,-25-1-16,0 0 16,0 0-1,-50 25 79,25 75-78,25-1-16,0-24 15,0 0 1,0-25-16,0 0 31,0 0-31,0-1 16,25-24-1,25 0-15,-25 0 16,0 0-16,49 0 16,-24 0-16,-25 0 15,25 0-15,0-24 16,0-1-16,-50 0 15,25 25-15</inkml:trace>
-  <inkml:trace contextRef="#ctx0" brushRef="#br0" timeOffset="50455.75">19175 10061 0,'0'-25'78,"24"-100"-62,-24 26-16,0 49 15,0-25-15,0-24 16,0-1-16,0-49 16,0 49-16,0 25 15,0 1-15,0 24 16,0 25-16,-24 25 31,-1 0-31,0 0 31,0 50-15,25 49-16,0 1 16,0-50-16,0 49 0,50 1 15,-25 49-15,24-24 16,-24-1-1,50 1-15,-50-50 16,0-50-16,25 49 16,-26-49-16,1-25 15,0 0-15,25 0 16,0 0 0,-50-75-1,50-24-15,-25-1 16,24 1-16,-49-1 15,0 0-15,0 51 16,0-1-16,0-25 16,0 0-16,0 26 15,0 24-15,-25-25 16,25 25 0,-24 25-1,-1 0 16,0 0-15,25 50 0,0 24-16,0 1 15,0 0-15,0 0 16,0-51-16,0 51 16,0-25-16,0 25 15,0-1-15,0-24 16,0-25-1,25 0-15,24-25 47,-24 0-31,0 0-16,0 0 16,0-25-16,0 0 15,0 0 1,0 0-16,25 25 15,-1-74-15,-24 49 16,0 25-16,-25-25 16,0 0-1,-25 25 48,0 0-48,0 0-15,1 25 16,24 25-16,0 0 16,0-1-16,0-24 15,0 0 1,0 0 0,24-25 30,1 0-30,0 0 0,-25-25-1,0 0 1,0 0 0</inkml:trace>
-  <inkml:trace contextRef="#ctx0" brushRef="#br0" timeOffset="55877.63">20743 9164 0,'-25'0'94,"1"0"-79,24 25-15,0 0 16,0 0-16,0 0 16,0 25-16,0-25 15,0 24 1,0-24-16,0 0 0,0 0 15,0 0-15,0 75 16,0-75-16,0 24 16,0 1-16,0-25 15,0 50 1,0-50-16,0 25 16,0-26-16,0 1 15,0 0-15,0 0 16,0 50-16,0-50 0,0 25 15,0-26 1,0 1-16,0 0 16,0 0 15,0 25-31,-25-25 31,0-25-31,0 0 31,0 0-15,-25 0-16,25 0 16,-25 0-16,26 0 0,-1 0 15,-25 0-15,25 0 16,0 0 15,25-25-31,0 0 16,-25 0-16,25 0 15,0-25 1</inkml:trace>
-  <inkml:trace contextRef="#ctx0" brushRef="#br0" timeOffset="56775.63">20918 9762 0,'0'50'47,"25"25"-32,-25-51 1,24 76-16,-24-50 15,25 25-15,-25-51 16,0 1-16,25 25 16</inkml:trace>
-  <inkml:trace contextRef="#ctx0" brushRef="#br0" timeOffset="57303.04">21092 9812 0,'50'0'0,"-25"50"31,0-1-31,-1-24 16,-24 50-16,25 0 15,0-50-15,-25 24 0,25 1 16,-25-25 0,0-100 93,0 26-109,25-26 16,-25 25-1,25 25-15,-25-25 16,50 1-16,-50 24 0,25 0 15,-25 0 1,25 25 31</inkml:trace>
-  <inkml:trace contextRef="#ctx0" brushRef="#br0" timeOffset="58065.71">21764 9762 0,'-25'0'62,"1"25"-62,-1 0 16,-25 25-1,50 24-15,0-49 16,-50 0-16,25 25 16,25-25-16,0 0 15,0 0 1,75-50 78,-75-25-79,25-25-15,-25 25 16,25 1-16,0-26 16,-25 50-16,0-25 15,24 50 32,1 0-31,-25 25-1,50 25-15,0-25 16,-25 50-16,0-1 16,25-24-16,-26-25 15,1 0 1,25 25-16,-50-25 15,25-1-15,-25-73 79</inkml:trace>
-  <inkml:trace contextRef="#ctx0" brushRef="#br0" timeOffset="61073.23">22287 9164 0,'0'50'63,"0"25"-48,0-50-15,25 25 16,-25-26-16,25 1 15,-25 0 1,25 75-16,-25-75 16,25 0-16,-25 24 0,0-24 15,0 0-15,0 25 16,0-25-16,0 0 16,0 0-1</inkml:trace>
-  <inkml:trace contextRef="#ctx0" brushRef="#br0" timeOffset="61494.97">22262 9189 0,'25'25'15,"0"0"-15,50 25 16,-50-25-16,25 25 16,-26-1-16,26-24 15,-25 25-15,50 25 16,-50-50-16,0 0 15,0-1-15,-1 1 16,1 25-16,0-25 16,0 0-16,0 25 15,0-25 17,0 0-17</inkml:trace>
-  <inkml:trace contextRef="#ctx0" brushRef="#br0" timeOffset="61860.05">22860 8890 0,'25'75'47,"0"0"-47,-25-25 15,25 24-15,-25-49 16,0 75-16,25-25 16,0-1-16,-25 1 15,0-25-15,0 0 16,0-1-16,24 26 16,-24-25-16,0 0 15,0-25-15</inkml:trace>
-  <inkml:trace contextRef="#ctx0" brushRef="#br0" timeOffset="62403.31">23184 9563 0,'0'-25'0,"0"50"93,0 0-77,0 0-16,0-1 16,0 1-1,0 0-15,0 0 16,0 0-16,0 25 15,0-25-15,0 0 16,0 0 0,25-25 31,0 0-32,-25-25 1,0 0-1,24-25-15,-24 25 16</inkml:trace>
-  <inkml:trace contextRef="#ctx0" brushRef="#br0" timeOffset="62816.98">23458 9139 0,'0'0'0,"25"0"0,-25 50 16,24-25-16,-24 50 0,25 0 15,-25-51-15,0 1 16,0 50 0,0 25-16,0-75 15,0 49-15,0-49 16,0 0-1,0 0 17</inkml:trace>
-  <inkml:trace contextRef="#ctx0" brushRef="#br0" timeOffset="63161.25">23458 9563 0,'25'0'16,"-1"0"0,1 0-1,0 0 1,0 0-16,0 0 16</inkml:trace>
-  <inkml:trace contextRef="#ctx0" brushRef="#br0" timeOffset="63447.73">23632 9538 0,'50'0'31,"-50"25"-31,0 0 16,0 0-1,0-1-15,25-24 16,-25 25-16,0 0 47,0 0-32</inkml:trace>
-  <inkml:trace contextRef="#ctx0" brushRef="#br0" timeOffset="64450.9">24030 9538 0,'-25'25'47,"1"0"-32,24 24-15,-25 1 16,25-25-16,-25 0 16,25 25-16,0-25 15,0 0 16,0 0 1,50-25 15,-26 0-47,1-25 15,-25 0 1,0 0-16,0 0 15,0 0 1,0 0 0,0 0-1,25 25 48,0 0-48,0 25 17,-25 0-17,25 25 1,0-50 62,0 0-47,-25-25-31,25 25 16,0 0 46,0 0-62,-1 0 16,-24 25 0,0 0 15,50 0-15</inkml:trace>
-  <inkml:trace contextRef="#ctx0" brushRef="#br0" timeOffset="67149.71">17382 10609 0,'0'25'78,"24"-25"-46,1 24-1,25-24-16,0 0 1,-25 0-16,25 0 16,-1 0-16,26 0 15,-25 0-15,-25 0 16,50 0-16,-50 0 16,49 0-16,-49 0 15,25 0-15,0 0 16,-25 0-16,74 0 15,-74 25 1,25-25-16,0 0 16,24 25-16,26-25 15,-50 0-15,25 0 16,-1 0-16,-24 0 0,0 0 16,25 25-1,-26-25-15,51 25 16,-75-25-16,50 0 15,-26 0-15,-24 0 16,0 0-16,0 25 16,0-25-16,0 0 31,0 0 0,25 0 0</inkml:trace>
-  <inkml:trace contextRef="#ctx0" brushRef="#br0" timeOffset="71290.74">20420 10609 0,'25'0'16,"-1"0"-1,1 49 1,0-24 0,25 0-16,25 0 15,-25-25-15,49 0 16,1 0 0,-50 0-16,24 0 15,26 0-15,24 0 0,1 0 16,24 0-16,-24 0 15,24 0-15,-24 0 16,-26 0 0,1 0-16,-25 0 15,24 0-15,-24 0 16,0 0-16,-50 0 16,-1 0-16,26 0 15,-25 0 1,-25-25 15,0 0-15,0 0-16,25 1 15,-25-1-15,0 0 16,0 0-16,0 0 16,0 0-1,0 0 1,0 0-16,0 0 15,0 0-15,-25 1 16,-25-26 0,25 25-16,1 0 15,-51-50-15,25 50 16,25-24-16,0 24 16,-25 0-16,26 0 15,-51-25-15,50-25 16,0 50-16,-25-24 15,25 24 1,0 0-16,1 25 16,24-25-16,-25 0 15,0 0-15,25 0 32,0 0-32,0 0 0,-25 25 15,25-25-15,0 1 16,0-1-16,0 0 31,0 0-31,0 0 16,0 0-1,0 0-15,0 0 32,0 0-17,0 0 1,0 1-16,0-1 15,0 0 1,0 0 0,0 0 15,-25 0 31,0 0-46,0 25 0,0 0-1,-25-25-15,-24 25 16,24-25-16,-25 0 16,25-24-16,-49 49 15,-1-25-15,1 0 16,74 0-16,-100 25 15,50 0-15,1-25 16,-26 25-16,50 0 16,1 0-16,-1 0 15,0 0 1,0 0-16,0 0 0,25 0 16,1 0-1,-1 0-15,0 0 16,0 0-1,0 0 1,0 0 0,0 25-1,25 25-15,0-25 16,-25 24-16,0-24 16,-25 25-16,50-25 15,-24 100-15,24-101 16,-25 26-16,25 0 15,0-25-15,-25 25 16,25 0-16,0-26 16,0 26-1,0-25-15,0 25 16,0 0 0,0 0-16,0-1 15,0-24-15,0 25 0,0 0 16,0-25-16,0 0 15,0 0 1,0 0-16,0-1 16,0 26-16,0 0 15,25 0-15,-25 0 16,25-1-16,-25-24 16,0 25-16,0-25 15,0 0-15,0 0 16,24 0-16,-24 0 15,0 0 1,0-1-16,0 1 16,0 0-1,0 0-15,25 0 16,-25 0 31,0 0 0,25-25 0,0 25-32,0-25 16,0 0-15,0 0 0,0 0-16,25 0 31,-1 0-15,-24 0-16,25 0 15,-25 0-15,25 0 0,-25 0 16,25 0-16,-1 0 15,1 0 1,0 0-16,-25 0 16,0 0-16,49 0 15,1-25-15,-25 25 16,-25 0-16,25-25 16,-25 25-16,74-25 15,-74 25-15,0 0 16,25 0-16,-25 0 15,0 0 1,-1 0-16,26 0 0,-25 0 16,0 0-16,0 0 15,25 0-15,-25 0 16,0 0-16,0 0 16,24 0-1,-24 0-15,0 0 16,0 0-16,25 0 15,-25 0-15,25 0 16,-26 0 0,1 0-16,0-25 15,0 0 1,0 25 0,0 0-1,0-25 1,0 25-1,0-25-15,0 25 16,-25-24 0,0-1 15,0 0-15,0 0-16,0 0 15,0-25-15,0 0 31,0 25-15,0-24-16,0-1 16,0 0-1,0 25-15,0-25 16,0 1-16,0 24 16,0-25-16,0 25 15,0 0-15,0-25 16,0 25-1,0 0 1,0 1-16,0-1 16,0-75-16,0 75 15,0 0-15,24-50 16,-24 51 0,0-26-1,25 50-15,-25-25 16,0 0-1,0 0 1,0 0 0,0-25-1,0 25 1,0 1-16,0-1 16,0 0-1,0 0 16,0 0-15,0 0 0,0 0 15,0 0 31,-25 0-62,1 0 32,-1 25-32,25-24 15,-25 24 1,0-25-16,0 25 31,0-25-15,0 25-16,0 0 0,0 0 15,-24-25-15,24 25 16,0 0 0,0 0-16,0-25 31,0 25-31,0 0 16,-50 0-1,51 0 1,-1 0-16,0 0 0,0 0 15,0 0 1,0 0-16,-25 0 16,25 0-16,0 0 15,0 0-15,-24 0 16,24 0-16,0 0 16,-25 0-16,25 0 15,0 0-15,0 0 16,0 0-16,-24 0 31,24 0-31,-25 0 16,25 0-16,0 0 15,0 0 1,-25 0 0,26 0-1,-26 0 1,25 0-16,0 0 15,0 0-15,0 0 16,0 0-16,0 0 16,0 0-16,-24 0 15,24 0-15,0 25 16,-25-25-16,25 0 16,0 0-16,0 0 15,0 25-15,1-25 16,-26 0-16,-25 0 15,50 0 1,0 0 0,25 25-1,-50-25 1</inkml:trace>
-  <inkml:trace contextRef="#ctx0" brushRef="#br0" timeOffset="80813.64">17531 10634 0,'-25'0'16,"25"24"46,0 1-31,0 0-15,25-25 0,0 0-16,0 0 15,0 0-15,24 0 16,1 0-16,0 0 15,25 0-15,-25 0 16,-1 0-16,26 0 16,0 0-1,0 0-15,-26 0 16,1 0-16,-25 0 16,75 0-16,-75 25 15,-1-25-15,26 0 0,0 25 16,25-25-1,-1 0-15,-24 0 16,0 0-16,25 0 16,-25 0-16,-1 0 15,1 0-15,-25 0 16,25 0-16,0 0 16,-25 0-16,24 0 15,-24 0 1,25 0-1,-25 0-15,0 0 16,0 0-16,0 0 16,0 0-1,0 0 17,-1 0-17,26 0 1,-25 0-1,0 0-15,0 0 16,25 0 0,0 0-1,-26 0 1,1 0-16,0 0 16,0 0-1,0-25-15,0 25 16,0 0 46</inkml:trace>
-  <inkml:trace contextRef="#ctx0" brushRef="#br0" timeOffset="82331.46">22337 10360 0,'25'0'188,"0"0"-173,25 0-15,-25 0 16,-1 0-16,51 0 15,-25 0-15,50 0 16,-76 0-16,51-25 16,0 0-1,25 25-15,-26 0 16,-24 0-16,0 0 16,0 0-16,24 0 15,-24 0-15,25 0 16,-25 0-16,24 0 15,-24 0-15,0 0 16,0 0-16,24 0 16,-24 0-16,0 0 15,-25 0-15,0 0 16,74 0-16,-74 0 16,50 0-16,-50 0 15,0 0-15,0 0 16,25 0-1,-1 0-15,-24 0 16,0 0 0</inkml:trace>
-  <inkml:trace contextRef="#ctx0" brushRef="#br0" timeOffset="92789.77">27019 8392 0,'49'0'250,"1"0"-235,-25 0-15,25 0 16,-25 0-16,0 0 16,49 0-1,-49 0-15,0 0 0,25 0 16,0 0-16,49 0 15,-49 0-15,0 0 16,25 0-16,-1 0 16,1 0-1,0 0-15,-25 0 16,49 0-16,1 0 16,-50 0-16,49 0 15,-24 0-15,0 0 16,-25 0-16,24 0 15,26 0-15,-75 0 16,25 0-16,-1 0 16,1 0-16,0 0 15,0 0 1,-25 0-16,0 0 0,-1 0 16,26 0-16,-25 0 15,0 0-15,0 0 16,25 0-1,-25 0-15,0 0 16,24 0-16,-24 0 16,0 0-16,0 0 0,0 0 15,0 0 1,0 0 0,0 0-16,0 0 15,0 0 1,-1 0-1,1 0 17,0 0-17,0 0 1,0 0 15,0-25-31,25 1 47,-50-1-47,50 0 16,-26 0 15,1 0-15,-25 0 15,0 0-16,25 0-15,-25 0 16,25 0 0,-25 1-1,25-1 1,-25 0 0,25 0-1,-25-25 1,0 25-1,0 0 1,0 0-16,25 0 0,-25 1 16,0-1-1,0-25 1,0 0 0,25 50-1,-25-25-15,0 0 31,0 0-15,0 0 0,0 1 15,0-1 0,0 0-15,-25 25 31,0 0-32,0-25-15,0 25 32,0 0-17,25-25-15,-25 25 16,0 0-1,1 0 1,-26 0-16,25 0 16,-25 0-16,25 0 15,-25 0-15,25 0 16,-24-25-16,24 25 16,-25 0-1,-25 0-15,25 0 16,-24 0-16,49 0 15,-25 0-15,0 0 0,0 0 16,1 0-16,-1 0 16,25 0-1,0 0-15,0 0 16,-25 0-16,25 0 16,-24 0-16,-1 0 15,25 0-15,0 0 16,-25 0-16,25 0 15,-25 0-15,26 0 16,-1 0-16,0 0 16,0 0-16,0 0 15,0-25-15,-25 25 16,25 0 0,0 0-16,-24-25 15,24 25-15,0 0 16,0 0-1,0 0-15,-25 0 16,0 0-16,26 0 16,-1 0-16,-25 0 0,25 0 15,-25 0-15,0-25 16,0 25 0,26 0-1,-26 0-15,-25 0 16,25 0-16,25 0 15,-24 0-15,24 0 16,-25 0-16,25 0 16,-25 0-16,25 0 15,-25 0-15,26 0 16,-1 0 0,0 0-16,-25 0 15,25 0 1,0 0-16,0 0 15,-25 0 1,26 0 15,-1 0 1,-25 25-32,25-25 31,0 25-16,25 0 1,-25-25 0,25 25-16,0 25 0,-50 0 15,50-26 1,0 1-16,0 0 16,0 0-16,0 0 31,0 25-16,0-25 1,0 0-16,0 0 0,0-1 16,0 1-16,0 0 15,0 0 1,0 25-16,0-25 16,0 0-1,0 0 1,0 0-1,0-1 1,0 1 0,0 0-16,0 0 31,0 0-15,0 0 46,0 0 204,25-25-219,0 25-32,0-25 1,0 0 31,0 0-32,0 0 1,-25 25 0,25-25-1,0 0 16,-1 0-15,1 25 15,0-25 1,0 0-17,0 0 1,-25 24-1,25-24-15,0 0 32,-25 25-17,25-25 1,25 0 0,-26 0-1,-24 25 1,75-25-1,-50 0-15,0 0 16,0 0 0,0 0-1,0 25 1,0-25-16,24 0 31,-49 25-31,25-25 16,0 0-16,25 0 15,-25 25 1,0-25 0,25 0-16,-26 0 15,26 0 1,-25 0 0,25 0-16,-25 25 15,50-25 1,-26 0-16,-24 0 15,25 0-15,0 0 16,0 0-16,0 0 16,-1 0-16,-24 0 15,0 0-15,50 0 16,-25 0-16,-25 0 16,-1 0-16,51 0 15,-50 0 1,50 0-16,-50 0 0,0 0 15,-1 0-15,1 0 16,25 0-16,-25 0 16,25 0-16,-25 0 15,0 0 1,0 0-16,24 0 16,-24 0-16,25 0 15,-25 0 1,0 0-16,0 0 0,0 0 15,25 0 1,-26 0-16,1 0 16,25 0-16,-25 0 15,25 0-15,-25 0 16,25 0 0,-26-25-1,1 25-15,0 0 16,0 0-1,0 0 1,0-25 0,0 0-1,0 25 1,0-25-16,-25 0 31,25 25-31,-1 0 16,-24-25-16,25 25 15,-25-24 1,25 24 0,-25-25-1,25 25-15,-25-25 16,25 0 0,-25 0-1,0 0 1,25 0-16,-25 0 15,25-25 1,-25 26-16,0-1 16,25 0-1,-25-25 1,0 25-16,25 0 16,-25 0-16,0 0 15,0 0 1,0 1-1,0-1 1,0 0-16,0 0 16,0 0-16,0 0 15,0 0 1,0 0 15,0 0 0,-25 25-31,25-25 16,-25 25 0,25-24-1,-25-1 17,25 0-17,-25 25 16,0-25-15,0 0 15,0 25-15,0 0 0,1 0 15,24-25-31,-25 25 15,0-25 17,0 25-17,0 0 17,0-25-17,0 25 1,0 0-1,0 0 1,0 0 0,1 0-1,-1 0-15,0 0 16,0 0 0,-25 0-1,25 0-15,0 0 16,0 0-1,0 0-15,1 0 16,-1 0-16,0 0 16,0 0-16,-25 0 15,25 0 1,0 0-16,-25 0 16,1 0-16,-1 0 15,0 0-15,25 0 0,-50 0 16,50 0-1,-24 0-15,-26 0 16,25 0-16,-25 0 16,-24 0-16,74 0 15,-50 0-15,1 0 16,24 0-16,-25 0 16,0 0-16,26 0 15,-51 0-15,75 0 16,-50 0-16,50 0 15,-49 0-15,24 0 16,-25 0 0,50 0-16,0 0 15,0 0-15,-49 0 0,49 0 16,0 0-16,0 0 16,0 0-1,0 0-15,0 0 16,0 0-16,-24 0 15,24 0-15,0 0 16,-25 0 0,25 0-16,0 0 15,0 0-15,0 0 16,1 0-16,-1 0 16,-25 0-1,25 0-15,0 0 16,0 0-1,0 0 1,0 0 0,0 0-1,1 0 1,-1 0 0,0 0-16,0 0 31,0 0 0</inkml:trace>
-  <inkml:trace contextRef="#ctx0" brushRef="#br0" timeOffset="94361.36">28189 8542 0,'0'25'109,"0"25"-109,0-1 16,0 51-16,0 24 16,0-49-16,25 50 15,-25-51-15,25 1 0,0-25 16,-25-25-1,0 25-15,0-26 16,0 1 0</inkml:trace>
-  <inkml:trace contextRef="#ctx0" brushRef="#br0" timeOffset="95067.88">27890 9339 0,'25'0'79,"0"0"-79,0 0 31,-25 25-16,25-25-15,-25 24 16,25-24 0,0 25-1,0-25 1,-1 0 0,1 0 15,0 25-16,0-25-15,0 0 16,0 0-16,25 0 16,-25 0-1,0 0 1,-1 0-16,1 0 16,0 0-1,0-50-15,0 50 16,0-24-1,-25-1-15,25 0 16,0 0 0,-25 0-1,25 25-15,-25-25 16</inkml:trace>
-  <inkml:trace contextRef="#ctx0" brushRef="#br0" timeOffset="99833.39">27666 10011 0,'-25'0'16,"0"0"-1,0 0 17,0 0-17,1 0 1,-1 0 0,0 0-1,0 0 1,-25 50-1,25-25 1,0-25-16,-25 50 16,26-50-16,-1 49 15,25-24-15,-25 25 16,25 0-16,0-25 16,0 25-16,0-26 15,0 26-15,0 0 16,0-25-16,0 0 15,0 0-15,0 25 16,25-50 0,-25 24-16,25-24 15,-1 25-15,1-25 0,0 0 16,0 0 0,0 0 15,0 0-16,0 0 1,0 0 0,25 0-16,-26-25 15,1 1-15,0-1 16,25 0-16,-25 25 16,0-50-16,25 50 15</inkml:trace>
-  <inkml:trace contextRef="#ctx0" brushRef="#br0" timeOffset="100330.05">28089 10061 0,'0'25'62,"0"25"-62,0-26 0,0 51 16,0-25 0,25 25-16,0 24 0,-25-24 15,0 25-15,25-51 16,-25-24 0,25 0-16,-50-50 78,0-25-78,0 26 15,-24-26-15,-1-75 16,25 75-16,-25 1 16,25-26-16</inkml:trace>
-  <inkml:trace contextRef="#ctx0" brushRef="#br0" timeOffset="100733.88">27840 10111 0,'0'-25'16,"0"0"46,25 25-46,0 0 0,25-25-16,-25 25 15,25 0 1,-25 0 0,0 0-1,-1 0 48</inkml:trace>
-  <inkml:trace contextRef="#ctx0" brushRef="#br0" timeOffset="101168.69">28040 10683 0,'0'25'63,"0"0"-48,49-25 1,1 0-16,-25 0 16,0 0-1,0 25-15,25-25 16</inkml:trace>
-  <inkml:trace contextRef="#ctx0" brushRef="#br0" timeOffset="101815.19">28861 9712 0,'-25'0'31,"1"0"-15,-1 25 0,0 50-16,-25-25 0,50 74 15,-75-49-15,50 24 16,0 1-16,1 0 15,-1-1-15,0 1 16,0-1 0,-25-24-16,25-25 15,0 0-15,25 0 16,-25-26-16,25 1 16,0 0-1,0 0 16</inkml:trace>
-  <inkml:trace contextRef="#ctx0" brushRef="#br0" timeOffset="103142.71">29409 10111 0,'0'-25'16,"0"0"-1,-25 25-15,-74-25 16,74 25-16,0-50 15,-25 50 1,0 0-16,0 0 16,1 0-16,-1 0 15,25 25 1,0 0-16,25 25 16,0 0-16,0 24 15,0-24-15,0 50 16,0-51-16,25 51 15,25-25-15,-50-25 16,50-1-16,-1 51 16,-24-50-16,0-25 15,0 0-15,0-1 16,0-24-16,-25 25 16,25-25-1,25 0 1,-25-49-1,24-1-15,-24-50 16,50 1-16,-25 24 16,24 0-1,1-49-15,-75 74 16,50-25-16,0-24 16,-25 49-16,0 25 15,-25-25-15,0 25 16,0 0-16,24 0 15,-24 75 64,0-25-64,0 50-15,0 24 16,0 1-1,0-50-15,0 49 16,0-24-16,0 25 16,0-1-16,25-24 15,0 0-15,0-26 16,-25-73 62,-50-26-62,25-25-16,1 25 15,-26-74-15,50 74 16,0-50 0,0 1-16,0 49 15,0 0-15,0-49 0,0-1 16,0 75-16,0 0 15,50-50 1,-26 51-16,1 24 16,0 0-1,25 24 1,-25 1-16,0 0 16,0 25-16,0-25 15,24 0-15,-24 50 16,0-26-16,0 1 15,-25-25-15,0 25 16,0 0-16,0-25 16,0 49-16,0-24 15,0 0-15,0 25 16,0-1-16,0-49 16,-25 50-16,-25-25 15,1 24 1,24-74-16,0 0 15,-25 0-15,25 0 16,-74 0-16,49 0 16</inkml:trace>
-  <inkml:trace contextRef="#ctx0" brushRef="#br0" timeOffset="115589.59">30430 10011 0,'0'-25'78,"0"0"-78,0 0 16,0 0 0,0 1-16,0-1 15,0-25-15,0 25 16,0 0-16,-25 0 15,0 0 1,25 0 0,-25 0 31,1 25-1,24-25-30,-50 25 78,50-24-79,-25 24-15,0 0 16,0 0 0,-25 0-1,0 0-15,1-25 16,24 25 0,-25 0-16,25 0 15,0 0-15,-25 0 16,-24 0-16,49-50 15,0 50-15,-50 0 16,25 0-16,1 0 16,-1 0-16,0-25 15,25 25-15,-25 0 16,25 0-16,-24 0 16,-1-25-1,25 25 1,0 0-1,-25 0-15,0 0 16,0 0-16,1 0 0,-1 0 16,25 0-16,0 0 15,-50 0-15,50 0 16,1 0 0,-26 0-16,25 0 15,-25 0-15,0 0 16,-24 0-16,24 0 15,25 0-15,-25 0 16,-50 0-16,76 0 16,-1 0-16,-25 0 15,0 0-15,0 0 16,-24 0-16,49 0 16,-25 0-16,0 0 15,0 0-15,0 0 16,1 0-16,24 0 15,-25 0 1,25 0 0,0 0-16,0 0 15,0 0-15,0 0 16,0 0-16,1 0 16,-26 25-16,25-25 15,0 0-15,-25 25 16,25 0-16,0-25 15,0 0 1,1 25-16,-1 0 16,0-1-16,-50 1 15,50 0 1,0 0-16,0 0 16,0 0-16,1-25 15,-1 25 1,25 0-16,-50 25 0,25-25 31,0 24-31,0-24 0,0-25 16,25 50-16,-25-25 15,25 25 1,-25-25-16,25 0 16,-24-1-1,24 1-15,-25-25 16,25 25-1,0 0-15,0 50 16,0-25 0,0-25-1,0-1-15,0 1 16,0 0 0,0 25-16,0 0 15,0-25 1,0 0-16,0 0 15,0 24 1,0-24 0,0 0-16,49 25 15,-49-25-15,0 0 16,25 25 0,0-50-1,0 24-15,-25 1 16,25 0-1,-25 0 1,25-25 0,0 25-1,0 0 1,0-25-16,0 0 16,24 25-1,-24-25 16,25 25-31,0-25 0,-25 25 16,0-25-16,49 25 31,1 0-15,-50-25-16,25 0 16,0 24-16,-1-24 15,26 0-15,-25 25 16,0-25-16,-1 0 15,1 0-15,0 0 16,25 25-16,-50-25 16,25 0-1,-1 0-15,26 25 0,-50-25 16,0 0-16,50 0 16,-26 0-16,1 0 15,0 0-15,0 0 16,0 0-1,-1 0-15,26 0 16,-25 0-16,-25 0 16,25 0-16,-26 0 15,51 0-15,-50 0 0,25 0 16,0 0 0,-1 0-16,26 0 15,-50 0-15,25 0 16,0 0-16,-25 0 15,24 0-15,26 0 16,-25 0 0,-25 0-16,25 0 15,-25 0-15,24 0 16,-24 0 0,25 0-16,-25 0 0,0 0 15,0 0 1,0 0-16,24 0 0,1 0 15,-25 0 1,0 0 0,0 0-16,0 0 15,0-25 1,25 0-16,-26 25 31,1-25-31,0 1 31,0-1-31,-25 0 16,25 25-16,0-25 16,-25 0-16,25 0 15,0 25 1,0-50-16,0 25 16,-25 0-16,24 0 15,1 25 1,0-24-1,0-1 1,0 25 0,-25-25-16,50 0 0,-25 0 31,-25 0-31,0 0 31,25 25-15,-25-25-16,0 0 31,25 0-31,-25 1 16,0-1-16,0-25 15,0 25 1,0-25-16,0 0 0,0 25 16,0-49-16,0 24 15,0-25 1,0 50-16,0-24 0,0-1 15,0 25 1,0-50-16,0 50 16,0-25-16,0 26 15,0-26-15,-25 0 16,0 25-16,0 0 16,0-25-1,25 25-15</inkml:trace>
-  <inkml:trace contextRef="#ctx0" brushRef="#br0" timeOffset="117209.37">30082 9662 0,'0'-25'94,"24"1"-78,1-1-16,-25-25 0,50 25 15,-50-25 1,25 0-16,0-24 16,0-1-16,0 25 15,0-25-15,24-24 16,-24 24-16,25-24 16,0 24-16,-50 25 15,50 0-15,-25-49 16,25 49-16,-26-50 15,1 1-15,0 24 16,25-25 0,-50 50-16,25-24 0,-25 24 15,25-50-15,0 26 16,-25-26-16,0 0 16,0 1-1,0-1-15,0 1 16,0-1-16,0-25 15,0 26-15,0 24 16,0-49-16,0-1 16,0 1-16,-25-1 15,0 1-15,-25 24 16,25-24-16,-25 49 16,26-25-16,-1 25 15,0 51-15,0-51 16,0 50-16,25 0 15,-25 0-15,25 0 16,0 0 0,-25 25-1</inkml:trace>
-  <inkml:trace contextRef="#ctx0" brushRef="#br0" timeOffset="117914.95">30181 5927 0,'0'-25'79,"25"-25"-64,0-24-15,0 49 16,0-25-16,-25 25 15,0 0-15,25 0 16,-25 0 0,0 0-16,25 1 15,-1 24 79,26 24-63,-25 1-15,25 0-16,0 0 16,-25-25-16,0 0 15,0 25-15,-1-25 16,1 0-16</inkml:trace>
-  <inkml:trace contextRef="#ctx0" brushRef="#br0" timeOffset="119065.67">28314 4333 0,'24'25'32,"1"75"-32,25-25 15,-25-1-15,-25-24 0,25 25 16,-25 0-1,25 49-15,0-49 16,-25-1-16,25 1 16,0-50-16,-25 50 15,24-75-15,-24 25 16,0-50 78,0-25-94,0-25 0,0-24 15,0-1-15,0 0 16,0 1 0,-24-1-16,-1 1 15,0 24-15,25 0 16,0 25-16,0-24 15,0 49-15,0 0 16,0 0-16,0 0 16,0 0-1,0 0-15,25 25 16,24-25 0,-24 25-16,0 0 0,0 0 15,25 0-15,-25 0 16,25 50-1,-50-25-15,25 0 16,-1 50 0,-24-1-16,0 51 15,0-50-15,0-1 16,0 51-16,0-26 0,0-24 16,-24 0-16,-26 0 15,0-26 1,50-24-16,-25 25 15,0 0 1</inkml:trace>
-  <inkml:trace contextRef="#ctx0" brushRef="#br0" timeOffset="119619.83">29409 4607 0,'-25'0'31,"-49"0"-15,-1 0-16,25 75 15,50-25 1,-25-25-1,25 0 1,0 0-16,0-1 16,0 1-1,0 0-15,0 0 16,0 0-16,25-25 31,0 0-15,0 0-16,0 0 15,0 0-15,25-75 16,-26 50-16,-24 1 16,25-26-16,0 25 15,0-75-15,-25 50 16,25-24 0,-25 24-1,0 25-15,0-25 16</inkml:trace>
-  <inkml:trace contextRef="#ctx0" brushRef="#br0" timeOffset="120200.37">29733 4308 0,'0'25'62,"-25"50"-46,0-50-16,25 25 15,-25-25-15,25 0 16,0 24-16,0-24 16,0 25-16,0-25 15,0 0 1,0 0 0,0 0-1,25-25 16,0 0-15,0 0 0,0 0-16,0 0 31,0 0-31</inkml:trace>
-  <inkml:trace contextRef="#ctx0" brushRef="#br0" timeOffset="120794.14">30555 4184 0,'-50'0'15,"25"0"1,-25 25 0,50 25-16,-25-50 15,25 49-15,-50 1 16,50 0 0,-24 0-16,-1-50 0,25 25 15,0 0 1,0 0 31,0-1-16,25-24 0,-1 0-31,1 0 16,0 0-1,0 0 1,0 0 15</inkml:trace>
-  <inkml:trace contextRef="#ctx0" brushRef="#br0" timeOffset="121243.24">30206 4284 0,'-25'0'31,"25"24"-31,0 26 16,0 50-16,0-50 15,0-1-15,0 1 16,25-25-1,0 50-15,25-25 16,-50 0-16,50-26 16,-50 1-16,24 0 15,1 25-15,-25-25 16,25 0-16,0 0 62</inkml:trace>
-  <inkml:trace contextRef="#ctx0" brushRef="#br0" timeOffset="122085.04">30654 4856 0,'0'0'0,"100"-74"31,-75 49-31,25-25 16,-25 0-16,-1 0 16,1 0-16,-25 1 15,50-26-15,-50 25 16,0 25-16,0-25 15,0 1-15,0-1 16,0 75 78,25 74-94,0-49 15,-25 50-15,25-75 16,0 24-16,0-24 16,0 0-16,-1 0 15,1 0 1,0-25-16,25 0 16,-25 0 15,25 0-31,-50-25 15,25 0-15,0-25 16,-1 26-16,1-76 16,-25 50-16,0 25 31,0 0-31,25 25 0,0 0 78,-25 50-78,25-50 16,-25 25-16,0 50 15,25-50-15,-25 0 16,25-1-16,-25 1 16,0 0-1,25-25 1,-25-50 62,0 1-62,0-26-1</inkml:trace>
-  <inkml:trace contextRef="#ctx0" brushRef="#br0" timeOffset="127130.01">28712 5479 0,'25'0'109,"25"0"-93,-25 0-16,74 0 16,-49 0-16,0-25 15,0 25-15,-1-25 16,51 25-16,0-25 16,24 0-16,-49 25 15,49 0 1,1-25-16,-1 0 15,1 25-15,-26-24 0,26 24 16,-50 0-16,24 0 16,26-25-16,-50 25 15,-1 0 1,1 0-16,-25-25 16,24 25-16,-49 0 15,0 0-15,0 0 16,25 0-16,-25 0 15,0 0-15,0 0 16,0 0-16,-1-25 16,26 0-16,-25 25 15,0 0-15,25-25 32,-25 25-32,0-25 0,24-25 15,-24 25 1,0 1 15,0-26-31,25 25 16,-25 0-16,0-50 15,0 25-15,0 26 0,-1-26 16,26 0 0,0-75-16,25 76 15,-50-1-15,25 0 16,-26 0-16,1-25 15,0 51-15,0-1 16,-25-25-16,25 25 16,-25-25-16,0 0 15,0 25 1,0 1-16,0-1 16,0-25-16,0 25 31,0 0-31,0-25 15,0 25-15,0 0 16,-50 1-16,25 24 16,-49-25-1,-26 0-15,25 25 16,-49 0-16,74 0 16,-25-25-16,-49 25 15,24-25-15,-49 25 16,24-25-16,1 0 15,24 0-15,-24 0 16,49 25-16,-50-25 16,26 25-16,24 0 15,-25-24-15,1 24 16,24 0-16,-24 0 16,49 0-16,-25 0 15,50 0-15,0 0 16,-25 0-1,1 0-15,-1 0 16,25 0-16,-25 0 16,0 0-16,25 0 0,-24 0 15,-26 0 1,50 24-16,0 1 16,-25 0-16,25 0 15,-24 0-15,-1-25 16,-25 50-16,50-25 15,-25 25-15,1-1 16,24-24-16,-25 25 16,25-25-16,-25 0 15,0 25-15,25-25 16,1-25 0,-1 24-16,-25 26 0,0-50 15,50 25 1,-50 0-16,25-25 15,0 0 17,-24 0-17,24 25-15,0-25 32,0 0-32,0 25 15,0-25 1,0 25-16,0 0 15,-24 49 1,24-49 0,0 25-16,0-25 15,0 50-15,25-50 16,0 49-16,0 1 16,0-25-16,0 0 15,0 49 1,0 1-16,0-50 15,0-1-15,0 1 16,25 25-16,-25-50 16,25 0-16,-25 0 15,25 0 1,0 24 0,-1 1-1,1 0 1,0-25-1,0-25 17,-25 25-32,25-25 31,0 25-15,0 0-16,0-25 15,0 0 1,0 24-1,-1-24 1,1 0-16,0 0 16,0 0-16,25 0 15,-25 0-15,25 0 16,-1 0-16,-24 0 16,25 0-16,0 0 15,0 0-15,-25 0 16,0 0-16,-1 0 15,1 0-15,0 0 16</inkml:trace>
-  <inkml:trace contextRef="#ctx0" brushRef="#br0" timeOffset="144745.85">30306 12003 0,'-25'-25'78,"0"25"-62,25-25-16,-50 0 15,50-24 1,-25 24 0,0-25-16,0 0 0,0 25 15,25 0 1,-24 0-16,-1-24 16,25 24-16,-25 0 0,0 0 15,-25 0 1,25 0 15,0 0-31,0 25 16,0-50-1,1 50 1,24-24-16,-25 24 16,-25-25-1,25 25-15,0 0 16,0-25-16,0 25 31,-25-25-31,26 25 16,-51-25-16,50 25 0,0-25 15,0 25-15,0 0 16,-25 0-16,26-25 16,-51 25-1,0 0-15,50 0 16,-50 0-16,1 0 15,24 0-15,-25 0 16,25-25-16,-24 25 16,24-25-16,-75 25 15,101-25-15,-51 25 16,25 0-16,-50 0 16,-24 0-16,24 0 15,1 0-15,-26 0 16,26 0-16,-26-24 15,-24 24-15,24 0 16,-24 0-16,-1 0 16,-24 0-1,25-25-15,-26 25 16,26 0-16,-1 0 16,-24 0-16,50 0 0,-51 0 15,26 0-15,-75 0 16,0 0-1,-25 0-15,25 0 16,-1 0-16,1 0 16,0 0-16,25 0 15,0 0-15,24 0 16,51 0-16,-1 0 16,26 0-16,24 0 15,-24 0-15,-1 0 16,0 0-16,-24 0 15,24 0-15,1 0 16,-1 0-16,25 0 16,1 0-16,-1 0 15,0 0-15,25 0 16,-49 0 0,24 0-16,0 0 15,1 0-15,-26 0 16,0 0-16,26 0 15,-26 0-15,25 0 16,1 0-16,-26 0 16,50 0-16,0 0 15,-49 0-15,-1 0 16,26 0-16,-1 0 16,-25 0-16,1 0 15,24 0-15,-50 0 16,51 0-16,-51 0 15,1 0-15,49 0 16,0 0 0,-49 0-16,49 0 15,0 0-15,1 0 0,-26 0 16,50 0-16,-49 0 16,24 0-16,-25 0 15,1 0 1,-1 0-16,0 0 15,1 0-15,-1 0 16,1 0-16,-26 0 16,26 0-16,-51 0 15,51 0-15,-26 0 16,25 0-16,26 0 16,-26 0-16,-49 0 15,74 0-15,-50 0 16,51 0-16,-1 0 15,0 0 1,-49 0-16,49 0 0,0 0 16,-24 0-16,24 0 15,0 0 1,1 0-16,-1 0 16,-25 0-16,-24 0 15,24 0-15,1 0 0,-26 0 16,1 0-1,-1 0-15,-24 0 16,24 0-16,-24 0 16,-26 0-16,1 0 15,-25 0-15,25 0 16,-1 0-16,26 0 16,-25 0-16,-1 0 15,1 0-15,-50 0 16,50 0-16,-51-25 15,76 25 1,-50 0-16,24 0 0,-49 0 16,50 0-1,-50 0-15,50 0 0,-51 0 16,26 0-16,0 0 16,0 0-1,-25 0-15,49 0 16,-49 0-16,50 0 15,-25 0-15,24 0 16,-49 0-16,50 0 16,0 0-16,-1 0 15,1 0-15,0 0 16,24 0-16,1 0 16,0 0-1,-1 0-15,1 0 0,24 0 16,50 0-16,-49 0 15,24 0-15,26 0 16,-26 0-16,-24 0 16,-1-25-1,25 25-15,1-25 16,-26 25-16,26 0 16,24 0-16,-25 0 0,26 0 15,-1 0-15,-25 0 16,51 0-1,-1 0-15,-25 0 16,0 0-16,26 0 16,-26 0-16,25 0 15,0 0-15,0 0 16,26 0-16,-26 0 16,0 0-16,25 0 15,-25 0-15,0 0 16,26 0-1,-1 0-15,-25 0 0,25-25 16,0 25 0,-75 0-16,51-25 0,-26 25 15,0 0-15,0-25 16,-24 25 0,-1 0-16,50-25 15,-24 25-15,24 0 16,-25 0-16,25 0 15,-24 0-15,24 0 16,0 0-16,0 0 16,1 0-16,24 0 15,-25 0-15,-25 0 16,50 0-16,0 0 16,0 0-16,0 0 15,1 25-15,-26 0 16,0-25-16,0 25 15,25 0-15,-25 0 16,26 0 0,-26-25-16,-25 74 15,50-74-15,-25 25 16,25-25-16,-24 25 16,24 0-16,-50-25 15,50 25-15,0-25 16,-49 0-16,24 0 15,-25 0-15,25 0 16,25 0-16,0 0 16,1 0-16,-51 0 15,50 0-15,-25 0 16,25 0-16,-25 0 16,1 0-16,-26 0 15,50 0 1,0 0-16,0 25 0,0-25 15,0 0 1,0 25-16,-24-25 0,24 25 16,0-25-16,0 25 15,0-25 1,0 25 0,0-25-1,0 24 1,0-24 15,1 25-15,-1-25-1,25 25 1,-25-25 31,25 25-16,-25 0-15,0 0 15,25 0-15,0 0-1,-25 0 1,0 0-1,0-1-15,25 1 16,0 0-16,-25 0 16,0-25-16,25 50 15,0-25-15,0 0 16,-24 0 15,24 0 16,0-1-16,0 1-15,0 0 15,0 0-15,0 0-1,0 0 1,0 0 0,0 0-16,0 25 15,0-26 17,0 1-17,0 0 1,0 0-1,0 0 1,24 0 0,-24 0-16,25-25 15,-25 25-15,25 0 0,-25 0 32,25 0-32,0 24 15,0-24 1,0 25-1,-25-25-15,25-25 16,0 25 0,-25 0-1,25 25-15,-1-26 32,1 1-32,-25 0 0,25-25 15,-25 25 1,25 0-1,0 0 79,-25 0-47,25 0-31,0-25 15,-25 25 0,25 0 16,-25-1 31,25 1-62,-25 0-1,25-25 1,-25 25 47,0 0 108,0 0 251,24 0-390,-24 0 77,0 0 0</inkml:trace>
-  <inkml:trace contextRef="#ctx0" brushRef="#br0" timeOffset="153220.81">29982 11530 0,'0'25'172,"0"0"-140,0 0-32,0 0 15,25 24-15,0-24 31,-25 25-31,0-25 16,0 0-16,0 0 16,0 25-16,0-1 15,0-24-15,0 0 16,0 0-16,0 25 16,0-25-1,0 0-15,0 0 0,0 0 16,-25 24-1,0-24 17,25 0-17,-25 0 1,25 0 0,-25-25-1,25 25 1,-25 0-1,25 0 1,-25 25-16,-24-26 16,24 1-16,0 0 15,-25 25-15,25 0 16,0-25-16,-25 25 16,25-26-16,-24 1 15,24 0-15,0 0 16,0 0-1,-25 50-15,25-50 16,0 49 0,0-49-16,1 0 15,24 0-15,-25 25 0,0-25 16,0 0 0,25 24-16,-25 1 15,0 25 1,0-50-1,25 25-15,0-25 16,0 49-16,0-49 16,0 50-16,0-50 15,0 0-15,0 0 16,0 0 0,0 24-16,0 1 15,0-25 1,0 0-1,0 0-15,0 0 16,0 0 0,0 0-1,0-1 1,0 1 0,25 0 265,-25 0-266,0 0 1,0 0 0,0 0-16,0 25 31,0-1-31,0-24 16,0 0-16,0 0 15,0 0-15,0 25 16,0-25-16,0 0 15,0 0 1,0-1 0,0 1-16,0 0 15,0 0 32,0 0-31</inkml:trace>
-  <inkml:trace contextRef="#ctx0" brushRef="#br0" timeOffset="158425.62">1644 12551 0,'24'0'0,"1"0"15,25 0 17,-25 0-1,-25 25-16,0 0-15,0 0 16,50 25 0,-50 24-16,0-24 0,50 25 15,-25 24-15,24 26 16,26-1-16,-50-24 16,25-25-1,-25-26-15,-25 26 16,25-25-16,-1 25 15,1-1-15,0 26 16,0 0-16,25-26 16,-50 26-16,50-50 15,-50 49-15,25-24 16,0 0-16,-25-50 16,24 24-16,-24-24 15,0 25-15,25-25 16,-25 25-16,25-25 15,-25 0 1,0 0-16,25 24 16,-25 1-1,25 25 1,-25-50-16,0 0 0,0 49 16,25-24-1,-25 0-15,0 0 0,25 0 16,-25-1-1,0 1-15,0 25 16,0-25-16,0 0 16,0-1-16,0 26 15,0-25-15,0 25 16,0-51-16,0 51 16,0-50-16,0 50 15,0-50-15,0 24 16,0 1-16,0-25 15,0 0-15,-25 25 16,25-25-16,0 0 16,-25 0-16,25 0 15,0 24-15,-50 26 16,50-50 0,-25 25-1,25 0-15,0-26 16,-25 26-16,25-25 15,-24 0-15,24 0 16,-25 0-16,0 50 16,25-51-1,0 1-15,-50 25 16,50-25-16,0 0 16,-25-25-16,25 50 15,-25-25-15,25 0 16,-25-25-16,25 24 15,0 1 1,0 0 47,0 0-17,0 0 17,0 0-47,0 0 15,50-25-31,-25 0 15,25 0-15,0 25 16,-26-25-16,26 0 16,25 0-16,-50 0 15,75 0 1,-26 0-16,-24 0 16,25 0-16,-1 0 15,-24 0-15,25 0 0,49 0 16,-99 0-1,25 0-15,0 0 16,25-25-16,-1 25 16,1 0-16,25 0 15,-26 0-15,51 0 16,-50 0-16,24 0 16,26 0-16,-26 0 15,1 0-15,24 0 16,1 0-16,-1 0 15,1-25 1,-25 25-16,49-25 16,-24 25-16,-1 0 0,1 0 15,-26 0-15,26 0 16,24 0-16,-24 0 16,24 0-1,-25 0-15,1 0 16,24 0-16,1-25 15,24 0-15,-24 25 16,24-25-16,-25 25 16,26-25-16,-26 1 15,25 24-15,-49 0 16,24 0-16,-24 0 16,-1 0-16,1 0 15,-26 0-15,1 0 16,24 0-16,-49 0 15,50-25-15,-51 25 16,1 0-16,0-25 16,0 25-1,-26 0-15,26 0 16,-25 0-16,25 0 16,24 0-16,-24 0 0,0 0 15,24 0 1,-24 0-16,24 0 15,26 0-15,-50 0 16,24 0-16,26 0 16,-1 0-16,1 0 15,-1 0-15,1 0 16,24 0-16,26 0 16,-26 0-16,50 0 15,-24 0-15,24-25 16,-25 25-16,50 0 15,-25 0-15,26 0 16,-1-25 0,0 25-16,0 0 0,25-25 15,-25 0-15,-25 25 16,25 0 0,-24 0-16,49 0 15,-50 0-15,25 0 16,-50 0-16,25 0 15,-24 0-15,24 0 16,-50 0-16,26 0 16,24 0-16,-50 0 15,26 0-15,-1 0 16,0 0-16,-24 0 16,-26 0-16,50 0 15,-24 0-15,-1 0 16,-24 0-16,24 0 15,1 0-15,-26 0 16,26 0 0,-26 0-16,25 0 15,26 0-15,-1 0 16,25 0-16,-24 0 0,-1 0 16,0 0-16,-24 0 15,49 0 1,-25 0-16,25 0 15,-49 0-15,49 0 16,-25 0-16,26 0 16,-51 0-16,0 0 15,26 0-15,-51 0 16,51 0-16,-26 0 16,-25 0-16,26 0 15,-26 0 1,26 0-16,-26 25 0,26-25 15,-51 0-15,51 25 16,-51 0-16,26 0 16,-1-25-16,1 0 15,24 25 1,-24 0-16,-1-1 16,1-24-16,24 0 15,-49 25-15,49 0 16,-24 0-16,49 0 15,-25 25-15,-24 0 16,0-50-16,-26 49 16,26-24-16,-26 0 15,1 25 1,-1-50-16,26 50 0,-1-25 16,-24 25-16,49-1 15,-24-24-15,-25 25 16,24-25-16,1 25 15,-1-25 1,1 25-16,-1-1 16,26-24-16,-51 0 15,26 0-15,-26-25 16,26 25-16,-50 0 0,24 0 16,-24-25-1,0 0-15,24 25 16,-49 0-16,-25-25 15,99 0-15,-74 0 16,0 0-16,0 0 16,0 0-16,-1 0 15,-24 0-15,0 0 16,0 0-16,0 0 31,0 0-31,0 0 0,0-25 16,-25 0-16,49 0 15,-24-50 1,25 0-16,-25 51 0,-25-26 16,50 0-1,-25 25-15,0-50 16,0 50-16,0 1 16,-1-1-16,-24-25 15,25 25-15,0-50 0,-25 25 16,0 25-1,0-24-15,25-1 16,0 0-16,-25 0 16,0 0-16,0 26 15,25-1-15,-25-25 16,0-25-16,0 25 16,0 1-16,0-26 15,0 25-15,0-25 16,0 50-1,0-24-15,0-1 16,0 0-16,0-25 16,0 50-16,0 1 15,0-51-15,0 0 0,0 25 16,0 0 0,0 1-16,0-1 15,0 0-15,0 0 16,0 0-16,0 1 15,0 24-15,-25-75 16,25 75-16,0-25 16,0 26-16,0-1 15,0-25-15,-25-25 16,25 50 0,0-25-16,-25 1 0,25 24 15,0-25-15,-25 0 16,25 0-16,0 25 15,-25-24-15,25 24 16,0-25 0,-24 25-16,24-25 15,0 0 1,-25 25 0,25-24-16,0-1 15,0 25-15,-25 0 16,25 0-16,0 0 15,0-25-15,-25 50 16,25-24 0,0-26-16,0 25 15,0 0-15,0 0 16,0 0 0,0-25-16,0 1 31,-25 24-31,25 0 15,0 0-15,0-25 16,-25 25 0,25 0-16,0 0 15,0 0 1,0 1-16,0-1 16,0 0-1,0 0 1,0 0-1,0 0-15,0-25 32,0 25-17,0 0 1,0 1 0,0-1-16,0 0 31,0 0-16,0 0 1,0 0 0,0 0-1,0 0-15,0 0 16,0 0 0,0 0 15,0 1-16,0 48 157</inkml:trace>
-</inkml:ink>
-</file>
-
-<file path=ppt/ink/ink2.xml><?xml version="1.0" encoding="utf-8"?>
-<inkml:ink xmlns:inkml="http://www.w3.org/2003/InkML">
-  <inkml:definitions>
-    <inkml:context xml:id="ctx0">
-      <inkml:inkSource xml:id="inkSrc0">
-        <inkml:traceFormat>
-          <inkml:channel name="X" type="integer" max="1360" units="cm"/>
-          <inkml:channel name="Y" type="integer" max="768" units="cm"/>
-          <inkml:channel name="T" type="integer" max="2.14748E9" units="dev"/>
-        </inkml:traceFormat>
-        <inkml:channelProperties>
-          <inkml:channelProperty channel="X" name="resolution" value="33.49754" units="1/cm"/>
-          <inkml:channelProperty channel="Y" name="resolution" value="33.53712" units="1/cm"/>
-          <inkml:channelProperty channel="T" name="resolution" value="1" units="1/dev"/>
-        </inkml:channelProperties>
-      </inkml:inkSource>
-      <inkml:timestamp xml:id="ts0" timeString="2021-09-27T01:47:06.248"/>
-    </inkml:context>
-    <inkml:brush xml:id="br0">
-      <inkml:brushProperty name="width" value="0.05292" units="cm"/>
-      <inkml:brushProperty name="height" value="0.05292" units="cm"/>
-      <inkml:brushProperty name="color" value="#FF0000"/>
-    </inkml:brush>
-  </inkml:definitions>
-  <inkml:trace contextRef="#ctx0" brushRef="#br0">20694 5429 0,'-25'0'47,"25"-25"-47,-25 25 16,25-75-16,0 51 16,0-51-16,-25 25 15,25-25-15,-25 50 16,0 1-16,0-26 15,25 25-15,0 0 16,0 0 0,-25 0-16,0-25 15,0 25-15,25 1 16,-24 24-16,-1-25 16,25 0-16,-25 25 46,25-25-30,-25 25-16,0 0 31,0-25-31,-25 0 16,25 25-16,-25 0 16,26 0-16,-26 0 15,-25 0 1,-25 0-16,51-25 15,-51 25-15,50 0 0,0 0 16,1 0-16,-26 0 16,-50 0-16,51 0 15,-51 0 1,-24 0-16,49-25 16,-24 25-16,-26 0 15,26 0-15,-26 0 0,51 0 16,-26 0-1,-24 0-15,-1 0 16,-24 0-16,25-25 16,-26 0-16,26 0 15,-25 25-15,-1 0 16,1 0-16,0-24 16,-1 24-16,1 0 15,0 0-15,-50 0 16,49 0-16,-24 0 15,50 0 1,-26 0-16,1 0 16,-25 0-16,49-25 15,-24 25-15,25 0 0,-1 0 16,-24 0-16,25 0 16,-26 0-1,1 0-15,0 0 16,-1 0-16,26 0 15,-25 0-15,24 0 16,-24 0-16,24 0 16,-24 0-16,25 0 15,-50 0-15,-26 0 16,26 0-16,-50 0 16,50 0-16,-25 0 15,25 0-15,-25 0 16,49 0-16,-24 0 15,0 0-15,0 0 16,49 0-16,-24 0 16,49-25-1,1 25-15,24 0 16,1-25-16,-1 25 16,0 0-16,1 0 15,-1 0-15,1 0 0,-1 0 16,0 0-1,26 0-15,-26 0 16,-24 0-16,24 0 16,-25 0-16,-24 0 15,49 25-15,-24 0 16,24-25-16,-24 25 16,49-25-16,0 0 15,-24 49-15,24-49 16,-25 25-1,26 0-15,-26-25 0,25 25 16,-24 0 0,24 0-16,-25-25 0,51 0 15,-26 0-15,25 0 16,0 25 0,1-25-16,-26 0 15,0 0-15,25 25 16,-24-25-16,24 0 15,0 0-15,-50 0 16,51 0-16,-1 0 16,-25 0-16,25 0 15,-24 0-15,49 25 16,-50-25 0,50 0-16,0 0 0,0 0 15,-25 0-15,26 0 16,-1 25-1,0-25 17,0 0-32,0 0 31,0 0 0,0 24-15,25 1-1,-25-25 1,0 25-16,0-25 16,-49 25-1,24 0 1,25-25 0,-25 25-16,25 0 15,-24-25 1,-26 50-16,50-50 0,0 25 15,-25-25-15,25 0 16,-24 49 0,-1-24-16,25-25 0,-50 50 15,25-50 1,0 25-16,1 0 16,-1-25-1,0 25-15,0 0 16,25-25-16,-24 25 15,-26 24-15,50-49 16,0 25 0,0 0-16,0 0 15,0-25 1,0 0-16,1 25 0,-1 0 31,0-25-31,25 25 16,-25-25-1,0 25 1,0-25 0,0 49-1,0-24 1,0-25-16,0 25 16,1 0-1,-1-25-15,0 25 16,0-25-16,0 50 15,0-25-15,0-25 16,0 25-16,-25 0 16,50-1-16,-24 1 15,-1-25-15,0 50 16,0-50-16,0 25 16,25 0-1,0 0-15,-50 75 16,25-51-16,25 1 0,-25 0 15,0-25-15,0 50 16,25-51-16,0 1 16,-24 50-1,-1-50-15,25 25 16,0-25-16,-25 49 16,0-24-1,25 0-15,0 0 16,-25-25-16,0 24 15,0 1-15,25 0 16,0 0-16,0 0 16,-50-1-16,50 1 15,0 0-15,0-25 16,0 0-16,-25 0 16,25 25-16,0-1 15,-24-24-15,24 25 16,0 25-1,0 0-15,-25-1 16,0 26-16,25-1 16,0-49-16,0 50 15,0-25-15,0 24 0,0 51 16,0-26 0,0 26-16,0 49 15,0-25-15,0 50 16,0 0-16,25 75 15,24 25-15,1-25 16,-25-50-16,25-50 16,-25 50-16,0-50 15,0 0-15,0-24 16,-25-51-16,0 26 16,0-1-16,0-49 15,0 24-15,0 26 16,0-51-16,0 1 15,0-26-15,0-24 16,24 50 0,-24-25-16,0-26 15,0 26-15,0 25 16,0-26-16,25 1 16,-25 0-16,0-1 15,0 26-15,25-25 16,-25 0-16,0 24 15,25-24-15,-25 24 16,0 1-16,0-25 16,0-1-1,0 51-15,0-50 0,0-1 16,0 1-16,25 0 16,0 24-16,-25 1 15,0 0 1,50-26-16,-25 1 15,-25 0-15,0-1 16,0 1-16,25-25 0,-25 25 16,25-26-16,-25 26 15,0-25 1,24 0-16,-24 24 16,0-24-16,0-25 15,0 25-15,25 0 16,0 49-16,-25-74 15,0 0-15,25 50 16,-25-25-16,0 0 16,25-26-16,-25 26 15,25-25-15,-25 0 32,0 25-32,0-25 0,0 0 15,25-25-15,-25 25 16,25 24-1,0-24 1,-25 0 0,25 0-1,-1 0 17,1 0-17,25-25 16,-25 0-31,25 0 16,0 0-16,49 0 16,-49 0-16,50 0 15,-26 0-15,1 0 16,50 0-16,-101 0 16,51 0-1,50 0-15,-1 0 16,75 0-16,-49 0 0,-1 0 15,26 0-15,24 0 16,25 0 0,-50 0-16,50 0 15,-24 25-15,24-25 16,0 0-16,0 25 16,0-25-16,-50 25 15,50-25-15,-24 0 16,24 0-16,-25 0 15,50 0-15,-50 0 16,0 0-16,1 0 16,-1 24-16,0-24 15,25 25-15,-74-25 16,49 25-16,-25 0 16,25 25-16,1-25 15,-1-25-15,-25 0 16,0 25-1,1-25-15,-26 25 16,25-25-16,-24 0 16,24 25-16,1-1 15,-1 1-15,0-25 16,0 25-16,-24 0 16,49-25-16,-50 25 15,26 0-15,-26-25 16,1 0-16,-1 0 15,0 25-15,-24 0 16,24 0-16,-24-25 16,24 25-16,-24-25 15,49 24-15,-49-24 16,-1 0 0,1 0-16,24 25 15,0-25-15,-24 0 16,-1 25-16,51 0 0,-51-25 15,26 0-15,-26 0 16,26 0 0,-51 0-16,1 0 15,24 0-15,-24 25 16,0-25-16,-1 25 16,1 0-16,-1-25 15,-24 0-15,0 0 16,49 0-16,-49 25 15,25-25-15,-26 25 16,1-25-16,0 0 16,-25 0-16,49 25 15,-49-25-15,0 25 16,24-25-16,-24 0 16,25 24-16,-25-24 15,25 25 1,-26-25-16,1 0 15,25 0-15,0 25 16,-1-25-16,1 0 16,-25 0-16,24 0 15,-24 0-15,0 0 16,25 0-16,-25 0 16,24 0-16,1 0 15,0 0-15,-1 0 16,26 0-16,-25 0 15,-25 0-15,24 0 16,-24 0-16,0 0 16,25 0-16,-26 0 15,26 0 1,0 0-16,-1-25 16,-24 25-16,-25-25 15,25 25-15,0 0 0,-25 0 16,0 0 31,-1-24-47,1-26 109,0 25-109,-25-50 16,50 25-16,-25-24 15,0 49-15,-25-25 16,0 25-16,50-50 16,-50 50-1,25 0-15,-25-24 16,24 24-16,-24-25 15,25 0-15,0 0 0,-25-49 16,0 74 0,50-50-16,-25 0 15,0 26-15,-25-1 16,25 0-16,0-25 16,0 1-16,-25-1 15,25-25-15,-1 26 16,-24 24-16,25-50 15,0 50-15,-25-49 16,50 49-16,-25-75 16,-25 26-16,0 49 15,25-25-15,0-74 16,0 0 0,-25-26-16,25 1 0,-25-50 15,0-25-15,0-75 16,0-74-1,24-1-15,51-49 16,-50 99-16,25-49 16,0 74-16,-1 25 15,-24 0-15,25-49 16,-25 74-16,0 0 16,-25 75-16,0 0 15,0 24-15,0 1 16,0 49-1,0-24-15,0 0 0,0 49 16,0 0-16,0 1 16,0 24-16,0 0 15,0-24-15,0 24 16,0 25 0,0-24-16,0 24 15,0-25-15,0 25 16,0 0-16,0 1 0,0 24 15,0-50-15,0 25 16,0-24 0,0-1-16,0 50 15,0-50-15,0 25 16,0-24-16,0 24 16,0 0-16,0-50 15,0 51-15,0-1 16,0-25-16,0 25 15,0-24-15,0 24 16,0 0 0,0 25-16,0 0 0,0-25 15,0 1-15,0-1 16,0 0 0,0 0-1,0 25 1,0-24-1,0-1-15,0 0 16,0 0 0,0 25-16,0-25 15,0 26-15,0-1 16,-25 0-16,25 0 16,-25 0-16,25 0 15,0 0 1,-25 0-16,25 0 15,-25 0 17,0 0-1,1 1-15</inkml:trace>
-  <inkml:trace contextRef="#ctx0" brushRef="#br0" timeOffset="7215.08">32447 5280 0,'0'-25'79,"0"0"-64,0 0-15,-25 0 16,25 0-16,0-25 15,-25 1-15,-24-51 16,24 75 0,25 0-16,-50-74 15,25 49-15,0-25 16,-25 25-16,1-49 16,24 49-16,-25-25 15,0 25-15,25 0 16,-25-24-16,1 24 15,24 0 1,-25 25-16,25 0 16,0 0-16,-25 1 15,0 24-15,25-50 16,-24 25-16,-1 0 0,-25 0 16,25 25-1,-24 0-15,-1-25 16,-25 0-16,1 25 15,-26 0-15,26 0 16,-1 0-16,25 0 16,1 0-16,-51 0 15,-24-25-15,24 25 16,-74 0-16,25 0 16,-50 0-1,24 0-15,-49 0 0,25 0 16,-25 0-16,0 0 15,25 0-15,0 0 16,0 0-16,25 0 16,-1 0-1,26 0-15,0 0 16,24 0-16,1 25 16,24-25-16,1 25 15,24 0-15,-49 0 16,49 25-16,-49 0 15,-1-50-15,51 49 16,-26-24-16,26 0 16,-1 0-16,0 0 15,1-25-15,24 25 16,0 0-16,26-25 16,-1 0-16,-25 50 15,-24-50-15,-1 49 16,0-49-1,26 50-15,-51-25 16,75 0-16,-49 0 16,49-25-16,-25 25 15,25 0-15,-24 0 0,-1 24 16,-25 1 0,26 0-16,-26-25 15,25 25-15,-24 24 16,-1 1-16,1-25 15,24 0-15,0 0 16,50-26-16,-49 76 16,24-50-16,-25 0 15,50-25-15,-25 49 16,0 1 0,26-25-16,-1 24 15,0-24-15,0 0 0,0 25 16,0 24-16,-25 26 15,25 24-15,-24 1 16,24-26 0,25 51-16,-25-51 15,25 25-15,0-24 16,0-1-16,0 26 16,0-26-16,0 1 15,0 24-15,0-24 16,0 49-16,0-24 15,0 24-15,25-25 16,-25 26-16,25-51 16,-1 26-16,1-51 15,-25-24-15,0 24 16,50-24-16,-50 25 16,25-50-16,0 24 15,-25 1 1,0 0-16,0-26 15,0 26-15,0 0 0,0 0 16,0-26 0,0 51-16,0-25 0,0-1 15,0 1 1,0 25-16,0-26 16,0 1-16,0 50 15,0-26-15,0 1 16,-25 24-16,0 1 15,25-1-15,0-49 16,-25 50-16,0-51 16,25 26-16,0-25 15,-25 24-15,25-74 16,-24 50-16,24-25 16,-25 24-16,25-24 15,-25 0-15,25 50 16,-25-76-16,25 26 15,0 0 1,-25 25-16,0-25 16,25-25-16,0 24 15,0 1-15,0 0 16,-25 25-16,0-26 16,25 26-16,0-25 15,0 0-15,0-25 16,0 99-16,0-99 15,0 50-15,0 24 16,0-74-16,0 50 16,0 0-16,0-26 15,0 1-15,0 25 16,0 25-16,0-51 16,0 1-1,0 25-15,0 25 16,0-26-16,0 1 0,25 25 15,0-1-15,-25-49 16,0 50 0,25-26-16,-25 1 15,0-25-15,0 49 16,0-49-16,0 25 16,25-25-16,-25 74 15,0-49-15,25-25 16,-25 24-16,25 1 15,-25 0-15,25-25 16,-25-1-16,0 51 16,0-25-16,0 24 15,0-24-15,0-25 16,0 49-16,0-24 16,0 0-16,0 0 15,0-26-15,24 26 16,-24 0-1,0-25-15,0-1 16,0 1 0,25 0-16,-25-25 15,0 0-15,0 0 16,0 0-16,0 0 16,25-25-16,-25 24 15,25 1 1,-25 25-1,25-50-15,0 25 16,0-25 0,0 25-16,25 0 15,-26 0 1,76 0 0,-50-25-16,25 49 15,-26-49-15,76 75 0,-25-75 16,-26 25-16,-24-25 15,0 25-15,74 0 16,-24 0 0,24-25-16,-24 25 15,49 0-15,-24-1 16,24 1-16,-49-25 16,49 25-16,-24 0 15,-1-25-15,-49 25 16,25 0-16,-26 0 15,1-25-15,-25 0 16,0 0-16,24 0 16,-49 0-16,50 0 15,-25 0-15,25 0 16,-26 0-16,26 0 16,25 0-16,-26 0 15,1 0 1,25 0-16,-1 0 15,1 0-15,24 0 16,26 0-16,-26 0 0,51 0 16,-26 0-1,1 0-15,-1 0 16,0 0-16,26 0 16,-26 0-16,0 0 15,1 0-15,-26 0 16,51 0-16,-51 0 15,1 0-15,24 0 16,-49 0-16,49 0 16,-49 0-16,-1 0 15,26 0-15,-25 0 16,-1 0 0,51 0-16,-26 0 15,1 0-15,-1 0 0,-49 0 16,-1 0-16,51 0 15,-50 0 1,-1 0-16,26 0 16,-25 0-16,-25 0 15,24 0-15,1 0 16,-25 0-16,0 0 16,-1 0-16,-24 0 15,25 0-15,0 0 16,-25 0-16,25 0 15,-26 0-15,26 0 16,25 0-16,-25 0 16,-25 0-16,0 0 15,74-25-15,-74 25 16,0 0-16,25-25 16,-25 25-1,0 0-15,24-25 16,-24 25-16,0 0 15,0-25-15,25 25 0,-25-25 16,0 0 0,0 1-16,24-26 15,26 0-15,-50 0 16,0 25-16,0 0 16,-25 0-16,50-24 15,-50 24-15,25-50 16,24 50-16,-24 0 15,0 0-15,-25 0 16,25 1-16,-25-1 16,0 0-1,50 0-15,-50 0 16,25-25-16,-25 25 16,0 0-16,25 0 0,-25 1 15,25-1-15,-25 0 16,0 0-1,24-25-15,-24 25 16,25-25-16,-25 25 16,25-74-16,-25 74 15,0-50-15,0 0 16,0 1-16,0-1 16,0 25-16,0-24 15,0-76-15,0 1 16,0-1-16,0 1 15,0 24-15,0-24 16,0 0-16,0 24 16,0-49-16,0 49 15,0-49-15,0 49 16,0 1 0,0-25-16,0 24 15,0-24-15,0 24 16,0 50-16,0-49 15,0 24-15,0-24 0,0-26 16,0 51 0,25-51-16,-25 26 15,25 24-15,0-74 16,-25 49-16,0-24 16,25 24-16,-25-24 15,0 25-15,0-1 16,0-24-16,0 49 15,0-49-15,25 24 16,-25 1 0,0-51-16,0 51 0,0-51 15,0 51-15,0-1 16,0-24-16,0 24 16,0-49-16,0 25 15,0 24 1,0-24-16,0 24 15,0 1-15,0 24 16,0 1-16,-25 24 16,25 0-16,-25-24 15,25-1-15,-25 0 16,0 26-16,0-51 16,25 26-16,-25-26 15,25 25-15,0 1 16,0-51-16,0 26 15,0-1-15,0-24 16,0 24-16,0-24 16,-25 49-16,25 1 15,-24-26 1,24 26-16,-25-26 16,25 26-16,-25-1 15,25 50-15,0-25 0,-25 26 16,25-1-16,-25 0 15,25 25 1,-25 0-16,25 0 16,0-49-16,-25 74 15,25-25-15,0 0 16</inkml:trace>
-</inkml:ink>
-</file>
-
-<file path=ppt/ink/ink3.xml><?xml version="1.0" encoding="utf-8"?>
-<inkml:ink xmlns:inkml="http://www.w3.org/2003/InkML">
-  <inkml:definitions>
-    <inkml:context xml:id="ctx0">
-      <inkml:inkSource xml:id="inkSrc0">
-        <inkml:traceFormat>
-          <inkml:channel name="X" type="integer" max="1360" units="cm"/>
-          <inkml:channel name="Y" type="integer" max="768" units="cm"/>
-          <inkml:channel name="T" type="integer" max="2.14748E9" units="dev"/>
-        </inkml:traceFormat>
-        <inkml:channelProperties>
-          <inkml:channelProperty channel="X" name="resolution" value="33.49754" units="1/cm"/>
-          <inkml:channelProperty channel="Y" name="resolution" value="33.53712" units="1/cm"/>
-          <inkml:channelProperty channel="T" name="resolution" value="1" units="1/dev"/>
-        </inkml:channelProperties>
-      </inkml:inkSource>
-      <inkml:timestamp xml:id="ts0" timeString="2021-09-27T01:52:03.026"/>
-    </inkml:context>
-    <inkml:brush xml:id="br0">
-      <inkml:brushProperty name="width" value="0.05292" units="cm"/>
-      <inkml:brushProperty name="height" value="0.05292" units="cm"/>
-      <inkml:brushProperty name="color" value="#FF0000"/>
-    </inkml:brush>
-  </inkml:definitions>
-  <inkml:trace contextRef="#ctx0" brushRef="#br0">2266 3038 0,'0'25'31,"0"0"1,0 0-17,0 0 1,0 0 31,0 0 0,0 0-32,25 0 16,25-25-15,0 0-16,-26 0 16,51 0-16,-50 0 15,50 0-15,-25 0 16,24 0-16,-24 0 16,25 0-16,0 0 15,-26 0-15,1 0 16,50 0-16,-1 0 15,-24 0 1,25 0-16,-26 0 16,26 0-16,-25 0 0,24 0 15,-24 0-15,25 0 16,-1 0-16,-24 0 16,0 25-1,24-25-15,-24 0 16,25 0-16,-51 0 15,26 0-15,0 0 16,-25 0-16,24 0 16,1 0-16,-25 0 15,24 0-15,26 0 16,-50 0-16,0 0 16,24 0-16,1 0 15,0 0-15,-25 0 16,24 0-16,51 0 15,-75 0-15,24 0 16,-24 24-16,50-24 16,-50 25-1,24-25-15,1 25 16,25-25-16,-26 0 0,26 0 16,-25 25-1,-26-25-15,51 0 16,0 0-16,24 0 15,-74 0-15,0 0 16,49 0-16,-49 0 16,25 0-16,-25 0 15,24 0-15,-49 0 16,25 0-16,-25 0 16,25 0-1,24 0 1,-49 0 15,0 0-31,0 0 0,0-25 16,0 25-1,0-25 1,25 0-16,-50-24 47,0 24-47,0 0 15,0 0-15,0 0 16,25 0-16,-25 0 16,0 0-1,0 0-15,0 1 16,0-1-16,0 0 16,0-25-16,0 0 15,0 25-15,0-25 16,0 26-16,0-26 15,0 25 1,0 0 0,-25 0-16,0 0 15,25-25-15,-25 25 16,25-24-16,-25 24 16,25-25-16,-50 25 15,50 0-15,-25 0 16,25 0-16,0 0 15,-25 25-15,0-24 16,1-1 0,24 0-16,-25 0 15,0 0 1,0 25 0,25-25-16,-25 0 15,0 25 1,-25-25-1,25 25-15,0 0 16,-49-25-16,24 25 0,0 0 16,0 0-16,-24 0 15,24-25 1,-25 25-16,50 0 16,-49 0-16,-1 0 15,-25 0-15,-24 0 16,-1 0-16,-24 0 15,-1 0-15,1 0 16,-25 0-16,-1 0 16,-24 0-16,50 0 15,-1 0-15,1 0 16,24 0-16,-49 0 16,25 0-16,-1 0 15,1 0-15,24 0 16,1 0-16,49 0 15,0 0 1,1 0-16,24 0 16,0 0-16,-25 0 15,50 0-15,-49 0 0,24 0 16,-25 0 0,25 0-16,1 0 15,-26 0-15,25 0 16,0 0-16,1 0 15,-1 0 1,0 0-16,25 0 16,0 0-1,0 0-15,0 0 16,0 0 0,-24 0-16,24 0 15,0 0-15,-25 25 16,25-25-1,0 25-15,-74 25 16,74-50-16,-25 25 16,25 0-1,0 0-15,-50 0 16,26 0 0,-1-25-16,25 0 15,0 24-15,0 1 16,0 25-1,-25-25 1,25 0 15,-24 0-15,49 0-16,0 25 31,0-26-31,0 1 31,0 0-31,0 0 16,0 25 0,0-25-16,0 0 15,0 0 63,0 24-46,25-24-1,-25 0 0,24-25-31,1 25 16,0 0-1,0-25 1,-25 25 0,25 0-1</inkml:trace>
-  <inkml:trace contextRef="#ctx0" brushRef="#br0" timeOffset="4651.24">31650 6101 0,'-25'0'16,"1"0"31,-1 0-32,0-24 1,0 24-16,-25 0 31,0 0-15,0-25-16,26 25 15,-26 0-15,0-25 16,25 25-16,-99 0 16,99-25-16,-50 25 15,25 0-15,-25 0 16,1 0-16,24 0 15,-25 0-15,50 0 16,-74 0-16,-1 0 16,25 0-16,-24 0 15,-26 0-15,26 0 16,-1 25-16,0-25 16,-24 25-1,49-25-15,-49 25 16,49-1-16,-49-24 0,24 0 15,25 25 1,-49-25-16,24 25 0,0-25 16,26 0-1,-1 0-15,-25 25 16,51 0-16,-26-25 16,25 25-16,-49-25 15,24 25-15,0-25 16,0 0-16,26 0 15,-26 0-15,-25 0 16,26 0-16,24 0 16,-25 0-1,50 0-15,-74 0 16,49 0-16,0 0 0,-25 0 16,25 0-16,-24 0 15,24 0-15,0 0 16,25 0-1,-49 0-15,24 0 16,25 0-16,-25 0 16,25 0-16,0 0 15,0 0-15,-24 0 16,24 0-16,-25 0 16,25 0-1,0 0 626,0 0-641,-99 0 0,24 0 15,0 0-15,26 0 16,-26 0 0,-24 0-16,-26 0 15,-24 0-15,-25 0 16,-1 0-16,26 0 16,-25 0-16,25 0 0,-26 0 15,26 0 1,-25 0-16,24 0 15,26 0-15,0 0 16,24 0 0,-24 0-16,24 0 0,1 0 15,-26 0-15,26 0 16,24 0 0,-74 0-16,49 0 0,-24 0 15,0 0 1,-1 0-16,1 0 15,-1 0-15,1 0 16,24 0-16,1 0 16,-1 0-16,1 0 15,-26 0-15,26 0 16,-1 0-16,1 0 16,24 0-16,1 0 15,-26 0-15,50 0 16,-24 0-16,-1 0 15,26 0-15,-1 0 16,-50 0-16,51 0 16,-26 0-16,25 0 15,-24 0 1,24 0-16,-25 0 16,1 0-16,24 0 0,0 0 15,-24 0 1,24 0-16,-25 0 0,-24 0 15,24 0 1,1 0-16,-51 0 16,26 0-16,24 0 15,-24 0-15,-1 0 16,1 0-16,-26 0 16,26 0-16,-1 0 15,1 0-15,-1 0 16,-49 0-16,49 0 15,-24 0-15,0 0 16,-1 0 0,-49 0-16,50 0 0,-51 0 15,26 0-15,-25 0 16,24 0-16,-24 0 16,0 0-1,25 0-15,-25 0 16,24 0-16,-24 0 15,-25 0-15,25 0 16,-1 0-16,1 0 16,50 0-16,-25 0 15,24 0-15,1 0 16,-26 0-16,26 0 16,-25 0-16,24 0 15,1 0-15,-1 0 16,26 0-16,-1 0 15,26 0-15,-1 0 16,-24 0-16,24 0 16,0 0-1,1 0-15,24 0 16,-24 0-16,-1 0 0,0 0 16,26 0-16,-51 0 15,50 0-15,1 0 16,-26 0-1,0 0-15,26 0 16,-26 0-16,1 0 16,24 0-16,-25 0 15,-24 0-15,24 0 16,1 0-16,-51 0 16,50 0-16,-24 0 15,-1 0-15,26 0 16,-51 0-16,26 0 15,24 0-15,-49 0 16,24 25-16,-24-25 16,24 25-16,26-25 15,-51 0-15,51 0 16,-1 0 0,-49 0-16,49 0 15,-24 0-15,24 0 0,1 0 16,-26 0-1,25 0-15,1 0 16,-26 0-16,1 0 16,24 0-16,-49 0 15,49 0-15,-24 0 16,-1 0-16,26 0 16,-1 0-16,-25 0 15,26 0-15,-26 0 16,1 0-16,24 0 15,-24 0-15,24 0 16,25 0 0,1 0-16,-51 0 15,50 0-15,1 0 0,-26 0 16,25 0-16,1 0 16,-1 0-16,0 0 15,1 0 1,-1 0-16,0 0 15,25 0-15,-24 0 16,24 0-16,0 0 16,-50 0-16,51 0 15,-26 0-15,-25 0 16,51 0-16,-1 0 16,-25 0-16,0 0 15,50 0-15,-24 0 16,24 0-16,0 0 15,-25 0-15,25 0 16,0 0-16,0 0 47</inkml:trace>
-  <inkml:trace contextRef="#ctx0" brushRef="#br0" timeOffset="23817.74">26994 6301 0,'25'0'16,"0"0"-1,49 0-15,-24 0 16,25 0-16,-50 0 15,24 0-15,1 0 16,0 0-16,25 0 16,-1 0-16,1 0 15,0 0-15,24 0 16,1 0-16,-25 0 16,49 0-16,-24 0 15,0 0-15,24 0 16,-24 0-16,-26 0 15,51 0-15,-26 0 16,1 0 0,25 0-16,-51 0 15,26 0-15,24 0 16,-49-25-16,25 0 16,-26 25-16,1-25 15,25 0-15,-50 25 16,74-25-16,-49 25 15,-1 0-15,51-25 16,-50 25-16,-1 0 16,1-25-16,0 0 15,-50 25-15,0 0 16,24-24-16,-24 24 16,25 0-16,0-50 15,0 50-15,-25-25 16,24-25-1,1 50-15,-25 0 0,0-25 16,0 0-16,0 25 16,-25-25-16,25 25 15,-25-25 1,25 25-16,0-25 16,-1 1-16,26-26 15,-25 0-15,-25 25 16,25-25-16,-25 25 15,0 0-15,0-24 16,0 24-16,0-25 16,0 0-16,25 0 15,-25 25 1,0-24-16,0-1 16,0 25-16,0 0 15,0-25-15,0 0 16,0 1-16,0 24 15,-50-25 1,25 50-16,25-50 16,-25 25-16,0 0 15,1 0-15,-1-24 0,0 24 16,0 0 0,0 0-16,-25 0 15,50 0-15,-25-25 16,-25 0-16,26 26 15,-26-1-15,25 25 16,-50-50-16,25 50 16,1-25-16,-26 0 15,25 0-15,0 25 16,-49-25-16,49 0 16,-25-24-16,25 49 15,-24-25-15,-1 0 16,25 25-1,-25-25-15,1 0 0,-51 25 16,26-25-16,-51 0 16,1 0-1,-1 25-15,-24-25 16,49 25-16,-24 0 16,25 0-16,-26 0 15,1 0-15,24 0 16,1 0-16,24 0 15,0 0-15,-24 0 16,24 0-16,-24 0 16,24 0-16,1 0 15,-26 0-15,26 0 16,-1 0-16,-25 0 16,26 0-16,-1 0 15,-24 0-15,24 0 16,25 0-1,-49 0-15,24 0 16,1 0-16,-26 0 16,50 0-16,-24 0 15,-1-25-15,26 1 0,-1 24 16,-25-25 0,-49 0-16,49 0 15,-49 25-15,24-25 16,1 0-16,-1 0 15,-24 0-15,-1 25 16,-24-25-16,0 0 16,-1-24-16,1 24 15,-25 25-15,-25-25 16,0 0-16,-50 0 16,25 0-1,-25 25-15,0 0 0,50-25 16,0 25-16,0 0 15,-1 0-15,26 0 16,-25 0 0,50 0-16,-25 0 15,24 0-15,1 0 16,49 0-16,-24 0 0,0 0 16,-1 0-1,1 0-15,24 0 16,1 0-16,-1 0 15,1 0-15,-26-25 16,1 25-16,24 0 16,-49 0-16,25 0 15,-51 0-15,51 0 16,-50 0-16,25 0 16,-1 0-16,26 0 15,-1 0 1,-24 0-16,25 0 0,-26 0 15,51 0 1,24 0-16,-24 0 0,24 0 16,25 0-16,-24 0 15,74 0 1,-50 0-16,-24 0 16,24 0-16,0 0 15,25 0-15,-49 50 16,49-50-16,-25 25 15,25-25-15,-49 0 16,24 25-16,25-25 16,-49 25-16,-1-25 15,25 0 1,-24 0-16,-1 25 0,1-25 16,-26 25-16,75-25 15,-49 0-15,24 0 16,25 0-16,-25 0 15,-24 25 1,-1-25-16,1 0 16,-51 0-16,26 24 15,-26-24-15,26 25 0,24-25 16,-49 25 0,24-25-16,-24 0 15,-1 0-15,26 0 16,-25 0-16,-1 0 15,1 0-15,24 0 16,-24 25-16,24 0 16,26-25-16,-51 0 15,26 0-15,-26 25 16,51-25-16,-26 0 16,1 0-1,24 25-15,0-25 0,1 25 16,-1-25-1,26 0-15,-1 0 0,0 0 16,-49 0-16,24 0 16,0 0-1,-24 0-15,24 0 16,1 0-16,-26 0 16,1 0-16,-1 0 15,50 0-15,-24 0 16,-26 0-16,51 0 15,-1 0-15,0 0 16,-24 0-16,-1 0 16,0 0-16,-24 0 15,24 0-15,1 0 16,-26 0-16,26 0 16,24 0-16,-25 0 15,1 0-15,24 0 16,0 0-1,1 0-15,-1 0 16,0 0-16,-49 0 16,-1 0-16,-49 0 15,-1-25-15,1 0 16,0-25-16,24 0 16,-24 25-16,25 25 15,-26-24-15,51-1 16,-26 0-16,1 0 15,0 25-15,24 0 16,1 0-16,-1 0 16,26 0-16,-26 0 15,25 0-15,26 0 16,-26 0 0,25 0-16,1 0 15,-1 0-15,-25 0 0,51 0 16,-26 0-1,25 0-15,0 0 0,0 0 16,26 0 0,-51 0-16,50 0 15,-25 0-15,0 0 16,1 0 0,-1 0-16,0 0 15,25 0-15,-25 0 16,25 0-1,-49 0-15,49 0 16,-25 0-16,0 0 16,25 0-1,0 0 1,0 25-16,-24 0 16,49 0 15,-25-1-31,0-24 15,25 25-15,-50 25 16,50 0-16,-25-25 16,25 25-16,-25-25 0,-25 99 15,50-99 1,-49 75-16,49-51 16,-50 26-16,50-25 15,-25 0-15,25-1 16,-25 1-16,25 0 15,-25 25-15,25-50 16,-25 25-16,25-1 16,0 26-16,0-50 15,-25 50 1,25-50-16,0-1 16,-25 51-16,25-50 15,0 25-15,0 25 16,0-26 15,0 1-31,0-25 16,0 0-16,0 25 15,0-25-15,0 0 16,0 24 0,25-24-16,-25 0 15,0 0-15,25-25 16,-25 50-16,25 0 15,0-25-15,-25 24 16,50-24-16,-25 0 16,0 25-16,-1-25 15,-24 0-15,25-25 16,0 25-16,-25 0 16,25 0-1,0-1 1,-25 1-1,25-25 1,-25 25 0,25 0 15,0 0-31,0-25 16,0 75-1,-1-75-15,-24 25 16,25 0-16,0-25 15,0 24 1,-25 1 0,25-25-1,-25 25-15,25-25 16,0 25-16,0-25 0,0 25 16,0 0 46,-1-25-15,1 25 31,0-25-15,0 0-48,25 0 48</inkml:trace>
-  <inkml:trace contextRef="#ctx0" brushRef="#br0" timeOffset="32197.66">5005 5155 0,'25'0'16,"-25"-50"15,0 25-15,0-24-1,0 24-15,0 0 16,0 0-16,0 0 16,0 0-16,0 0 0,0 0 15,0-24-15,0-1 16,0 25-1,0 0-15,-25 0 16,25 0-16,-25-25 16,0 25-1,25 0-15,0 1 16,-24-1-16,-1 25 31,25-25-15,-25 0-1,0 0 1,-25 25 0,25 0-1,0 0 17,0 0-17,0 0 1,1 0-1,-51 0-15,50 0 16,0 0-16,0 0 16,0 0-1,0 0-15,0 0 16,1 0 0,-1 0-16,0 0 15,-25 0-15,25 0 16,0 0-1,0 0-15,0 0 16,0 0 0,1 0-16,-1 0 15,0 0-15,25 25 16,-25-25-16,0 0 0,25 25 16,-25-25-1,-25 25 1,25 0-1,0 24 1,1-24 0,-1-25-16,25 25 15,-25-25-15,25 25 16,-25 0 0,0 0 15,0 0-31,0 0 0,25 25 15,-25-26-15,0-24 16,25 25-16,0 0 16,-25 0-16,25 0 31,-25 0-15,25 0-1,0 0 1,0 0-16,0 0 0,0-1 15,0 1 1,0 0 0,0 0-16,25 0 15,0 25-15,0-25 16,0 0 0,0 0-1,0-1-15,25 1 16,-25 0-1,24 0 1,-49 0 0,25-25-1,-25 25-15,25 0 16,0 0 15,0-25-15,0 0-16,0 25 15,25-25 1,-25 0-16,-1 25 16,26-25-16,-25 0 15,0 0-15,25 0 16,-25 0-16,25 0 16,-26 0-1,1 0-15,0 0 0,0 0 16,0 0-16,25 0 15,-25 0-15,25 0 16,-50-25-16,24 25 16,1-25-1,0 25 1,0-25 0,0 0-16,0 25 15,0-25-15,0 0 16,25 0-1,-26 0 17,-24-24-17,25 49-15,-25-25 16,0 0-16,0 0 16,0 0-16,0 0 15,0 0 1,0 0-1,0 0-15,0 0 16,0 1 0,0-1-16,0 0 15,0 0 32,0 0-31</inkml:trace>
-  <inkml:trace contextRef="#ctx0" brushRef="#br0" timeOffset="34921.25">10484 5504 0,'50'0'47,"-26"25"-31,26-25-16,-25 0 15,0 25-15,0-25 16,75 24-1,-51-24-15,1 0 16,0 25-16,25-25 0,-1 0 16,-24 0-1,50 0-15,-1 25 0,-24-25 16,-25 0 0,25 0-16,-1 0 15,-24 0-15,25 0 16,-25 0-16,-1 0 15,-24 0-15,50 0 16,-50 0-16,25 0 16,0 0-16,-1 0 15,1 0-15,0 0 16,-25 0 0,25 0-16,-1 0 15,1 0-15,0 0 0,0 0 16,-25 0-16,0 0 15,74 0-15,-74 0 16,0 0 0,50 0-16,0 0 15,-26 0-15,-24 0 16,25 0-16,25-25 16,-25 25-16,-1 0 15,1 0-15,0-25 16,0 25-16,24-24 15,-24 24-15,25 0 16,-50 0-16,25 0 16,24-25-16,-24 25 15,25 0-15,-25 0 16,-1 0-16,26-25 16,-50 0-16,0 25 15,0 0 1,0-25-16,0 0 15,-25 0 17,0 0-17,0 0 17,0 0-32,0-24 15,0 24 1,0 0-16,0-25 15,0 25-15,-25 0 16,25-25 0,-25 50-1,25-24 1,-25 24 0,0-50-16,0 25 15,25 0 1,-25 0-1,0 25 1,25-25-16,-25 0 16,1 0-1,-1 25-15,0 0 16,25-25-16,-50 25 16,25-49-16,-25 49 15,25 0 1,-24 0-16,24-25 15,-25 25-15,-25 0 16,0 0-16,51 0 16,-26 0-16,0-25 15,-50 25-15,75 0 16,-49-25-16,24 25 16,-25 0-1,25 0-15,-24 0 16,-1 0-16,25 0 0,-25 0 15,1 0-15,24 0 16,-25 0 0,25 0-16,1 0 15,-26 0-15,0 0 16,1 0-16,-1 0 16,25 0-16,-25 0 15,1 0-15,24 0 16,0 0-16,-25 0 15,26 0-15,24 0 16,-50 0-16,50 0 16,0 0-16,-75 25 15,51-25-15,24 0 16,-25 25-16,25-25 16,-50 25-16,50-25 15,-24 25-15,24-25 16,-25 0-1,25 0 1,0 24-16,0-24 16,0 25-16,0-25 15,1 0 1,-1 25-16,0-25 16,0 0-1,0 0-15,0 25 16,0-25-16,0 25 15,0-25 1,0 25 0,-24 50-1,-1-26 1,50 1-16,-75 0 16,75-25-1,0 0-15,-25 74 16,0-74-16,25 0 15,0 0-15,0 0 16,0 0 0</inkml:trace>
-  <inkml:trace contextRef="#ctx0" brushRef="#br0" timeOffset="37661.18">19349 5305 0,'0'24'16,"25"1"15,0 0-31,-25 0 16,25-25-1,-25 25-15,49 0 16,-24 0 0,-25 0-1,25 0 1,0-25-16,25 25 16,-25-1-16,0 1 15,49 0 1,-49-25-1,25 0-15,0 0 0,0 0 16,24 0-16,26 25 16,-25-25-16,49 0 15,-74 0-15,50 0 16,-1 0 0,1 0-16,-25 0 15,24 0-15,-24 0 16,0 0-16,-26 0 15,26 0-15,0 0 0,-25 0 16,24 0 0,26 0-16,-75 0 15,25 0-15,-26 0 16,51 0-16,-25 0 16,0 0-16,-25 0 15,49 0-15,-49 0 16,75 0-16,-50 0 15,0 0-15,-26 0 16,1 0 0,50 0-16,-25 0 15,-25 0-15,49 0 0,-49 0 16,0 0 0,0 0-16,50 0 0,-25 0 15,-25 0 1,-1 0-16,51 0 15,-25-25 1,-25 25-16,0 0 16,0 0-16,0 0 15,-25-25-15,74 0 16,-49 25 0,0 0-16,0-24 15,0 24-15,25-25 16,-25 0-16,0 25 15,24 0-15,-24 0 16,50-25-16,-50 25 16,25 0-16,-1 0 15,-24 0 1,0 0 0,0-25-1,-25 0 32,0 0-16,0 0-15,0 0-16,0 0 16,0 1-1,0-1 1,0 0 15,0 0-31,0 0 16,0 0-1,0 0-15,0 0 16,0 0 15,0 0-31,0 1 31,0-1-15,-25 0 0,25 0-1,0 0-15,-25 25 16,0-25-16,1 0 47,24 0-32,-25 25-15,25-25 16,-25 25-16,0-25 31,0 1-31,-50 24 16,25-50-16,1 50 16,-26-50-16,-50 50 15,76-25-15,-51 0 0,75 0 16,-99 0-1,49 25-15,0 0 16,25 0-16,-24 0 16,-26 0-16,-49 0 15,49 0-15,-74 0 16,49 0-16,1 0 16,-26 0-16,26 0 15,-1 0-15,1 0 16,24 0-1,1 0-15,-26 0 16,25 0-16,-24 0 0,49 0 16,-24 0-16,-1 0 15,25 0-15,25 25 16,-24-25 0,24 0-16,-25 0 15,50 0-15,-24 0 16,-1 0-16,0 25 15,-25-25-15,25 25 16,26-25-16,-1 25 16,0-25-16,0 25 15,0-25-15,0 25 16,0-25-16,0 0 16,25 25-16,-50-25 15,50 25-15,-24-25 16,-1 24-1,0 1-15,0 0 16,0 25 0,25 0-1,-25-25-15,25 0 0,-25 0 16,25-1 0,-25 26-16,25-25 15,0 0-15,-25 0 16,25 0 15,0 0 0,0 0-31,0 24 16</inkml:trace>
-  <inkml:trace contextRef="#ctx0" brushRef="#br0" timeOffset="49396.72">5130 5205 0,'0'25'15,"0"0"-15,0 0 16,0 0 0,0-1-1,0 1 32,0 0 0,0 0-31,0 0-16,50-25 31,-50 25-31,25 0 16,-1-25-1,1 25 1,0-25-16,0 25 15,0 0 1,0-25 0,-25 24-16,25-24 15,0 0 1,0 0-16,24 25 16,-24 0-16,0-25 0,0 0 15,0 0-15,25 0 16,-25 0-16,0 0 15,24 0 1,-24 25-16,25-25 16,0 0-16,-25 0 15,0 0-15,25 0 16,-26 0-16,1 0 16,0 0-16,25 0 15,-25 0-15,0 0 16,50 0-16,-51 0 15,1 0 1,25 0-16,0 0 0,25 0 16,-50 0-16,49 0 15,-24 0-15,25 0 16,-25 0-16,24 0 16,-24 0-1,25 0-15,0 0 16,24 0-16,-49 0 0,50 0 15,-26 0 1,1 0-16,-50 0 16,74 0-16,-49 0 15,0 0-15,0 0 16,0 0-16,0 0 16,-1 0-16,1 0 15,-25 0-15,25 0 16,-25 0-16,25 0 15,-26 0-15,1 0 16,0 25-16,0-25 16,0 0-1,0 0 1,0 0-16,0 0 0,0 0 16,0 0 15,-1 0-16,1-25 1,-25 0-16,0-25 31,25 26-15,-25-1-16,0 0 16,0 0-1,0 0-15,0 0 16,0 0-16,0 0 15,0 0 17,0 0-32,0 1 31,0-1-15,0 0-1,0 0 1,0 0-1,0 0 17,0 0-17,0 0 1,0 0-16,0 0 31,-25 1-15,25-1 31,0 0-32,-25 0 17,1 25 14,24-25-30,-25 25 0,0-25-1,0 0 17,0 0-1,0 0 0,0 25-15,25-25-1,-25 1 1,0 24 0,-24-25-1,24 25-15,0-25 16,0 25 15,0 0-15,0-25-1,0 25-15,0 0 16,-25 0 0,26-25-1,-1 25 1,0 0-16,0 0 15,0-25-15,0 25 16,-25 0-16,0 0 31,25-25-31,1 0 0,-1 25 16,-25 0 0,0-25-1,25 25-15,0 0 16,0-25-16,-24 25 15,-1 0 1,25 0-16,0 0 16,0 0-16,-25 0 15,25 0-15,-24 0 16,24 0 0,0 0-16,-25 0 15,25 0-15,-25-25 16,25 25-1,-24 0 1,24 0-16,0 0 16,0 0-1,0 0-15,0 0 16,0 0 0,0 0-16,0 0 15,0 0 1,-24 0-1,24 0 1,0 0 0,0 0 15,0 0-15,0 0-1,0 0-15,0 0 31,0 0-31,0 0 16,-24 0 0,24 0 31,0 0-47,0 0 31,0 0-31,0 0 15,0 0-15,0 0 16,0 0 0,1 0-1,-1 0-15,-25 0 16,25 0 0,0 0-1,0 0 1,0 0-16,0 0 15,0 0-15,-24 0 16,-1 0 0,25 0-16,-25 0 15,25 0-15,0 0 16,-24 0-16,-26 0 16,50 0-16,-25 50 0,0-50 15,25 25 1,1 0-16,-1-25 15,-25 50-15,25-50 16,0 25-16,0-25 16,0 25-1,25 0 32,0 0-16,0-1-15,0 1 31,0 0-31,0 0-1,0 0-15,25 0 0,0 0 16,25 0-1,0 0-15,-50 0 16,25-25-16,-25 24 16,24 1-1,1 0-15,-25 0 16,25-25 0,-25 25-1,25-25 32,0 25-31,0-25-1,0 0-15,-25 25 16,25 0-16,-50-25 203,0 0-203,0 0 47,0 0-31,0 0 15,0 0 0,0 0 0,1 0 1,-1 0-17,0 0 16,0 0-15,0 0 172,0 0-63</inkml:trace>
-  <inkml:trace contextRef="#ctx0" brushRef="#br0" timeOffset="95247.72">13223 5603 0,'25'25'62,"0"-25"-46,25 0-16,-1 0 16,1 0-16,-25 0 15,0 0-15,75 0 16,-76 0-16,26 0 15,0 0-15,-25 0 16,25 0-16,0-25 16,-26 25-16,1 0 15,25-25 1,-25 25 0,0 0-1,0 0-15,-25-24 16,25 24-16,0-50 15,0 50-15,0 0 16,-25-25 0,24 25-16,1-25 31,-25 0 0,0 0-31,0 0 16,0 0-16,0-24 31,0-1-31,0 25 16,0 0-16,0 0 15,0-25 1,0 0 0,-25 26-1,25-1 1,0 0-16,-24 0 15,24 0 1,0 0-16,-25 25 16,-25-25-1,50-25 1,-25 25 0,0 1-1,0-1 16,0 25 1,0-25-17,0 25 17,0 0-32,1 0 15,-1 0-15,0-25 16,0 25-16,0 0 15,-25-25-15,0 25 16,1-25-16,24 25 16,-25 0-16,25 0 15,0-50-15,0 50 16,0 0-16,-25 0 16,26-25-16,-26 25 15,25 0-15,-25 0 31,-25 0-15,50 0-16,1-25 16,-1 25-16,0 0 15,-25 0-15,25 0 0,0 0 16,-50 0 0,51 0-16,-26 0 15,0 0-15,0 0 16,-25 0-16,26 0 15,-26 0-15,50 0 16,-50 0-16,1 0 16,24 0-16,-25 0 15,25 0-15,0 0 16,-24 0-16,24 0 16,25 0-16,-50 0 15,50 0-15,-24 0 16,-26 0-16,50 0 15,-50 0-15,26 0 16,-1 0 0,25 0-16,-75 0 15,50 0-15,1 0 16,24 0-16,-25 0 0,25 0 16,-25 0-1,25 0-15,0 0 16,0 0-16,1 0 15,-1 0-15,0 0 16,-25 0 0,25 0-16,0 0 15,0 0 1,0 0-16,-24 0 16,24 0-1,-25 0 1,25 0-1,0 50 1,-25-25-16,25 0 16,0-25-1,1 25 1,-1 0-16,0 0 16,0-25-16,0 25 15,25 0-15,-25-25 16,0 49-16,0-49 15,0 25-15,25 0 16,-25 0-16,1-25 16,-26 50-16,25-25 15,0 0 1,25 0 0,0-1-1,-25-24 1,25 25-16,0 0 15,0 0 1,0 0 0,0 25-1,25 0 1,25-25 0,-25-1-16,0 1 15,-1 0-15,1 0 31,0-25-15,-25 25-16,25-25 16,-25 25-1,25-25 1,0 25 0,0 0-1,-25 0-15,25-25 16,0 25-1,0-25-15,-1 24 16,1-24-16,0 0 16,0 0-1,50 25-15,-25 0 16,-25-25-16,-1 0 16,26 25-16,0-25 15,0 0-15,0 0 16,-1 0-16,26 25 15,-50-25-15,50 0 16,-25 25-16,-26-25 16,26 0-1,-25 0-15,25 0 0,-25 0 16,25 0-16,-25 0 16,0 0-16,-1 0 15,26 0-15,25 0 16,-50 0-1,0 0-15,49 0 16,-49 0-16,50 0 16,-25 0-16,-25 0 0,0 0 15,49 0-15,-49 0 16,25 0 0,0 0-16,0 0 15,-25 0 1,-1 0-1,51 0-15,-25 0 16,-25 0 0,0 0-16,0 0 15,0 0-15,24 0 16,-24 0-16,0 0 16,0 0-16,0 0 15,0 0-15,0 0 16,0 0-16,25 0 15,-1 0-15,1 0 32,-25 0-32,0 0 15,0 0-15,25 0 16,-25 0-16,-1 0 16,1 0-16,0 0 15,0 0-15,0 0 16,0 0-16,0 0 15,0 0-15,0 0 16,0 0 0,-1 0-1,1 0 1,0 0 0,0 0 30,0 0 17,0 0 62,0 0-109,0 0-1,0 0-15,0 0 16,24 0 15,-24 0-15,0 0-1,0 0-15,0 0 16,0 0-16,0 0 31,0 0-31,0 0 16,-1-25-1,1 25 17,0 0-1,-25-25-31,25 0 47,0 0-16,-25 0 0,0 1-31,25-1 16,-25 0-16,0 0 16,0 0-1,25-25-15,0 50 16,-25-25-1,0 0-15,25-24 16,-25 24-16,0 0 31,25 0-31,-25 0 16,0 0 0,25 0-16,-25 0 15,0 0-15,0 0 16,0 1-1,0-1 1,0 0-16,0 0 16,0 0-1,0 0-15,0 0 0,0 0 32,0 0-32,0 0 15,-25 1 1,0-1-16,25 0 15,-25 25 1,25-25-16,-25 25 16,25-25-1,-25 0 1,0 25 0,0 0-1,-25-25 1,1 0-1,-1 25 17,0 0-32,25 0 15,-50 0-15,26 0 16,-26 0-16,50 0 16,-50 0-16,1 0 15,24 0-15,0 0 16,25 0-16,-50 0 15,26 0-15,-1 0 16,0 0-16,-25 0 16,1 0-16,49 0 15,-50 0-15,0 0 16,25 0-16,-49 0 16,49 0-16,0 0 15,-25 0 1,51 0-16,-51 0 15,25 0-15,-25 0 16,26 0-16,-26 0 16,25 0-16,0 0 15,25 0-15,-24 0 16,24 0-16,0 0 16,0 0-16,-25-25 15,25 25-15,0 0 16,0 0-1,0 0 1,1 0 0,-26 0 15,25 0-15,0 0-16,0 0 0,0 0 15,0 0-15,0 0 16,0 0-16,0 0 15,1 0 1,-51 0-16,25 0 16,25 0-16,0 0 15,-49 0-15,24 0 16,25 0-16,0 0 16,-25 0-16,25 0 15,0 0-15,0 0 16,1 0-16,-1 0 15,-25 0-15,25 0 16,-25 0-16,25 0 16,-25 0-16,1 0 15,24 0 1,0 0 0,0 0-1,0 0 1,0 0-1,0 0 1,0 0 15,25 25-15,0 50-16,0 25 16,0-76-16,0 51 15,0 0-15,0-50 16,25 0-16,-25 0 15,25-1 1,-25 1-16,25 0 31,-25 0-15,25 0 109,0-25-109,0 25-1,25-25 1,-26 25-16,26 0 15,0 0 1,0 0 0,25-1-1,-75 1 1,24 0 0,1-25-16,0 25 15,0-25 1,-25 25-1,25-25 1,0 25 0,0-25 77,-50 0 48,0 0-125</inkml:trace>
-  <inkml:trace contextRef="#ctx0" brushRef="#br0" timeOffset="96937.21">10534 4807 0,'-25'-25'62,"-25"25"-46,0 25 0,25-1-1,0-24-15,0 25 16,-74 50-16,74-75 16,0 25-16,0 0 15,-50 25-15,75-25 16,-25-25-16,25 24 15,-25-24-15,25 25 16,0 25-16,0-25 16,0 0 15,0 0-15,0 0-16,0 0 15,0 0 1,0-1-16,0 1 15,50 0-15,-25 0 32,0-25-1,0 0 0,0 0 0,0 25-31,0-25 0,49 25 16,-24-25-16,-25 0 16,50 0-16,24 25 15,-49-25-15,25 25 16,0-25 0,49 0-16,-49 25 15,0-25-15,-26 0 16,26 0-16,25 0 15,-1 0-15,1 0 16,24 0-16,-49 0 16,0 0-16,24 25 15,1-25-15,0 24 16,-26-24-16,1 25 16,25-25-16,-26 0 15,1 0-15,0 0 16,-25 25-16,24-25 15,-49 0-15,0 0 16,50 0 0,-50 0-16,25 0 15,-26 25-15,1-25 16,0 0-16,0 0 16,25 0-16,0 0 0,0 0 15,-26 0 1,1 0-16,0 0 15,75 0-15,-50 0 16,-1 0-16,-24 0 16,25 0-16,25 0 15,-50 0-15,25 0 16,-26 0-16,1 0 16,0 0-16,0 0 15,0 0 1,0 0-16,0 0 15,0 0-15,0 0 16,0 0 31,-1 0-31,1-25 15,-25 0 0,0 0-15,25 25-16,-25-24 15,0-1-15,0 0 16,0 0-16,25 0 16,-25-25-16,0 25 15,0 0 1,25 0-16</inkml:trace>
-  <inkml:trace contextRef="#ctx0" brushRef="#br0" timeOffset="152328.7">31227 6873 0,'0'25'172,"-25"-25"-156,-25-50-1,25 26 17,25-1-17,-24 0 1,-1 0-16,0 25 15,25-25-15,-50 25 16,50-25-16,-25 25 16,0 0-16,25-25 15,-25 0-15,0 25 16,0-25 0,1 25 15,-1-25-16,0 25 1,0 0 0,25-24-1,-50 24 1,25-25 0,0 25-1,0 0-15,0-25 31,1 25-31,-1 0 16,-25 0 0,0-25-1,0 0 1,25 25-16,-25 0 16,-24 0-16,24 0 15,25 0-15,-25-25 16,0 25-1,-49 0-15,49-25 0,0 25 16,-24-25 0,-26 25-16,50 0 0,-25 0 15,1 0-15,-1 0 16,0 0 0,1 0-16,-1-25 15,25 25-15,0 0 16,0 0-16,1 0 15,-51 0-15,50 0 16,25 0-16,-74 0 16,24 0-16,25 0 15,0 0-15,-24 0 16,-1 0-16,50 0 16,-25 0-16,1 0 15,-1 0-15,-50 0 16,50 0-16,-24 0 15,-1 0-15,0 0 16,0 0 0,26 0-16,-1 0 15,-50 0-15,26 0 16,-1 0-16,-25-25 16,1 1-16,24-1 0,-50 25 15,101 0 1,-76 0-16,0 0 15,-24-25-15,-26 25 16,26-25-16,-1 25 16,1-25-16,-1 25 15,1 0-15,24 0 16,-24 0-16,-1 0 16,26 0-16,-26 0 15,25 0 1,-24 0-16,-25 0 0,49 0 15,-25 0-15,26 0 16,-1 0-16,-24 0 16,-1 0-16,1 0 15,-26 0 1,1 0-16,-25 0 16,24 0-16,1 0 15,-26 0-15,51 0 16,-25 0-16,24 0 15,0 0-15,-24 0 16,25 0-16,-1 0 16,-24 0-16,24 0 15,-24 0-15,24 0 16,1 0-16,-26 0 16,26 0-16,24 0 15,-24 0-15,24 0 16,0 0-16,1 0 15,-1 0 1,26 0-16,-26 0 16,0 0-16,1 0 15,-1 0-15,0 0 16,26 0-16,-1 0 0,0 0 16,1 0-1,-26 0-15,50 0 16,-24 0-16,-1 0 15,-25 0-15,50 0 16,-24 0-16,-1 0 16,25 0-16,0 0 15,-24 0-15,24 0 16,0 0-16,0 0 16,25 0-1,-49 0-15,24 0 0,-25 0 16,50 0-16,-49 0 15,-1-25-15,0 25 16,0-25-16,1 25 16,-26-25-1,50 25-15,1 0 16,-51 0-16,25 0 16,25-25-16,-74 25 15,49 0-15,0 0 16,1-25-16,24 25 15,-50-24-15,26 24 16,-26 0-16,-24 0 16,24-25-16,0 25 15,-49 0-15,24 0 16,1 0-16,49 0 16,0 0-16,-49-25 15,24 25-15,-24 0 16,-1-25-1,26 25-15,-51 0 16,26 0-16,-1 0 16,-24 0-16,-1 0 15,-24 0-15,50 0 0,-1 0 16,-24 0 0,24 0-16,26 0 15,-51 0-15,26 0 16,-26 0-16,26 0 15,-26 0-15,1 0 16,0 0-16,24 0 16,1 0-16,24 0 15,-25 0-15,1 0 16,24 0 0,-49 0-16,24 0 15,1 0-15,-50 0 0,49 0 16,-49 0-16,24 0 15,1 0-15,-25 0 16,24 0 0,-24 0-16,24 0 15,1 0-15,25 0 16,-51 0-16,1 0 16,0 0-16,-26 0 15,26 0-15,0 0 16,-1 0-16,-24 0 15,50 0-15,-26 0 16,-24 0-16,0 0 16,-25 0-16,25 0 15,-25 0-15,49 0 16,-24 0-16,50 0 16,-26 0-16,51 0 15,-1 0 1,-49 0-16,74 0 15,-49 0-15,24 0 0,26 0 16,-51 0-16,51 0 16,24 0-1,-49 0-15,74 0 16,0 0-16,-50 0 16,51 0-16,-26 0 15,0 0-15,-24 0 16,24 0-16,0 0 15,-49 0-15,49 0 16,0 0-16,-24 0 16,-1 0-16,25 0 15,-24 0 1,24 25-16,0-25 16,-49 0-16,74 25 0,-50 0 15,26-25-15,-1 24 16,25 1-16,-49-25 15,49 0 1,0 25-16,0 0 16,-49-25-16,49 25 15,-25-25-15,25 25 16,-24 0-16,24-25 16,-25 25-16,25 0 15,25-25-15,-49 0 16,49 0-16,0 25 15,-25-1-15,25-24 16,-25 25-16,-24 0 16,49 0-16,-25 0 15,25 0-15,0 0 16,-25-25-16,25 50 16,0-50-1,-24 49-15,24-49 16,0 25-1,-25 0-15,50 0 16,-25 0 0,0-25-1,25 25 1,-25-25-16,0 25 16,1 0 15,-1 25 0,25-26-15,-25 26-1,0-25 1,25 0-16,0 25 16,-25 0-16,25-1 15,0 1-15,0 0 16,0 0-1,0 25-15,0 24 16,0-49-16,0 50 16,0-51-16,0 51 0,0-25 15,0 24 1,-25-74-16,25 75 16,-50-1-16,50 51 15,-25 24-15,0 25 16,-24-49-16,24 49 15,25-25-15,-25-24 16,0-1-16,25-24 16,0-1-16,0 1 15,0-26-15,0 1 16,0 24 0,0-24-16,0-25 15,0 49-15,0-24 16,0-1-16,0 1 0,0-25 15,0 49-15,50-49 16,-25 50 0,24-26-16,-24 26 15,-25-26-15,50 51 16,0-1-16,-50-24 16,50 24-16,-25 25 15,0 26-15,-1-51 16,1 25-16,0 25 15,-25-49-15,0 24 16,0 0-16,0 1 16,0 24-16,0-25 15,0 26-15,0-26 16,0 25-16,0-50 16,0-24-16,0 0 15,25-26 1,-25 1-16,0-75 15,0 0-15,0 49 16,0-49-16,0 50 0,0-25 16,0-25-16,0 49 15,0-49 1,0 25-16,0 0 16,0-25-16,0 0 15,0 24-15,0-24 16,25 25-16,-25 0 15,25 0-15,-25-25 16,25 49-16,-25-49 16,0 25-16,25-25 15,-25 25 1,50 49-16,-50-74 0,49 25 16,-49 0-16,25-25 15,0 0-15,-25 49 16,50-49-16,-50 0 31,0 0-31,25 0 16,0 0-1,-25 0-15,25 0 16,0 24 0,0-24-16,-1 0 15,26 25-15,-25-25 16,0 0-16,0 0 15,25 49-15,0-49 16,-26 0-16,26 0 16,-25-25-16,75 50 15,-26 25-15,26-50 16,-25-1-16,24 51 16,-24-75-1,-25 0-15,0 25 16,49-25-16,26 25 15,-1-25-15,51 25 0,-1 0 16,25 0-16,25 0 16,-25 0-1,51-25-15,-26 49 16,0-24-16,25-25 16,0 25-16,25 0 15,0-25-15,0 0 16,24 0-16,-49 0 15,50 0-15,-25 0 16,-25 0-16,25 0 16,-50 0-16,25 0 15,0 0 1,0 0-16,-50 0 0,26 0 16,-26 0-16,25 0 15,-25 0-15,25 0 16,-25 0-1,1 0-15,-26 0 16,50 0-16,-50 0 16,1 0-16,-26 0 15,25 0-15,-24 0 16,-1 0-16,26 0 16,-51 0-16,26 0 15,-26 0-15,1 0 16,24 0-16,-49 0 15,-1 0-15,26 0 16,-26 0-16,-24 0 16,25 0-16,-26 0 15,-24 0-15,25 0 16,0 0 0,-1 0-16,1 0 15,-50 0-15,50 0 16,-51 0-16,51 0 15,-25 0-15,25 0 0,-26 0 16,1 0 0,0 0-16,25 0 15,-1 0-15,1 0 16,0 0-16,0 0 16,-26 0-16,26 0 15,-25 0-15,25 0 16,-1 0-16,26 0 15,0 0-15,-26 0 16,51 0 0,-26 0-16,1 0 0,24 0 15,-24 0-15,-25 0 16,49 0-16,-24 0 16,-25 25-16,49 0 15,-24-25 1,49 0-16,-24 0 15,-1 0-15,1 25 16,-1-25-16,1 0 16,-51 25-16,1-25 0,25 0 15,-50 0 1,24 25-16,-24-25 16,0 0-16,25 0 15,-26 0-15,26 24 16,-25-24-16,25 25 15,-26-25-15,1 0 16,50 25-16,-50-25 16,24 0-16,26 25 15,-25 0 1,24-25-16,-24 25 0,25-25 16,24 0-1,-24 0-15,-1 0 16,26 0-16,-1 0 0,1 0 15,-26 0 1,51 0-16,24 0 16,-24 0-16,24 0 15,-25 0-15,1 0 16,49 0-16,-50 0 16,75 0-16,-24 0 15,-1 0-15,0 0 16,25 0-16,-25 0 15,50 0 1,-24 0-16,-1 0 0,-25 0 16,50 0-16,-50 0 15,25 0-15,-25 0 16,1 0-16,-1 0 16,0 0-1,0 0-15,25 0 16,-49 0-16,24 0 15,0-25-15,-49 0 16,24-25-16,-50 50 16,26-74-16,-1 49 15,1-50-15,-1 25 16,25-24-16,-49 24 16,24 0-16,1 25 15,-26 0-15,-24-50 16,-1 50-16,1-24 15,0 24-15,-1 0 16,1 0-16,-25 0 16,74 0-1,-25-25-15,-49 1 16,25-26-16,-1 25 16,-74 25-16,25-25 15,25-24-15,0-1 0,-51 25 16,51-25-1,25-24-15,24-26 16,-74 51-16,75 49 16,-76 25-16,76-50 15,-50 0-15,-1 25 16,26-25-16,-25 25 16,-26 1-16,26-1 15,25 0-15,-50-25 16,24 0-1,-24-25-15,-25 51 0,50-26 16,-50 25-16,-1 0 16,1-25-16,0 0 15,0-24-15,0-26 16,-25 50 0,25-24-16,-25-51 15,0-24-15,0-26 16,25 1-16,25-50 15,-25 50-15,-1-75 16,-24 0-16,0-1 16,0-23-16,25-1 15,-25 25-15,50 0 16,-25 0-16,0 24 16,0 26-16,0 50 15,-25-25-15,25 49 16,0-24-16,-25 24 15,24 1-15,-24 49 16,0 0 0,0 0-16,0 1 15,0 24-15,0-25 0,0 50 16,0-74-16,0 74 16,0-50-16,-24 25 15,24-24 1,0 49-16,-25-100 15,0 51-15,25-26 16,-50 25-16,50-24 16,-50 24-16,50 25 15,-50-25-15,25-24 16,-24-26-16,49 51 16,-25-1-16,25-25 15,-25 50-15,25-24 16,0 49-16,-25-50 15,0 25-15,25-49 16,-25 49-16,25-25 16,-50 25-16,50-24 15,-25 24 1,1-50-16,24 50 16,0 1-16,0-26 15,0 0-15,0-24 16,0 24-16,0 25 0,0-25 15,0 26 1,0-26-16,0 0 16,-25 50-16,25-24 15,0 24-15,0-50 16,0 50-16,0 0 16,0 0-16,0 0 15,0-25 1,-25 26 15,25-26-15</inkml:trace>
-  <inkml:trace contextRef="#ctx0" brushRef="#br0" timeOffset="174427.22">12924 11057 0,'25'0'16,"0"0"-1,-25-25 1,0 0 0,0 0-16,0 0 0,0-25 15,0 1-15,0 24 16,0-25 0,0 0-16,0 0 15,0 1-15,0-1 16,0-50-16,0 25 15,0 1-15,0 24 16,0-50-16,0 26 16,0 24-16,-25 0 15,25-25-15,0 50 16,-25-49 0,25 24-16,-25 0 15,25-25-15,-25 26 0,25-1 16,-25 0-16,1 25 15,24-25-15,0-24 16,0 49 0,-50-25-16,50 25 15,0-25-15,0 25 16,-25-49-16,25 49 16,0 0-16,-25-25 15,25 0-15,-25 0 16,0 1-16,0-26 15,0 50-15,0-25 16,0 25-16,25 0 16,-49-24-16,24 24 15,25 0 1,-25 25-16,0 0 16,25-25-1,-50 25 1,0 0-16,50-25 15,-49 25-15,-1-50 16,0 50-16,25 0 16,-75-25-16,26 0 0,49 25 15,-50-25 1,0 25-16,1-25 16,24 25-16,-25 0 15,1 0-15,24 0 16,-25 0-16,25 0 15,-25-24-15,1 24 16,24-25-16,0 25 16,-49 0-16,49 0 15,-25 0-15,50 0 16,-25 0 0,-24-50-16,24 50 0,25 0 15,-25 0-15,25 0 16,-49 0-16,24 0 15,25 0 1,-25 0-16,0 0 16,25 0-16,0 0 15,1 0-15,-26 0 16,25 0-16,0 0 16,0 0-16,0 0 15,0 25-15,0 0 16,-25 24-16,26-49 15,-26 25-15,25 0 16,0 0-16,0-25 16,25 25-16,-25-25 15,0 0-15,25 25 16,-25-25 0,0 0-1,1 25 1,-1-25-1,0 25 1,0-25-16,0 25 16,0-25-1,0 25-15,0-25 16,0 25 0,0-25-1,1 24-15,-1-24 16,0 0-1,0 25 1,0-25-16,0 25 16,0-25-1,0 25-15,0-25 16,25 25 0,-49 25-16,49-25 15,-25-25-15,0 25 16,0 0-1,25 24 1,-25-24 0,25 0-16,-25 25 0,25 0 31,-25 0-31,25-1 16,0-24-1,0 0-15,0 25 16,0 0-16,-25-25 15,25 0-15,0 24 16,0-24-16,-25 25 16,25-25-16,0 0 15,0 25-15,0-1 16,-49-24 0,49 25-16,-50 25 15,50-50-15,-50 50 16,50-51-16,-50 101 0,50-25 15,-50-1-15,50-24 16,-50 24 0,26-49-16,24 0 15,0 0-15,-25 0 16,0-1-16,25 1 16,-25-25-16,0 25 15,25 25-15,-25-1 16,0 1-16,25 50 15,0-100-15,0 49 16,0 1 0,0 49-16,0-74 0,0 25 15,0 0-15,0-26 16,0 1-16,0-25 16,0 50-16,-25-50 15,25 49 1,0-24-16,0-25 15,0 50-15,0 0 16,0-26-16,0-24 0,0 50 16,0 0-1,0-25-15,0 24 16,0-24-16,0 25 16,0-1-16,0-24 15,0 25-15,0 0 16,25 24-16,-25-49 15,25 25-15,-25 24 16,0-49-16,25 25 16,0-50-16,-25 25 15,25 24 1,0-49-16,-25 25 16,0 25-16,25-50 15,-25 74-15,0-49 0,24 0 16,1 49-16,0-49 15,-25 0 1,0 0-16,25 25 16,-25 24-16,25-24 15,-25-25-15,0 24 16,0 26-16,50-50 16,-25 24-16,-25-49 15,0 50-15,25-25 16,-25-25-16,25 50 15,-25-51-15,25 51 16,-25-25-16,24-25 16,-24 0-16,25 25 15,-25-26-15,0 1 16,25 25 0,0-25-1,0 0 1,-25 0-1,50 0-15,-25 25 16,0-26-16,-25 26 0,49-25 16,-49 0-1,25 0-15,0-25 16,0 25-16,-25 0 16,50 0-16,-25 0 15,0-25-15,0 24 16,0 26-16,24-50 15,-24 0-15,0 25 16,25-25-16,-25 0 16,0 25-1,25 0-15,-26-25 0,1 0 16,50 25-16,-25-25 16,-25 0-16,49 25 15,-24-25-15,25 25 16,0 0-1,-1-25-15,-24 0 16,0 0-16,25 49 16,-25-49-16,24 0 15,-24 0-15,25 0 16,-50 25-16,49-25 16,-24 25-16,25-25 15,-50 0-15,25 0 16,-1 0-16,51 0 15,-50 0-15,0 0 16,-1 0-16,-24 0 16,50 0-16,-50 0 15,25 0-15,0 0 16,-26 0 0,26 0-16,0 0 15,0 0-15,-25 0 16,0 0-16,0 0 15,-1 0-15,1-25 16,-25 0 0,25 25-16,0-49 15,0 24 1,0 0-16,25-25 16,-50 25-16,50-50 15,-50 50-15,24-24 16,1 24-16,25-25 15,-50 25-15,25-50 16,0 50 0,-25-24-16,50-26 0,-50-25 15,25 51-15,-25-26 16,0 0 0,25 0-16,-1 1 0,-24 24 15,25 0 1,25-74-16,-50 74 15,50 0-15,25-75 16,-75 76-16,49-26 16,-49 0-16,25-24 15,-25 49 1,25-25-16,-25 25 16,50-49-16,-50-1 15,0 1 1,25-26-16,25 50 0,-50-24 15,0 49-15,25-25 16,0-24-16,-25-26 16,0 50-16,25 1 15,-1-51 1,1 26-16,-25-1 16,25 0-16,0 1 15,-25 24-15,0 0 16,0-24-16,25 24 0,-25 0 15,25-49 1,-25 49-16,25-25 16,-25 1-16,0-1 15,0 26-15,25-1 16,-25 0-16,25 0 16,-25 1-16,0-26 15,0 25-15,0 26 16,0-26-16,0 25 15,25-25 1,-25 26-16,0-1 16,0 25-16,0-50 0,0 25 15,24 25-15,-24 1 16,0-26-16,0 25 16,0-25-1,0 25-15,0 0 16,0 0-16,0 0 15,0 1 1,0-1 453,0 0-454,0-50-15,-24 50 16,-1 0-16,-25-25 16,25 50-16,0-49 15,25 24-15,0 0 16,0 0-16,-25 25 16,25-25-16,0 0 15,-25 0 1,25-25-1,-25 50-15,25-25 32,0 1-32,0-1 15,-25 0-15,-24 0 16,49 0 0,0 0-16,-25 0 0,0 0 15,0-49 1,0 49-16,0 0 15,25-25-15,0 25 16,-25 0-16,0 0 16,0-25-16,0 1 15,1 24-15,24 0 16,-25 0-16,25 0 16,-25 0-16,25-25 15,0 25 1,-25-24-16,0 24 15,25 0-15,0 0 16,0 0-16,0 0 16,0-25-16,-25 25 31,25 1-31,0-1 16,-25 0-16,25 0 31,0 0-31,0 0 31,0 0 63,-25 0-63,-25 0 0,26 25 16,-1 0-31,0 0-16,0 0 15,0 0-15,0-25 16,-25 25-16,0 0 16,26 0-16,-1 0 15,-25 0-15,25 0 16,-50 0-16,50 0 16,-24 0-1,-1-25-15,-25 25 0,0 0 16,26 0-16,-26 0 15,0 0-15,25 0 16,0 0-16,1 0 16,24 0-1,0 0-15,-25 0 16,25 0-16,0 0 16,0 0-16,0 0 15,1 0-15,-1 0 16,0 0-1,0 0-15,-25 0 16,25 0 0,0 0-16,0 0 15,0 0 1,-24 0 0,24-24-16,-25 24 15,25 0-15,0 0 16,-25 0-1,25-25-15,1 0 16,-1 25-16,0 0 16,0 0-16,0 0 0,0-25 15,-25 25 1,25 0 0,-24 0 15,24 0-16,0 0 1,0 0 218,0-25-218,0 25 234,0 0-234,0 0-1,0 0-15,0 0 32,0 0-1,1 0 0,-1 0 16,0 0-31,0 0-1,0 0 16,0 0 1</inkml:trace>
-  <inkml:trace contextRef="#ctx0" brushRef="#br0" timeOffset="197159.99">9737 9339 0,'0'25'1281,"0"-1"-1265,0 1-1,0 0 1,0 0-16,25 0 15,-25 0 1,0 0 0,0 0-1,0 0 1,0 0 0,24-1-16,-24 1 15,0 0-15,0 25 16,25-25-16,0 50 15,-25-50-15,25 49 0,0-24 16,-25-25 0,0 0-16,50 75 15,-50-51-15,50 1 16,-25 0-16,-1 25 16,1-50-16,0 49 15,0-49-15,-25 0 16,25 0-1,0-25 110,-25-25-109,0-50-16,25 50 16,25-49-16,-50-1 0,25 0 15,0 26 1,-1-51-16,1 50 16,0-25-16,0 26 15,-25-26-15,50 25 16,-50 0-16,25-24 15,0 49-15,0-25 16,-25 25 0,25-25-1,-25 25 1,0 0 0,24-24-16</inkml:trace>
-  <inkml:trace contextRef="#ctx0" brushRef="#br0" timeOffset="197661.08">10558 9936 0,'0'25'46,"25"-25"-46,-25 25 16,0 0-16,25 0 16,-25 75-1,25-26-15,-25-24 16,0 25-16,25-1 16,-25-24-16,0 0 15,0-25-15,0 0 0,0 0 16</inkml:trace>
-  <inkml:trace contextRef="#ctx0" brushRef="#br0" timeOffset="198384.13">11056 9737 0,'-24'25'110,"24"25"-95,0-25-15,-25 25 16,25-26-16,-25 1 0,25 25 16,0 0-1,0-25 1,0 0-16,25-25 15,24 25-15,1 0 16,-25-1 0,25 1-16,-25-25 15,0 25-15,25 0 16,-26 0 0,26-25 15,-50 25-31,0 0 15,25 25-15,-25-1 16,0-24-16,0 0 16,0 0-16,0 0 15,0 0 1,-25-25-16,0 25 16,0-25-16,-24 25 15,24-25-15,0 0 16,-25 0-16,25 0 15,0 0 1,0 0-16,0 0 16,1 0-1</inkml:trace>
-  <inkml:trace contextRef="#ctx0" brushRef="#br0" timeOffset="198832.56">11380 10136 0,'25'0'31,"-25"49"-15,25-24-16,-25 25 15,25-25 1,-25 0 15,0 0-15,0 0 15,25-25-15</inkml:trace>
-  <inkml:trace contextRef="#ctx0" brushRef="#br0" timeOffset="199734.24">11555 9936 0,'0'25'78,"0"25"-78,24 25 16,1-25-1,-25-26-15,0 1 16,25 0-16,-25 0 16,25-25-16,-25 25 15,25 25 1,0-50-1,0 0-15,25 0 16,-25 0-16,-1 0 16,26 0-16,-25 0 15,50-50-15,-50 0 16,25 25-16,-50 0 16,24 1-16,-24-26 15,0 25-15,0-25 16,0 25-1,0 0-15,0 0 16,0-24-16,0-1 16,0 25-1,-24 25 1,-1 0 0,-25 0-1,25 0 1,0 0-16,0 0 15,0 0-15,0 0 16,0 0 0</inkml:trace>
-  <inkml:trace contextRef="#ctx0" brushRef="#br0" timeOffset="200053.14">11455 9887 0,'-25'0'63</inkml:trace>
-  <inkml:trace contextRef="#ctx0" brushRef="#br0" timeOffset="201156.51">10633 9787 0</inkml:trace>
-  <inkml:trace contextRef="#ctx0" brushRef="#br0" timeOffset="201364.17">10633 9787 0</inkml:trace>
-  <inkml:trace contextRef="#ctx0" brushRef="#br0" timeOffset="205166.66">9737 12028 0,'-25'0'16,"0"0"62,0 0-63,0 0 32,0 0-47,-25 0 0,1 0 31,24 0-31,0 0 16,-25 25-16,50 0 16,-25 0-16,0 0 15,-25 24-15,50-24 16,0 25-16,0 25 16,0-50-16,0 0 15,0 0-15,0 0 16,0-1-1,25-24 32,0 0-47,0 0 16,25 0 0,-25-24-16,0-1 15,0 0 1,-25-25-16,49 0 15,-24 0-15,-25-24 16,25-26-16,25 0 16,-50 51-16,0-26 15,0-50-15,25 51 16,-25 24-16,0 0 16,0-25-16,0 26 15,0 24-15,0 0 16,0-25-16,0 25 15,0 0-15,25 25 79,-25 25-79,25 50 15,-25-1 1,0-24-16,25 25 0,-25 0 15,24 49 1,1-49-16,-25 24 16,25-24-16,0 0 15,-25-50-15,0 0 16,0 0-16,0-1 16,0 26-16,0-25 15,0 0 1,0 0-1</inkml:trace>
-  <inkml:trace contextRef="#ctx0" brushRef="#br0" timeOffset="205773.38">10035 11779 0,'0'-25'16,"50"50"-1,-50 0-15,0 25 0,25 0 16,0 24-16,-25-49 15,25 75 1,-25-75-16,0 0 16,25-1-16,-25 1 15,0 0-15,0 0 16,0 0 46,0-100-15,0 50-47,0-49 16,0 49-16,0-25 16,25 25-1,0-25-15,0 25 16,0 1-1,-1 24-15,1 0 32</inkml:trace>
-  <inkml:trace contextRef="#ctx0" brushRef="#br0" timeOffset="206332.04">10658 11879 0,'0'-25'32,"-25"75"-1,0-26-16,0 26-15,0 0 0,25-25 16,0 25 0,-49 0-16,49-26 0,-25 26 15,25-25 1,0 0 0,0 0-1,25-25 32,0 0-47,24 0 31,-24 0-15,-25-25-16,50-50 16,-50 50-16,25-24 15,0-26-15,0 50 16,-25-25-16,0 0 15</inkml:trace>
-  <inkml:trace contextRef="#ctx0" brushRef="#br0" timeOffset="206572.58">10807 11978 0,'0'25'16,"0"25"46,0-25-62</inkml:trace>
-  <inkml:trace contextRef="#ctx0" brushRef="#br0" timeOffset="207420.3">10957 11829 0,'0'25'15,"25"0"1,0 24-16,0-24 16,-1 25-16,-24-25 15,0 25 1,0 0-16,0-1 16,25-24-16,-25 0 15,0-50 63,0-24-62,0 24-16,0-25 16,0 0-16,0 0 15,0 25-15,0-24 16,25 49 31,0 0-32,0 0-15,25 49 16,0 1-16,-25 0 0,-25-25 16,49 25-1,-49-25-15,0-1 16,25-24-16,0 0 78,0-24-62,-25-26-1,50-50-15,-50 75 16,25 0-16,0 0 15,0 1-15,0-1 16,-25 0-16,0-25 31</inkml:trace>
-  <inkml:trace contextRef="#ctx0" brushRef="#br0" timeOffset="207692.96">11853 12128 0,'0'25'32</inkml:trace>
-  <inkml:trace contextRef="#ctx0" brushRef="#br0" timeOffset="208086.16">11953 11704 0,'25'0'31,"0"0"-16,0 50-15,0-25 16,24 75-16,-24-1 16,0-24-16,-25 49 15,25-99-15,-25 25 16,0-25-16,0 0 16</inkml:trace>
-  <inkml:trace contextRef="#ctx0" brushRef="#br0" timeOffset="208752.51">12376 11904 0,'0'24'94,"0"1"-79,0 25-15,0 0 16,0-25-16,0 0 16,0 25-1,0-26-15,25 1 16,-25 0 15,25-25 0,0 0-15,-25-74-16,25 49 16,-25-25-1,25 25-15,-25 0 16,0 0-16,0 0 16,0 0-1,0 0 1,-25 25-1,0 0 1,0 0-16,0 0 16,-50 0-16,51 0 15</inkml:trace>
-  <inkml:trace contextRef="#ctx0" brushRef="#br0" timeOffset="211557.19">10110 13597 0,'0'25'16,"25"50"-1,25-26-15,-25 51 16,74 0-16,-99-51 16,50 76-16,0 24 15,25-24-15,-25 24 16,-1-24-16,1-51 16,-25 51-16,0-100 15,-25 0 1,0 0-16,0 0 78,0-75-62,-25-50-16,0 25 15,25 1-15,-25-26 16,0 0-16,0 1 15,25-1-15,-24 1 16,24 24-16,0 0 16,0-24-16,0 49 15,0 0 1,0-50-16,0 76 16,0-1-1,0 0 1,24 25-16,1 0 31,0 0-31,0 0 16,0 0-16,0 0 15,0 0 1,0 25-16,0-25 16,-25 49-1,0-24 1,0 50-16,0-50 15,0 25-15,-25 24 16,0-49 0,0 0-1,0 0-15,0-25 16</inkml:trace>
-  <inkml:trace contextRef="#ctx0" brushRef="#br0" timeOffset="212217.45">10857 13697 0,'25'49'16,"-25"-24"-16,0 25 15,25 25-15,0-1 16,-25 1-16,0 25 16,25-50-16,0 24 15,-25 26-15,25 24 16,0-49-1,-25 25-15,0-75 16,0-1-16,0 1 16,0-124 46,-25-1-46,-25-49-16,25-1 15,0 1-15,0 24 16,25 1-16,0 24 16,0 26-16,0-51 15,0 50-15,0 50 16,0 1 0,25 24-1,0 0 1,0 0-16,0 0 15,0 0 1,0 0 0,-25 24-1,0 1-15,0 0 16,0 50-16,0-25 16,0 0-16,0-1 15,-25-24-15,-25 25 16,-25-50-16,25 25 15,-24-25-15</inkml:trace>
-  <inkml:trace contextRef="#ctx0" brushRef="#br0" timeOffset="-203743.26">15215 7670 0,'0'25'0,"0"0"15,0 0 1,0 0 0,0 0 31,25 0-1,-25 0-46</inkml:trace>
-  <inkml:trace contextRef="#ctx0" brushRef="#br0" timeOffset="-200550.15">17905 9065 0,'24'0'32,"1"0"-17,0 0 48,-25-25-32,0 0-15,0-25-1,0 25 1,0 0 0,0 0-16,0 1 15,-25-1 1,0 25-1,25-25-15,0 0 16,-49 0 0,49 0-16,-25 0 15,-25-25 1,25 50-16,0 0 16,-50 0-16,26 0 15,-26 0-15,25 0 16,-25-25-16,50 25 15,-49 0-15,24 0 16,-25 0-16,1-24 16,-26 24-16,0-25 15,51 25-15,-26 0 16,-50 0 0,51 0-16,-1 0 0,-25 0 15,26 0 1,-1 0-16,0 0 0,25 0 15,1 0-15,-26 0 16,0 0 0,25 0-16,-24 0 15,24 0-15,0 0 16,-25 0-16,26 0 16,-26 0-16,50 0 15,-25 0-15,-25 0 16,1 0-16,49 0 15,-50 0-15,50 0 16,-50 0 0,26 0-16,-1 0 0,25 0 15,-25 25-15,-25-1 16,26 1-16,-1 0 16,0-25-16,25 50 15,-25-25 1,1 0-16,24-25 15,0 25-15,-25 0 16,25 0 0,-25-1-16,50 26 31,0 0-31,-50-25 16,50 0-16,0 0 15,0 25-15,0-26 16,0 51-16,0-50 15,0 0-15,0 0 16,0 0-16,0 0 16,0 0-16,0-1 15,25-24 1,-25 25-16,0 25 16,25-25-16,-25 0 15,25 0-15,-25 0 16,25 0-16,-25 24 0,50-24 15,-50 0 1,25 25-16,0-50 16,0 50-16,24-25 15,-24 0 1,0 0-16,0 24 16,0-24-16,0-25 15,0 25-15,74 25 16,-74-50-16,25 0 15,0 50 1,-25-50-16,25 25 0,24 0 16,-24 0-16,0-1 15,0-24-15,24 25 16,-24 0-16,-25-25 16,25 0-1,0 0-15,24 25 16,-24 0-16,0-25 15,-25 0-15,25 0 16,0 0-16,-1 0 0,26 0 16,-50 0-1,25 0-15,24 0 16,1 0-16,-50 0 16,50 0-16,-25 0 15,24 0-15,1 0 16,-50 0-16,50 0 15,-1-25-15,26 25 16,-50 0-16,0 0 16,-1 0-1,26 0-15,25 0 16,-1-25-16,1 0 0,-25 0 16,24 25-16,-24-24 15,-25 24-15,49 0 16,-24-25-1,25 25-15,-26-25 16,1 25-16,0-25 16,-25 0-16,-1 0 15,26 0-15,-25 0 16,-25 0 0,-25 0-16,25 25 15,-25-24-15,25 24 16,-25-50-1,24 25-15,-24-25 16,0 25 0,0 0-16,0-25 15,0 25-15,0-24 16,0-1 0,0 25-16,0-50 15,0 50-15,0-24 16,0-1-16,0-25 15,0 0-15,0 26 0,-49-26 16,49 25 0,-50-25-16,25 26 15,25-1-15,-50 0 16,25 25 0,0-25-16,-24 0 15,24 26 1,-25-1-1,25 25 1,-25-25 0,25 25-16,0 0 15,0-25-15,1 25 0,-1 0 16,0 0 0,-25 0-16,25 0 0,0 0 15,0 0 1,0 0-16,0 0 15,0 0-15,25-25 16,-24 25-16,-51 0 16,25 0-1,25 0-15,0 0 16,-25 0-16,1 0 16,24 0-16,0 0 15,-25 0-15,25 0 16,0 0-16,-25 0 15,-24 0-15,24 0 16,-25 0-16,25 0 16,-74 0-16,49 0 15,1 0 1,-1 0-16,0 0 16,50 0-16,-25 0 15,-24 0-15,49 0 16,0 0-16,0 0 15,-25 0-15,25 0 16,0 0-16,0 0 31,1 0-15,-1 0 31</inkml:trace>
-  <inkml:trace contextRef="#ctx0" brushRef="#br0" timeOffset="-192938.12">18104 11455 0,'0'-25'47,"0"1"-47,0-1 0,0 0 31,0 0-31,-25 0 16,25 0 0,-25 0-16,0 0 15,25 0-15,0 0 16,-50 1 0,50-1-16,0 0 15,0 0-15,-25 0 16,25 0-16,-25 25 15,25-25 1,0 0-16,-24 0 16,-1 0 15,0 0 0,25 1-31,-50-1 16,25 25-1,0-25-15,0 0 0,-25 25 16,25-25 0,-24 25-16,-1 0 15,25-25-15,-25 25 16,0 0-16,25 0 16,-24-25-16,-26 25 15,25 0-15,-25-25 16,51 25-16,-76 0 15,50 0-15,0 0 16,-24 0 0,24 0-16,0 0 15,0 0-15,25 0 0,-24-25 16,-26 25-16,25 0 16,0 0-16,0 0 15,-24 0 1,-1 0-16,50 0 15,-25 0-15,0 0 16,1 0-16,-1 0 16,0 0-16,25 0 15,-25 0-15,25 0 16,1-25-16,-26 25 16,25 0-16,0 0 15,0 0-15,-25 0 16,0 0-16,26 0 15,-26 0-15,25 0 16,-25 0-16,25 0 16,0 0-16,-25 0 15,1 0 1,24 0-16,0 0 16,-25 25-16,25-25 15,-25 25-15,0-25 16,1 25-16,-1 0 15,0 0 1,25-25-16,0 0 16,0 25-1,0-25-15,-24 25 16,24 0 0,25 0-16,-25-1 15,0 26-15,0-25 16,0 25-16,0-25 15,0 50 1,25-50-16,-25 24 16,1-24-16,24 0 0,-25 0 15,25 75-15,0-75 16,0 24-16,0 1 16,0 50-1,0-50-15,0-26 16,0 1-16,0 0 15,0 0-15,0 0 16,0 0 0,0 0-1,0 0 1,0 25 0,25-50-1,24 49-15,-49-24 31,25-25-31,0 25 16,0 0 0,0-25-1,0 25-15,50 0 16,-51-25-16,1 0 0,25 0 16,0 25-1,0 0-15,24-25 0,-24 0 16,0 74-1,0-49-15,0-25 16,49 0-16,-49 0 16,25 25-16,-25-25 15,24 0-15,26 0 16,-75 25-16,25-25 16,-1 0-16,1 25 15,0-25-15,0 0 16,-25 0-1,0 0-15,24 0 16,-24 0-16,25 0 0,0 0 16,-25 0-16,0 0 15,25 0-15,-1 0 16,-24 0 0,25 0-16,0 0 15,0 0-15,0 0 16,-1 0-16,1 0 15,0 0-15,0 0 16,-25-25-16,0 25 16,24 0-16,26-25 15,-50 25-15,0 0 16,50-25-16,-26 25 16,-24 0-16,0-25 15,0 25-15,25 0 16,25-25-16,-51 25 15,1 0-15,0 0 16,0 0 0,25-49-16,-25 49 15,50 0-15,-51-25 16,1 0-16,0 25 16,0-25-1,0 25-15,0-25 16,25 25-1,-50-25-15,25 25 16,0-25 0,-25 0-1,25 0 1,-25 1 0,0-1 30,24 0-30,-24 0 47,0 0-48,0 0-15,25 25 16,-25-25-16,0 0 15,0 0-15,0 0 16,0 1-16,0-1 16,0 0-16,0 0 15,0 0 1,0 0 0,0 0-1,0 0 1,0 0-16,0 0 140</inkml:trace>
-  <inkml:trace contextRef="#ctx0" brushRef="#br0" timeOffset="-188537.02">15315 797 0,'-50'75'125,"50"0"-125,0-1 16,0 1-16,0-25 16,-25 50-16,0-26 15,25 1-15,0 0 16,-25 24-16,25-49 15,-25 50-15,25-26 16,0-24 0,0 25-16,0-25 0,0 24 15,0-24 1,0 0-16,0 0 0,0 0 16,0-1-16,0 1 15,0 0 1,0 0-16,0-25 15,0 0-15,0 0 16,0-1-16,0 26 16,0-25-16,0 0 15,0 25-15,0 0 16,0-25-16,0-1 16,0 1-16,0 25 15,0-25 1,0 0-1,0 0-15,0 25 16,0-25 15,0-1-15,0 1 0</inkml:trace>
-  <inkml:trace contextRef="#ctx0" brushRef="#br0" timeOffset="-185358.14">15240 673 0,'0'-25'93,"25"25"-61,25 0-17,0 0-15,-26 0 16,26 0-16,0 0 15,25 0-15,-25 0 16,24 0-16,26 0 16,-25 0-16,49 25 15,-24-25-15,-51 0 16,26 0-16,75 0 16,-26 0-16,26 0 15,24 0-15,0 0 16,0 0-16,1 0 15,24 0-15,-25 0 16,50 0 0,-49 0-16,-1 0 0,25 0 15,-24 0 1,24 0-16,-25 0 16,50 0-16,-49 0 0,24 0 15,0 0 1,0 0-16,0 0 15,26 0-15,-51 0 16,25 0-16,0 0 16,0 0-16,-24 0 15,-1 0-15,0 0 16,-24 0-16,24 0 16,0 0-16,1 0 15,-1 0 1,-25 0-16,51 0 0,-51 0 15,25 0-15,-24 0 16,24 0-16,-49 0 16,24 0-16,25 0 15,1 0 1,24 0-16,-50 0 16,26 0-16,-26 0 15,0 0-15,26 0 16,-26 0-16,1 0 15,-1 0-15,0 0 16,1 0-16,-26 0 16,1 0-16,-26 0 15,1 0-15,25 0 16,-26 0-16,-24 0 16,25 0-16,-51 0 15,1 0-15,-25 0 16,0 0-1,-25 25 48,25-25-32,-25 25-15,25-25-16,-25 24 15,0 51-15,0-50 16,25 25-16,-25 0 16,0 49-16,25 1 15,-1 0-15,-24-51 16,50 51-16,-25-25 16,0-1-1,25 51-15,-50-50 16,25-26-16,0 51 0,-25-25 15,25-26-15,-25 26 16,49-50-16,-49 50 16,0-50-1,25 25-15,0-26 16,0 26-16,-25 25 16,25-50-16,-25 25 15,0-25-15,25-1 16,-25 1-16,0 0 15,0 0-15,0 25 16,25-50-16,-25 25 16,0 0-1,0 0 1,0 0 0,0-1 15,0 1-16,0 0 1,-25 0-16,25 0 16,-25-25-1,0 25-15,0 0 16,0 0 0,-25-25-1,1 25-15,24-25 16,-50 25-16,25-25 15,-24 0-15,24 0 16,-25 0-16,-25 0 16,1 0-16,24 0 15,-49 0-15,74 0 16,-50 24-16,25-24 16,-49 0-1,74 0-15,-25 0 0,-24 0 16,-1 0-16,1 0 15,-51 0-15,51 0 16,-26 0 0,-24 0-16,24 0 15,-49 0-15,49 0 16,-24 0-16,-25 0 16,24 0-16,-24 0 15,0 25-15,-1-25 16,1 0-16,25 0 15,-26 25-15,51-25 16,-26 0-16,1 0 16,-25 0-16,24 0 15,1 0-15,-50 0 16,49 0-16,-24 0 16,0 0-16,-26 0 15,51 0 1,-50 0-16,49 25 15,-24 0-15,25-25 16,-26 0-16,26 0 0,-1 0 16,-24 0-16,74 0 15,-74 0 1,50 0-16,-26 25 16,-24-25-16,49 0 15,-49 25-15,50-25 16,-51 0-16,26 0 15,-50 0-15,49 0 16,-49 25-16,75-25 16,-26 25-16,1-25 15,49 25-15,-24-25 16,-1 0-16,25 0 16,-24 0-16,24 0 15,1 0-15,-26 0 16,51 0-16,-26 0 15,0 0 1,50 0-16,1 0 16,-51 0-16,50 0 15,0 0-15,-49 24 0,49-24 16,-25 0 0,50 0-16,-74 0 15,49 25-15,25-25 16,-50 0-16,51 0 15,-26 0-15,0 0 16,0 0-16,25 0 16,-25 0-16,26 0 15,-1 0-15,0 0 16,0 0 0,0 0-1,0 0 1,0 0-16,0 0 31,25-25 0,-25 25-15,25-24 0,-25-1-1,25 0 16,-25 0 16,25 0-15,0 0 30,-24 0-31,-1 25-15</inkml:trace>
-  <inkml:trace contextRef="#ctx0" brushRef="#br0" timeOffset="-182114.41">15937 1519 0</inkml:trace>
-  <inkml:trace contextRef="#ctx0" brushRef="#br0" timeOffset="-178040.88">15738 1594 0,'0'25'78,"0"75"-78,0-1 16,0-49-16,0 25 15,0-25-15,0-26 16,0 51-16,0-50 15,0 0-15,0 0 110,0-75-110,0 25 15,-25-50 1,25 26-16,0-26 16,0 25-16,0 0 15,0 25-15,0-49 16,0 24-16,50 25 16,-50 0-1,75 25-15,-50 0 16,-1 0-16,51 0 15,25 25-15,-26 25 16,1 49-16,0-49 16,0 25-16,-1 0 15,-49-26-15,-25 26 16,0-25-16,0-25 16,0 25-1,0 24-15,0-24 16,0-25-16,-25 25 15,-25-25-15,1 0 0,24-25 16,0 0 0,0 0-16,0 0 15,0 0-15,0 0 16,0 0-16,0 0 31,1 0-15</inkml:trace>
-  <inkml:trace contextRef="#ctx0" brushRef="#br0" timeOffset="-177604.69">16709 1569 0,'100'75'16,"-75"-50"-1,25 25-15,-1 24 16,1 26-16,25 24 15,-25-24-15,-1-50 16,1 0-16,0 24 16,25 26-16,-50-50 15,24 0-15,-24-25 16,0 49 0,0-24-16,25-25 15,-25 0-15,0 0 16,-25-50 46,-25-50-46</inkml:trace>
-  <inkml:trace contextRef="#ctx0" brushRef="#br0" timeOffset="-177072.35">17481 1644 0,'-99'75'16,"24"-26"0,25 1-16,25 0 15,-25 25-15,-24 24 16,-1-24-16,25 0 15,-25 49-15,26-74 16,-26 75-16,50-51 16,-25-24-16,50-25 15,0 0 1,0 0-16,-25-25 16,25 25-16</inkml:trace>
-  <inkml:trace contextRef="#ctx0" brushRef="#br0" timeOffset="-173540.65">18427 673 0,'0'25'110,"0"0"-95,0-1 1,0 26-16,0 25 0,0 0 15,0-1 1,0-49-16,0 50 16,0-25-16,0 25 15,0-1-15,0-49 16,0 50-16,0-25 16,0 49-16,0-49 15,0 0-15,0 0 16,0 24-16,0-24 15,0 25 1,0 0-16,0-26 16,0-24-16,0 25 0,0-25 15,0 25-15,0 0 16,0-1-16,0 1 16,0 0-1,0-25-15,0 25 16,0-25-16,0 0 15,0 24-15,0-24 16,0 25-16,0-25 0,0 50 16,0-50-1,0-1-15,0 1 16,0 0-16,0 0 16,0 0-16,0 0 15,0 0 1,0 0-16,0 0 15,0 24 1,0-24 0,0 0-1,0 0 126</inkml:trace>
-  <inkml:trace contextRef="#ctx0" brushRef="#br0" timeOffset="-172329.05">19150 1495 0,'0'49'63,"0"26"-63,0-25 16,0 25-16,0 24 15,0 26-15,0-26 16,0 1-16,0 0 15,0-51-15,0 1 16,0-25-16,0 0 16,25 0 62,-25-50-47,0-25-15,0-25-16,0 26 15,0-1-15,0 0 0,0-25 16,0 25-16,0 1 16,0-1-1,0 25-15,0-25 16,-25 0-16,25 25 15,0 1-15,0-1 16,0 0-16,0 0 16,0 0-1,0 0 17,49 25 14,-24 0-30,25 0-16,25 0 16,-25-25-1,-1 25-15,1 0 16,-25-25-16,0 25 16,0 0-16,0 0 15,0 0-15,0 0 47,-25 75 0,-75 25-31,0-1-16</inkml:trace>
-  <inkml:trace contextRef="#ctx0" brushRef="#br0" timeOffset="-171971.7">19125 2142 0,'25'0'31,"0"0"-15,24 0-16,-24 0 16,50-25-16,-50 25 15,0 0-15,0-25 16,24 25-16,-24 0 15,0-25-15,0 25 32,0 0-1</inkml:trace>
-  <inkml:trace contextRef="#ctx0" brushRef="#br0" timeOffset="-171573.42">19697 1968 0,'25'0'16,"0"0"0,-25 49-1,0-24 1,0 25-16,0 0 16,0-25-16,0 50 15,0-26-15,0-24 16,0 0-16,0 0 15,0 0-15,0 0 47,25-25-31,0 0 0</inkml:trace>
-  <inkml:trace contextRef="#ctx0" brushRef="#br0" timeOffset="-170608.04">20594 2117 0,'-25'0'32,"-25"0"-17,-24 25-15,24-25 16,-25 0-16,0 0 16,50 0-1,-24 0-15,-26 0 0,50 25 16,0-25-16,0 0 15,0 0 1,25 25 0,0 25 15,0-25-15,25 24-1,0-49-15,0 25 16,0-25-16,0 0 15,0 0-15,24 0 16,1 0-16,0 0 16,-25 0-16,25 0 15,-25 0-15,0 0 16,0 0-16,24-25 16,-24 0-16,-25-24 15,0 24-15,0 50 125,0 24-109,0 1-16,0 50 15,0-25-15,0-26 16,0 26-16,0 25 16,0-26-16,0 1 15,0 25-15,0-51 16,0 1 0,0-25-16,0 0 15,-25-25 1,0 0-1,1 0 1,-51-25 0,25 0-16,25-25 15,-25 1-15,50 24 16,0 0-16,0 0 16,0-25-16,0 0 15,25-24-15,0 24 16,50-25-16,-50 75 15,25-50-15,-26 25 16,51 1-16,-25-51 16,0 50-16,-25 0 15</inkml:trace>
-  <inkml:trace contextRef="#ctx0" brushRef="#br0" timeOffset="-169313.61">20793 2117 0,'50'0'15,"-50"25"1,50 75-16,-25-51 0,-25 1 16,25 0-16,-1 0 15,-24-25-15,0 0 16,25-25-16,0-25 78,-25 0-62,0 0-1,25-25-15,0 25 16,0 25 62,0 0-47,-25 50-31,25-25 0,-25 0 16,25 25-1,0-50 32,-1 0-31,26 0 0,-25 0-1,25-50-15,0 0 16,-25 25-16,24 0 15,-24 25 48,0 0-63,-25 25 16,25-25-1,-25 25-15,25-25 16,0 0 15,0 0-15,25 0-1,0 0-15,-26 0 16,-24-25-16,25 0 16,0 25-16,-25-25 31,0 50 78,0 0-93,0 0-16,25-25 94,0 0-79,25 0 32,25 0-31,-26 25-1,-24 0 1,0 0-16,0 0 16</inkml:trace>
-  <inkml:trace contextRef="#ctx0" brushRef="#br0" timeOffset="-168210.23">22935 747 0,'0'50'47,"0"-25"-32,0 50-15,0 49 16,0-24-16,0-25 16,0-1-16,0 26 15,0 25-15,0-26 16,25 75-16,0-49 15,-1 49-15,1-49 16,0-1-16,0-24 16,-25 0-16,0-26 15,0-24-15,25 25 16,-25-25 0,0-26-16,0 1 15,0 0-15,0 25 16,0-25-16,0 0 15,0 0 1,0 0 0,0 0 15</inkml:trace>
-  <inkml:trace contextRef="#ctx0" brushRef="#br0" timeOffset="-166502.8">23981 1270 0,'0'50'110,"49"75"-95,1-75-15,0 49 16,-25 1 0,0-1-16,0 1 15,-25-50-15,25 24 16,0-24-16,-25-25 15,0 0 1,0 0 0,0-50 77,-25 0-77,-25-74 0,50 74-16,0-25 0,-25 0 15,0-74 1,25 74-16,0 0 16,0 0-16,0 0 0,0 1 15,-25-1 1,25 0-1,0 25 1,0 0-16,0 0 16,0-25-1,25 50 17,0 0-32,0 0 15,0 0 1,0 0 15,0 0-15,-1 0 15,-24 50-15,0-25-16,0 0 15,0 25 1,0-25-16,0 49 31</inkml:trace>
-  <inkml:trace contextRef="#ctx0" brushRef="#br0" timeOffset="-165810.12">24678 1495 0,'25'0'16,"-25"24"-16,25 26 15,-25 25 1,25 25-16,-25-51 16,0 76-1,0-100-15,0 49 0,24-24 16,-24 25-16,0-25 15,0-25-15,-24-50 94,-26 0-94,25-25 16,-25 0-16,25 0 15,-25 26-15,50-51 16,-25 50-16,25 0 31,0 0 47,25 25-62,0 0-16,0-25 16,25 25-16,-25 0 15,-25-25-15,25 25 32</inkml:trace>
-  <inkml:trace contextRef="#ctx0" brushRef="#br0" timeOffset="-165034.79">25350 1644 0,'-25'0'94,"25"25"-79,0 0-15,50 0 16,25-25 0,74 25-16,-24-1 15,-1 26-15,1-25 16,-100 0-16,-25 0 15,0 0 17,-50 0-17,25-25-15,-25 25 16,-25 0-16,-24-1 16,24 26-1,0-25-15,26 0 0,-1 25 16,-75 0-16,51 0 15,-26-26-15,0 26 16,1-25 0,-26 25-16,100-50 15,-49 0-15,24 0 16,50-75 46</inkml:trace>
-  <inkml:trace contextRef="#ctx0" brushRef="#br0" timeOffset="-163270.7">25275 1246 0,'-24'0'94,"24"24"-79,0 1 1,0 0 0,0 25-1,0 0 1,0-25-16,0 0 31,0 0-31,0-1 16,0 1 15,0 0 0,0 0-15,0 0 0,0 0 15,24 0-16,1-25 17,-25 25-17,25-25 1,0 25 0,0-25-1,0 0-15,0 0 31,0 0-15,0 0 0,-25 25-16,25-25 15,0 0 1,-1 0-16,1 0 16,0 0-1,0 24-15,0-24 16,0 0-16,0 0 15,0 0-15,0 0 16,0 0-16,-1 0 16,26 25-16,-25 0 31,0-25-15,0 0-1,-25 25 1,25-25-16,-25 25 15,0 0 17,0 0-17,0 0-15,0 0 32,0 0-32,0-1 15,0 1 1,0 0-1,0 0 32,-50-25-31,25 25-16,0-25 16,0 0-1,0 0 1,1 0-1,-1 0 1,0 50-16,0-50 16,0 0-1,0 0-15,0 0 32,0 0-32,0 0 15,0 25 1,1-25-16,-1 0 15,-25 0 1,25 0-16,25 25 16,-50 0-16,25-25 31,0 0-31,0 0 0,-24 0 31,24 25-31,0-25 0,0 24 16,0-24 15,-25 25-31,25-25 16,0 0-16,0 25 15,-24-25-15,24 25 16,0-25-16,0 25 16,0-25-16,0 0 31,0 0-16</inkml:trace>
-  <inkml:trace contextRef="#ctx0" brushRef="#br0" timeOffset="-142799.55">26770 1519 0,'0'-24'109,"0"-1"-109,0 0 16,0 0 0,0 0-16,0 0 0,0 0 15,-25 0 1,25 0-16,0 0 16,-25 1-16,0-1 15,0 0 1,-25 0-1,25 0 1,0 0-16,0 0 16,-24 0-16,24 0 31,0 0-31,0 25 16,-25 0-16,50-24 0,-25 24 15,0 0-15,-24-25 16,24 25-16,-25-25 15,0 25 1,25 0-16,0-25 16,-25 25-1,26 0-15,-1-25 16,-25 25-16,25 0 16,0-25-16,-25 25 15,25 0-15,0 0 16,-24 0-16,-1 0 15,0 0-15,0 0 16,0 0-16,26 0 16,-1 0-16,-25 0 15,0 0-15,25 0 16,0 0-16,-25 0 16,1 0-1,-26 0-15,25 0 16,25 0-16,-25 0 0,25 0 15,-49 0 1,49 0-16,0 0 0,0 0 16,0 0-1,-25 0-15,25 0 16,-49 25-16,49-25 16,0 0-16,0 0 15,-25 0-15,25 0 16,-24 0-16,24 0 15,-25 0-15,25 0 16,-25 0 0,25 0-1,0 0-15,0 0 16,1 0-16,-1 0 16,0 0-16,0 25 15,0-25-15,0 0 31,0 0-31,0 0 16,0 0-16,0 0 16,0 0-16,-24 0 15,24 25-15,0-25 16,0 25-16,-75 0 16,51-1-16,-1 1 15,25 0 1,25 0-1,-25-25-15,-25 25 0,50 0 16,-25 0-16,0-25 16,0 25-16,1 0 15,-1 24-15,0 1 16,0-50 0,0 25-16,-25 0 15,25 0-15,25 0 0,-25-25 16,25 25-16,-25 0 15,1-25 1,24 25-16,-25-1 16,25 1-16,-25-25 15,25 25-15,-25 0 16,25 0-16,-25-25 16,25 25-16,-25 25 15,25-25 1,0 0-16,0 24 15,0-24 1,0 25 0,0-25-16,0 0 0,0 0 15,0 25-15,0-1 16,0-24 0,0 25 15,0-25-16,0 0-15,0 25 16,0-25-16,25-25 16,-25 49-16,0-24 15,25 0-15,-25 0 16,50 25-16,-50-25 16,0 0-16,25 0 15,-1 0-15,1 24 16,0-24 15,0 0-15,0 0-1,-25 0 1,25 0-16,-25 0 47,25-25-32,-25 25-15,25-25 16,-25 25 0,25-25-1,0 0 1,-25 24 0,24-24-1,1 25 32,0-25-47,0 0 16,0 0 15,0 0-31,0 25 31,0 0-31,0-25 16,49 0-1,-49 0-15,-25 25 16,25-25-16,0 0 16,0 0-16,0 25 15,0-25-15,0 0 16,24 0 0,-24 0-16,0 0 15,0 0-15,0 0 16,0 25-16,0-25 15,25 0 1,-25 0 0,0 0-1,-1 25 1,1-25 0,0 0-1,0 0-15,0 0 31,0 0-15,0 0-16,0 25 16,0-25-1,0 0 1,-25 25-16,24-25 31,1 0-15,0 0-1,25 0 17,-25 0-32,-25 24 15,25-24-15,0 0 16,0 0 0,0 25-1,-1-25 1,1 0-16,0 0 0,0 0 15,0 0 1,0 0-16,0 0 16,0 0-1,0 0-15,0 0 16,24 0 0,-24 0-16,0 0 15,0 0-15,25 0 16,-25 0-1,49 0 1,-49 0 0,0 0-16,0 0 0,0 0 15,0 0 1,0 0-16,25 0 0,0 0 16,-1 0-16,-24 0 15,0 0 1,0 0-16,0 0 15,0 0-15,0 0 16,25 0-16,-26 0 16,1 0-1,0 0-15,0 0 16,50 0-16,-50 0 16,0 0-1,0 0-15,-1 0 16,1 0-1,0 0-15,0 0 16,0 0-16,25-25 16,-25 25-1,0-24 1,0-1-16,-1 0 16,1 0-1,0 25-15,0 0 16,0-25-16,0 25 0,-25-25 15,25 0 1,0 0-16,0 0 16,0 0 15,-1 25-31,-24-24 16,50-1-1,-25 0 1,0 0 15,0 25-31,-25-25 0,25 0 16,0 0-1,0-25 1,0 1 15,0 24-15,-1 0-16,-24 0 15,25 0-15,0 0 16,-25 0-16,25 0 16,-25 0-16,25 25 15,-25-25-15,25-24 16,-25-1 0,0 25-16,25 0 15,0 0 1,-25 0-1,0 0 1,25 25 0,-25-25-1,0 0 1,0 1 0,0-1-16,0 0 15,0 0 1,0 0-1,0 0 1,0 0 0,0 0-16,0 0 15,0 0 1,0 1 0,0-1 15,0 0 16,0 0 0,0 0-16,0 0 0,-25 25-15,25-25 31,0 0-47,-25 25 31</inkml:trace>
-  <inkml:trace contextRef="#ctx0" brushRef="#br0" timeOffset="-137311.27">23308 1470 0,'25'25'204,"0"-1"-173,0-24 31,0 25-46,-25 0 0,50-25 46,-1 25 469,-24 0-515,0-25 0,0 25-1</inkml:trace>
-  <inkml:trace contextRef="#ctx0" brushRef="#br0" timeOffset="-136425.03">25624 2540 0,'25'0'47,"50"25"-32,-50 0 1,0-25 0,-1 25-16,26-25 15,0 50-15,25-25 16,-25 0-16,24 0 16,-24 0-1,75-1-15,-76 1 16,1-25-16,0 25 15,0 0-15,0-25 16,-26 25-16,1-25 16,0 0-1</inkml:trace>
-  <inkml:trace contextRef="#ctx0" brushRef="#br0" timeOffset="-121620.43">23333 2715 0,'25'0'109,"0"0"-78,0 0-15,0-25-16,0 0 15,24 0-15,1-25 16,0 25-16,0-24 16,-25 24-16,49 0 15,-24 0-15,-25 0 16,50 0-16,0-25 16,-26 25-1,1-24-15,25 24 16,-25 0-16,-25 0 0,74-25 15,-49 50-15,-25-25 16,0-25-16,25 50 16,-25-25-1,-1 25-15,1 0 16,25-25-16,-25 25 16,0-24-16,0-1 15,25 0-15,-25 25 16,-1 0-16,1-25 15,25 25-15,-25-25 16,25 0-16,-25 25 16,0 0-16,49-25 15,-49 0-15,0 0 16,25 0-16,-25 25 16,25-24-16,-1-1 15,-24 0-15,0 25 16,25-25-1,0 25-15,0-50 16,-25 50-16,0 0 0,24-25 16,-24 0-1,25 25-15,-25 0 16,0-25-16,0 25 16,49-25-16,-49 1 15,0 24-15,25-25 16,-25 25-1,0-25 1,25 25-16,-25 0 16,-1-25-1,1 25-15,0 0 16,25-25 0,-25 25-1,0 0 1,0 0-1,-25-25-15,25 25 32,0-25 124,-1 0-109,1 25-32,0 0-15,0 0 16,0 0-16,0 0 0,0-25 31</inkml:trace>
-  <inkml:trace contextRef="#ctx0" brushRef="#br0" timeOffset="-120645.71">22960 1569 0,'25'0'0,"-1"0"16,26 0-16,0 0 16,0 25-16,25-25 15,-51 50-15,26-50 16,0 25-1,-25 0-15,50 0 16,-50 0-16,24-1 0,51 26 16,24-25-1,-74 0-15,25 50 16,-25-75-16,0 25 16,24-25-16,-24 25 15,75-1-15,-51 1 16,26 25-16,24-25 15,1 0-15,24 25 16,1 0-16,24-1 16,0 1-16,-24 0 15,24 0-15,0-25 16,-49 49 0,-25-49-16,-26 0 15,1-25-15,-50 25 0</inkml:trace>
-  <inkml:trace contextRef="#ctx0" brushRef="#br0" timeOffset="-117530.58">22437 1993 0,'0'-25'15,"-25"25"32,25-25-47,0 0 16,-25 25-1,0-25-15,25 0 16,0 0 0,-25 0-16,0-25 15,0 26-15,25-1 16,-50 0-16,26 0 0,-26-25 15,0 0-15,25 50 16,-50-50 0,50 1-16,-74 49 15,74-50-15,-50 25 16,-24-25-16,24 25 16,-25 0-16,50 0 15,-74 25-15,24-24 16,51-1-16,-1 0 15,25 25-15,-50 0 16,25 0 0,-49-25-16,24 25 0,25 0 15,0 0 1,26 0-16,-26 0 0,0 0 16,0 0-16,0 0 15,25 0 1,-24 0-16,-1 0 15,0 0-15,0 0 16,0 0-16,25 0 16,1 0-16,-26 0 0,25 0 15,-25 0 1,25 0-16,0 25 16,-74-25-16,74 0 15,0 0 1,-25 0-16,0 0 0,0 25 15,26-25-15,-26 0 16,0 0-16,25 0 16,25 25-16,-50-25 15,25 0 1,-24 0-16,24 0 16,-25 24-16,25-24 15,0 0-15,0 0 16,0 25-16,0 0 31,0-25-31,1 0 16,-1 25-1,0 0 1,0-25-16,0 25 16,-25 0-1,50 0 1,-50 0-16,25 0 31,0 24-31,1-24 0,24 0 16,-25 0-16,0 0 15,25 25 1,0-25 0,-25 24-1,0 1-15,25-25 16,-50 25-16,50 0 15,0 0 1,0-26-16,0 26 16,0-25-1,0 25 1,0 0 0,25 0-1,-25-25-15,50-1 16,-50 26-16,0-25 15,25 0-15,0-25 16,-25 50-16,25 0 16,-25 24-1,24-49 1,1 0-16,0 25 0,-25-25 16,25 0-1,-25 25 16,25-26-15,0 1 0,0-25-1,-25 25 1,25-25-16,25 25 16,-1 0-1,-24 0 1,0-25-16,0 0 15,25 25-15,-25-25 16,25 0 0,-1 0-16,-24 25 15,0-25-15,0 0 16,25 0 0,0 0-16,-25 0 15,24 0-15,-24 0 16,0 0-16,25 0 15,0 0-15,-25 0 16,25 0-16,-1 0 16,-24 0-16,0 0 15,25 0-15,25 0 16,-50 0-16,24 0 16,-24 0-16,25 0 15,-25 0-15,50 0 16,-50 0-16,24 0 15,-24 0-15,25 0 16,25 0 0,-50 0-16,25 0 15,-1 0-15,1 0 0,-25 0 16,75-25-16,-51 25 16,-24 0-16,50-25 15,-25 25 1,0 0-16,-1 0 15,1-25-15,0 25 16,25 0-16,-25 0 16,-26 0-16,51 0 15,-50-25-15,25 25 16,0 0-16,0-25 16,-26 25-16,1-25 15,0 25-15,0 0 16,25 0-1,-50-25-15,50 25 16,0-24 0,-26-1-16,26 25 31,0-25-31,-25 0 16,0-25-1,0 50-15,0-25 16,0 0-16,-1 0 15,51-24-15,-75 24 16,50-25-16,-50 0 16,50 0-16,-50 0 15,0 26 1,25-26-16,0 0 16,-1 0-1,-24 25 1</inkml:trace>
-  <inkml:trace contextRef="#ctx0" brushRef="#br0" timeOffset="-115144.87">17830 2042 0,'25'-25'63,"-25"1"-32,0-1-31,0 0 16,0-25-16,-25 50 15,25-75-15,-50 50 16,25 0 0,25-24-16,-50-1 15,25 25-15,0 0 16,-24-25-16,24 50 0,0-25 16,0 0-1,0 25-15,25-24 16,-75-1-16,50 25 15,1-25-15,-1 25 16,-25-25-16,-25 25 16,50-25-16,-25 25 15,26 0-15,-26-25 16,0 25-16,25 0 16,-50 0-16,26 0 15,24-25-15,-25 25 16,0 0-1,0 0-15,-24 0 0,49 0 16,0 0-16,-25-25 16,0 25-16,0 0 15,25 0 1,0 0-16,-24 0 16,24 0-16,-25 0 15,25 0-15,-25 0 16,0 0-16,26 0 15,-26 0-15,25 0 16,-25 0-16,0 25 16,25-25-16,-24 0 15,-26 50 1,25-25 0,0 0-16,25 0 15,0 0 1,1-1-1,24 1 17,-25 0-32,25 0 15,-25 0-15,25 0 16,-25 0 0,0 25-1,25-25 1,-25-1-1,25 1-15,0 0 16,0 0-16,0 25 16,0 0-16,0-25 15,0 24 1,0-24 0,-25 0-1,25 0 1,0 25-16,0-25 0,-25 0 15,25 0-15,0 0 16,0 0 0,0-1 15,0 26-15,0 0-1,0-25 1,0 0-1,0 0-15,0 0 16,25-25-16,0 25 16,-25-1-16,25-24 15,-25 25-15,25 0 16,-25 0 0,25 0-16,0 0 15,0 0 1,-1 0 15,1 25-31,25-26 16,-25-24-1,0 25-15,0 0 0,25-25 16,-25 25 0,-1-25-16,26 0 15,25 25-15,-50-25 16,25 0-16,-1 0 15,26 0-15,-50 0 16,25 0-16,-25 0 16,25 0-16,-26 0 15,26 25-15,0-25 16,-25 0 0,0 0-16,0 0 0,0 0 15,25 0-15,-1 0 16,-24 0-16,25 0 15,-25 0 1,25 0 0,-25 0-16,24 0 15,-24 0-15,25 0 16,-25-25-16,0 0 16,0 25-16,0 0 0,49 0 15,-49-25 1,0 25-16,25-25 15,-25 25 1,0-25-16,0 25 16,0 0-16,24-49 15,-24 49-15,25 0 16,0-25-16,-50 0 16,25 25-16,25-25 15,-1 0 1,-24 0-16,0 25 15,0 0 1,0-25-16,0-25 0,-25 26 16,50-1-16,-50-25 15,0 0 1,0 25-16,0-50 16,0 51-16,0-1 15,0 0-15,0-25 16,0 25-16,0 0 15,0 0 1</inkml:trace>
-  <inkml:trace contextRef="#ctx0" brushRef="#br0" timeOffset="-87248.69">20893 1196 0,'-25'0'78,"0"0"-63,25 25-15,0 0 32,0-1-32,0 1 15,-25 0-15,25 25 31,0 0-15,0-25 0,0 0-16,0 0 0,0-1 15,0 1 1,0 25 0,0-25-16,0 0 15,0 0-15,0 0 16,0 25-16,0-26 15,0 51-15,0-50 16,0 25-16,0-25 16,0 25-16,0-1 15,0-24-15,0 50 16,0-50-16,0 0 16,0 25-16,0 24 15,0-49-15,0 0 16,25 0-16,-25 0 15,25 0 1,-25 0 0,0 0-16,0 24 0,0-24 15,0 0 1,0 0-16,0 0 16,25 0-16,-25 0 15,0 0 1,0 0-16,0 0 15,0-1-15,0 1 32,0 0-32,0 0 15,0 0 1</inkml:trace>
-  <inkml:trace contextRef="#ctx0" brushRef="#br0" timeOffset="-79430.92">22237 1918 0,'0'-25'15,"0"0"1,0 0 0,0 0-1,0 0 1,0 0-16,0 1 15,0-1 1,0 0 15,0-25-31,-24 0 32,24 25-17,-25 0 16,0 25-31,25-25 32,-25 25-17,25-24-15,-25 24 16,0-25 0,0-25-16,0 25 15,0 0 1,0 25-16,-24-25 15,24 25-15,0-25 16,-25 0 0,0 25-16,0 0 0,1 0 15,-1-25 1,-25 25-16,50 0 0,0-24 16,-74-1-16,49 25 15,25 0 1,-25 0-16,-25-50 15,26 50-15,-1 0 16,0 0-16,0 0 16,-24 0-16,49 0 15,-25 0-15,0 0 16,25 0-16,-25 0 16,1 0-1,24 0 1,-25 0-16,0 0 0,25 0 15,0 0-15,-25 0 16,1 0-16,-1 0 16,25 0-16,0 0 15,0 0 1,-25 0-16,25 0 16,0 25-1,1-25-15,-26 0 0,25 25 16,0-25-16,-25 0 15,0 0 1,25 0-16,1 25 16,-1-25-16,0 0 15,-25 24-15,0 1 16,25-25-16,0 0 16,0 25-16,1-25 15,-1 25-15,-25-25 16,50 25-16,-25 0 15,-25-25 1,50 25-16,-25 0 16,0-25-1,0 0-15,25 25 0,-24-25 16,-1 25 0,0-25-1,0 24-15,0 1 16,0 0-1,0-25 1,0 0 0,0 50-16,0-50 31,1 25-31,-1 0 16,0-25-1,0 25-15,0-25 16,25 25-1,-25-25-15,25 25 16,-25-25-16,0 24 16,0 26-1,0-50-15,0 25 16,1 0 0,-1 0-1,0 0-15,25 0 16,-25-25-1,25 25 1,0 0-16,-25-1 16,25 1-16,0 0 15,-25 0-15,25 0 16,0 0 0,-25 0-1,25 0-15,0 25 31,0-25-31,0-1 16,0 1 0,0 0-16,0 0 15,0 0-15,25 25 16,0-25 0,0 25-16,-25-26 15,25 1-15,0 0 16,0 0-16,24 25 15,-24-25-15,25 25 16,-25-1 0,0-24-16,0-25 15,25 50-15,-1-25 16,-24 25 0,25-50-16,-25 25 15,25 0-15,0 0 16,-1-25-16,-24 0 15,0 24-15,25-24 16,-25 0 0,25 0-16,0 25 15,-1-25-15,1 0 16,-25 0-16,25 0 16,25 0-16,-26 0 0,1 0 15,-25 0 1,75 0-16,-26 0 15,-24 0-15,-25 0 16,75 0-16,-75 0 16,49 0-16,-24 0 15,25 0-15,-25 0 16,-1 0-16,1 0 16,25 0-16,0 0 15,-1 0 1,1 0-16,50 0 0,-76 0 15,1 0-15,50 0 16,-26 0 0,1 0-16,0 0 0,0 0 15,-26 0 1,51 0-16,-50 0 16,25-25-16,-26 25 15,1 0-15,25-24 16,-25 24-16,-1-50 15,-24 50-15,0 0 16,0-25-16,25 0 16,-25 0-1,0 0-15,0 0 16,0 0 0,-25 0-16,0-24 15,24 24-15,-24-25 16,0 25-16,0 0 15,0-25 1,0 25-16,0-74 16,0 49-16,0 0 0,0 25 15,0-74 1,0 49-16,0 25 0,0 0 16,0-25-1,0 25-15,0 0 16,0-24-16,0-1 15,-24 0-15,-1 25 16,25 0-16,-25 0 16,0-24-16,0 24 15,0 0-15,25 0 16,-25 0-16,0 0 31,0 25-15,0-25-16,1 0 31,24 0-15,-25 25 15,0 0-15,25-25-1,-25 25-15,0 0 16,0 0-1,25-24-15,-25 24 16,-25-25-16,25 25 16,1-25-1,-1 0-15,-25 25 16,25 0-16,-50-50 16,25 50-16,-24-50 15,49 25-15,-100 0 16,100 25-1,-49-49-15,24 49 16,0-25-16,-50 25 0,76-25 16,-76 0-16,75 25 15,-25 0 1,-24 0-16,-1 0 16,-25-25-16,1 0 15,24 25-15,-25 0 16,1 0-16,24 0 15,0 0-15,1 0 16,24 0-16,-25 0 16,0 0-16,26 0 15,-26 0-15,0 0 16,25 0-16,-24 0 16,-1 0-16,50 0 15,-50 0-15,50 0 16,-24 0-16,24 0 15,0 0-15,0 0 16,0 0 0,0 25-16,-25-25 15,25 25 1,1-25-16,-1 0 16,25 25-16,-25-25 15,0 25-15,-25 0 16,25 0-1,0-1-15,0 1 16,0 0-16,0 25 16,1-25-16,-1 0 15,0 0-15,25 0 16,-50 49-16,25-24 16,25 0-16,-50-25 15,50 50 1,-25-51-16,25 26 15,-25-25-15,25 0 0,0 25 16,-24-25-16,24 49 16,0-49-16,-25 25 15,25-25 1,0 0-16,0 25 16,0 0-16,0-1 15,0-24 1,0 25-16,0-25 15,0 0 1,0 0-16,0 0 16,25 0-1,-1 0 1,1-1 0,0 1-16,0 0 0,0 0 15,25 0 1,-50 0-16,50 0 15,-25 0 1,24-25 0,1 25-16,0 0 15,0-1 1,-25 1-16,25 0 16,-1 0-1,1-25-15,0 50 16,-25-25-16,25-25 15,24 0-15,-49 25 16,25-25-16,0 25 16,-25 0-16,49-25 15,-49 0-15,0 0 16,25 0-16,0 0 16,0 24-1,24-24-15,1 0 16,-25 0-16,0 25 0,-1-25 15,1 0 1,0 0-16,-25 0 0,50 0 16,-25 0-1,-26 0-15,51 0 16,-50 0-16,0 0 16,25 0-16,0 0 15,-1 0-15,-24 0 16,25 0-16,0 0 15,-25 0-15,25 0 16,-1 0-16,-24 0 16,25 0-16,0 0 15,0 0-15,-1 0 16,1 0-16,25 0 16,0 0-16,-26 0 15,1-49-15,0 49 16,0 0-1,0 0-15,24 0 16,1-25-16,-25 25 16,50 0-16,-51-25 15,1 25-15,25 0 16,-25-25-16,-1 25 16,-24-25-16,25 25 15,25-25 1,-50 25-16,0-25 15,0 0 1,-1 0-16,-24 0 16,25-24-16,-25-1 15,50-25-15,-50 50 16,0-25 0,0 26-16,0-1 0,25-50 15,-25 50-15,0 0 16,0 0-16,0 0 15,0 0-15,0 1 16,0-1 0,0-25-16,0 25 15,0 0-15,0 0 16,0 0-16,0 0 31,-25 0 0,25 0-15,-25 1 15</inkml:trace>
-  <inkml:trace contextRef="#ctx0" brushRef="#br0" timeOffset="-62190.4">23333 7546 0,'0'-25'0,"0"0"16,0 0 15,0 0-15,0-25-16,0 25 15,0 1 1,0-26-16,0 25 15,0 0 1,0 0-16,0 0 16,0 0-1,-25 0 1,0-25 0,0 26-1,1-1-15,-51 25 16,25 0-16,25-25 15,0 0 1,-74 25-16,49 0 16,0-25-16,-25 25 15,1-25-15,24 25 16,-25 0-16,-25 0 16,-24 0-16,-1 0 15,1-25-15,-1 25 16,-24 0-16,49 0 15,1 0-15,-26 0 16,26 0-16,-1 0 16,-24 0-16,49 0 15,0 0-15,-24 0 16,24 0-16,25 0 16,-50 0-16,51 0 15,-26 0 1,0 0-16,1 0 15,-1 0-15,0 0 0,-25 0 16,51 0-16,-26 0 16,0 0-1,1 0-15,49 0 16,-50 0-16,25 0 16,25 0-16,0 0 15,0 25-15,1-25 16,-1 25-16,-25 0 15,50 0-15,-25-25 16,0 25-16,25 0 16,0 24-16,-25-24 15,0 25-15,25 0 32,0-25-32,0 50 0,0-51 15,0 26-15,0 0 16,0 0-1,0 25-15,0-26 16,0 1-16,0-25 16,0 25-16,0 0 0,0-25 15,0-1 1,0 1 0,0 0-16,0 0 15,0 0 1,0 0-16,0 0 31,0 0-31,25-25 16,-25 25-16,25 0 15,0-1 17,0-24-32,25 0 0,-25 25 15,24 0-15,1-25 16,0 0-16,25 0 15,-1 25-15,-24-25 16,50 0 0,24 0-16,-49 0 15,-25 0-15,25 0 16,-1 0-16,26 0 16,24 0-16,1 0 15,-26 0-15,26 0 16,-1 0-16,1 0 15,24 0-15,-24 0 16,-25 0-16,24 0 16,-24 0-16,-26 0 15,51 0-15,-50 0 16,-1 0-16,1 0 16,0 0-16,-1 0 15,1 0 1,-25 0-16,25 0 15,-1 0-15,-49 0 16,25 0-16,-25 0 0,50 0 16,-50 0-1,24-25-15,-24 0 16,0 25-16,0 0 16,50-25-16,-50 25 15,-25-24-15,25 24 16,-1-25-16,1 25 15,-25-25-15,25 0 16,0 0 0,-25 0-1,25 0 1,0 0-16,0 0 0,-25 0 16,25 1-1,-25-26-15,0 25 16,0 0-1,25 0 1,-25 0 0,25 25-16,-25-25 15,0 0-15,0-24 16,0 24 0,0 0-1,0-25-15,0 25 16,0 0-1,0 0 1,0-25-16,0 26 16,0-1-16,0 0 31</inkml:trace>
-  <inkml:trace contextRef="#ctx0" brushRef="#br0" timeOffset="-55170.28">23458 11331 0,'25'0'62,"-25"-25"-15,0 0-31,0 0-16,0-25 15,0 25 1,0-49 0,-25 74-16,25-25 15,-25 25-15,0-50 16,0 25-1,0 25-15,0-25 16,25 0-16,-50 0 0,50 0 16,-49-24-1,24 49-15,-25-25 16,50 0-16,-25 25 16,0-25-16,0 0 15,0 25-15,25-25 16,-25 25-16,0 0 15,1-25-15,-1 25 16,-25 0 0,25 0-16,0 0 15,0 0 1,0 0 0,-25 0-1,25 0-15,1 0 16,-1 0-1,-25 0-15,25 0 16,0 0 0,0 0-16,-25 0 15,-24 0-15,49 0 16,-50 0-16,0 0 16,26 0-16,-1 0 15,-25 0-15,25 0 16,0 0-16,-24 0 15,24 0-15,0 0 16,-25 0-16,26 0 16,-26 0-16,0 0 15,0 0-15,1 0 16,-1 0-16,0 0 16,26 0-16,-26 0 15,25 0 1,-25 0-16,50 0 15,-24 0-15,-1 0 16,25 0-16,-25 0 16,0 0-16,-24 0 0,49 0 15,-50 0 1,25 0-16,25 0 16,-24 25-16,24 0 15,0-25-15,-25 25 16,0 0-16,25 0 15,0-25-15,0 25 16,0 0-16,25-1 16,-24 1-16,-1 25 15,25-25-15,-25 0 16,25 25 0,-25 0-1,25-1-15,0-24 16,0 25-16,0-25 15,0 0 1,0 25-16,0-25 16,0 0-16,0-1 15,0 1-15,0 0 16,0 0-16,0 0 16,25 0-1,-25 0-15,0 0 16,25-25-16,-25 25 15,0 0-15,0-1 16,25 1 0,-1 0-1,-24 0 1,25 0-16,-25 0 16,50-25-1,-25 25 1,0 0-16,0-25 0,0 25 15,0 0-15,25-25 16,-50 24-16,49-24 16,-24 0-1,25 25-15,-25-25 16,0 0-16,0 50 16,74-50-16,-49 25 15,0-25-15,25 25 16,24 0-16,-24-25 15,-25 0-15,0 0 16,24 0-16,-24 0 16,0 0-16,25 0 15,-51 0-15,51 0 16,-50 0 0,0 0-16,0 0 0,25 0 15,-25 0-15,0 0 16,24-25-1,-24 0-15,0 25 16,0-25-16,25 0 16,0 0-16,-1 25 15,1 0 1,0-25-16,0 25 16,0 0-16,24 0 15,-49-24-15,25 24 16,-25 0-16,0-25 15,25 25-15,24-25 16,-49 0-16,0 25 16,0 0-16,25-25 15,-25 0-15,0 0 16,49 0 0,-49 0-1,0 25 1,-25-25-16,25 25 15,0-24-15,0-1 32,0 25-32,0-25 15,0 0-15,24-25 16,-24 50 0,0-25-16,0 25 15,0-25-15,0 25 16,-25-25-16,50 0 15,-25 1 1,0-51 15,-1 75-15</inkml:trace>
-  <inkml:trace contextRef="#ctx0" brushRef="#br0" timeOffset="-47936.52">23532 9687 0,'0'-25'47,"0"0"-32,0 1 1,0-1-1,-25 0 1,25 0 0,-24 0-1,24-25 1,0 25-16,-25-25 16,25 26-16,0-1 15,-25-25-15,25 25 16,-25 0-16,25 0 15,-25-25 1,0 25 0,25 1-1,-25-1 1,25-25-16,-25 25 16,0 25-16,25-25 15,-25 25-15,25-25 16,-24 25-16,24-25 15,-75 25 1,75-25-16,-25 25 16,-25 0-16,25 0 15,0 0-15,-24-25 16,-1 25-16,0 0 16,-25-24-16,50 24 15,-25 0-15,-24-25 16,24 25-16,-25 0 15,25 0-15,-49 0 16,49 0-16,-25 0 16,26 0-16,-26 0 15,0 0-15,-24 0 16,24 0-16,-25-25 16,50 25-1,-24 0-15,-1 0 16,25-25-16,-49 25 15,49 0-15,-25 0 16,0 0-16,26 0 0,-26-25 16,25 25-1,25 0-15,-25-25 16,1 25-16,-1 0 16,25 0-16,-25 0 15,25 0-15,0 0 16,0 0-1,-49 0-15,49 0 16,0 0-16,0 0 16,0 0-1,0 0-15,-25 0 0,1 0 16,24 25-16,0-25 16,0 0-16,-25 25 15,25 0 1,-25 0-1,50 0-15,-50-25 16,26 24-16,-26 1 16,25 0-16,0 0 15,-25 25-15,0-25 16,1 50-16,24-51 16,0 1-16,-25 0 15,25 25-15,0 0 16,-25 25-1,1-26-15,49 1 16,0 0 0,0-25-16,0 50 15,-25-51-15,25 1 16,0 0 0,0 0-1,0 0 1,0 0-16,0 0 15,0 0-15,0 0 16,0 0 0,0 0-1,49-1 1,-24 1 0,-25 0-1,25-25-15,0 25 16,0-25-16,0 25 15,0-25-15,0 25 16,25-25 0,-26 25-16,1-25 15,0 0-15,0 0 16,0 0-16,0 0 16,25 0-1,-25 0 1,24 0-1,-24 25-15,0-25 16,0 0-16,50 25 16,-50-25-16,0 0 15,49 0-15,-49 0 16,0 0-16,75 0 16,-75 25-16,25-25 15,-1 0 1,1 0-16,0 0 0,0 0 15,-25 0-15,24 0 16,1 0-16,25 0 16,-25 0-16,0 24 15,-1-24 1,51 0-16,-25 0 16,-26 0-16,26 0 15,0 0-15,-25 0 16,0 0-16,24 0 15,-24 0-15,50 0 16,-51 0-16,26 0 16,-25 0-16,50 0 15,-51 0-15,26 0 16,0 0-16,-50 0 16,24 0-16,26 0 15,-50 0-15,50 0 16,-25 0-16,24 0 15,-49 0 1,50 0-16,-25 0 16,-25 0-16,24 0 0,1 0 15,-25 0-15,50-24 16,-50 24-16,25 0 16,-26-50-1,1 0 1,0 50-1,0-50 1,-25 25 15,0 0-31,25 0 16,-25 1-16,0-26 16,0 25-1,25 0-15,-25 0 16,0 0-1,0 0 1,0 0 0,25 0-1</inkml:trace>
-  <inkml:trace contextRef="#ctx0" brushRef="#br0" timeOffset="-45290.68">23408 13846 0,'0'25'47,"-25"-25"-47,0 0 15,0 0-15,0-25 16,0 0-16,0 25 16,1-50-16,-1 25 15,-50-49-15,75 49 16,-25-25-16,-25 0 15,0-25-15,26 1 16,-1 24-16,-25 0 16,25-25-16,-25 1 15,0 49 1,25-25-16,-24 0 16,-1 25-1,25 0 1,0 0-1,-25 25-15,0 0 16,1 0-16,-1 0 16,0-24-16,-25 24 15,1 0-15,24 0 16,-75-25-16,75 25 16,1 0-16,-51 0 15,25-25-15,26 0 16,-51 25-16,50 0 15,0 0 1,-24-25-16,24 25 16,-25-25-16,25 25 15,-24 0-15,24 0 0,-25 0 16,25 0 0,0 0-16,-24 0 15,-1 0-15,25 0 16,25 0-16,-24 0 15,-1 0-15,0 0 16,25 0-16,-25 0 16,0 25-16,26-25 15,-1 25-15,-75 25 16,75-50-16,-25 25 16,25-1-16,-24 1 15,24 0-15,0 25 16,-50 0-16,50-25 15,0 25-15,-25-1 16,26-24 0,-1 25-1,25-25 1,0 25 0,-25-25-16,25 0 15,-25 49-15,25-49 16,0 25-16,0-25 15,0 0-15,0 50 16,0-26-16,0 1 16,0 0-16,0-25 15,0 50-15,0-26 16,25-24-16,0 50 16,-25-50-16,49 50 15,-49-51-15,25 1 16,0 0-1,-25 0-15,25 0 16,25 0 0,-50 0-16,25 0 0,25 0 15,-25-25-15,-1 25 16,1-1 0,0 1-1,25-25-15,-50 25 16,25-25-16,25 50 15,-25-50-15,0 25 16,0 0-16,24 25 16,1-25-16,-25-1 15,0 1-15,25 0 16,24 0 0,-49 0-16,50 0 0,-25-25 15,-25 25-15,25-25 16,-1 50-16,1-25 15,0-25-15,0 49 16,0-49 0,24 25-16,-24 0 15,0-25 1,0 25-16,-1-25 16,-24 0-16,50 0 0,-50 0 15,25 0 1,-25 25-16,0-25 15,24 0-15,1 0 16,0 0-16,-25 0 16,0 0-16,0 0 15,49 0-15,26 0 16,-75 0 0,50 0-16,-50 0 15,74-50 1,-49 50-16,0-50 0,-25 50 15,0 0-15,74-49 16,-74 24 0,25 0-16,0 0 0,24-25 15,1 25 1,-25-25-16,25 1 16,-1-1-16,-24 25 15,25-25-15,-25 50 16,-1-50-16,1 25 15,0 25-15,0-49 16,-25 24-16,-25-25 16,25 25-16,0 25 15,24-50 1,1-25-16,-25 51 16,0-1-1,-25-25-15,0 25 16,25 25-16,-25-50 15,0 25 1,0 0-16,25 0 16,-25-49-16,0 49 15,0-25-15,0 25 16,0-25-16,0 25 16,0 1-1,0-1-15,0 0 16,0 0 15,0 0-15,0 0-1,0 0 1,-25 25 31,0 0-32,0 0 48,0-25-1</inkml:trace>
-  <inkml:trace contextRef="#ctx0" brushRef="#br0" timeOffset="-37587.31">24205 6973 0,'0'0'0,"0"-25"0,0 0 16,-50-25 31,50 25-32,-25 25 1,0-49-16,0 49 16,0-25-1,-25 0 1,26 0-16,-26-25 15,25 25-15,-50 0 16,25 25-16,-24-25 16,-51-24-16,75 49 15,-49 0-15,-1-50 16,25 50-16,-49 0 16,24 0-1,1-25-15,49 25 16,-25 0-16,0 0 0,-49 0 15,-1 0-15,-24 0 16,49 0-16,26 0 16,-1 0-1,-25 0-15,51 0 16,-26 0-16,0 0 16,25 0-16,1 0 15,-1 0-15,25 0 16,0 0-16,-25 0 15,-25 0-15,51 0 16,-1 0-16,-25 0 16,-25 0-16,25 25 15,25-25-15,-49 0 16,-1 0-16,25 0 16,-24 0-16,-1 0 15,50 25-15,-75-25 16,75 0-1,-49 0-15,24 25 16,0 0-16,-74 24 0,74-24 16,0-25-16,-25 25 15,50 0 1,-24-25-16,-1 25 16,0 0-16,25-25 15,0 25-15,-25-25 16,1 50-16,24-50 15,-75 74-15,75-49 16,-25 0-16,1 0 16,-1 0-16,-25 25 15,50-50-15,0 25 16,-25-1-16,26 26 16,-1-50-16,0 25 15,-25 0-15,25 0 16,0 0-1,-25 0 1,50 0-16,-25 0 16,1 24-16,-1-24 15,25 0 1,-25 0-16,25 0 16,0 0-16,0 50 15,0-26-15,0 1 16,0 25-16,0 25 15,0-26-15,0 51 16,0-51-16,0 26 16,0-25-16,0 24 15,0 1-15,0-25 16,0 24-16,0-74 16,0 75-16,0-25 15,50 49 1,-26-49-16,1 24 15,-25 1-15,25 24 16,-25-24-16,25 0 0,-25-1 16,0 1-16,0 24 15,0-24 1,0 25-16,0-26 16,0-24-16,0 24 15,0 1-15,-25-25 16,0 24-16,0 1 15,25 24-15,-24-74 16,-1 75-16,25-50 16,0-1-16,-25 26 15,0-25-15,25-1 16,0 1-16,0 0 16,0-1-16,0-24 15,0 25-15,0 0 16,0-26-16,0 1 15,0 0 1,0 25-16,0-26 16,0 1-16,-25 0 15,25 25-15,0-25 16,0-1-16,0 51 16,0-50-16,0 0 15,0 24-15,0-49 16,0 25-16,0 0 15,0 0-15,0 24 16,0-24-16,0 0 16,0 0-16,0 24 15,0 26-15,0-25 16,0-1-16,0 1 16,25 0-1,-25 25-15,25-26 16,-25 26-16,0-50 0,0 24 15,0 1-15,25 25 16,-25-51-16,25 51 16,-25-50-1,0 0-15,0 24 16,0 1-16,0 0 16,24-1-16,1-24 15,-25 50-15,0-50 16,25 0-16,-25-26 15,0 1-15,0 25 16,0 0-16,0 0 16,0-25-16,25 0 15,-25 49-15,25-24 16,-25-25-16,0 50 16,25-26-16,-25-24 15,50 75-15,-25-50 16,0 24-1,24 1-15,-24-25 16,0 0-16,0-25 16,-25 24-16,50-24 0,-50 0 15,25 0 1,-25 0 0,25-25-1,-25 25-15,25 0 16,24 0-1,-24-25-15,75 25 16,-75 25-16,25-50 16,24 24-16,1 1 15,49-25-15,-24 25 16,25 0 0,-1 0-16,-24-25 15,49 0-15,-24 0 16,-1 0-16,1 0 0,24 0 15,25 0-15,-24 0 16,24 0 0,-49 0-16,-1 0 15,26 0-15,-51 0 16,-24 0-16,24 0 16,-49 0-16,25 0 15,-25 0-15,0 0 16,-26 0-16,1 0 15,50 0-15,-25-25 16,-25 0 0,0 25-16,25-25 0,-26 0 15,26 1-15,-25-1 16,50-25-16,0 0 16,-26 0-16,1 50 15,-25-25 1,25 0-16,0-24 15,24 24-15,-24 0 16,0-25-16,0 0 0,-25 50 16,49-50-16,-24 1 15,50 24 1,-50-25-16,-1 25 16,1-25-16,0 0 15,25 1-15,-50 24 16,24-25-16,-24 0 15,25-25-15,-50 26 16,0-26-16,0-50 16,25 51-16,-25-26 15,0 50 1,0-25-16,0 1 0,0-76 16,0 51-16,0-51 15,0 26-15,0-26 16,0-24-16,0 0 15,-50-25 1,0-26-16,-24 51 16,24-25-16,0 25 15,-25-26-15,50 26 16,-24-25-16,-1 25 16,25-1-16,25-24 15,-25 50-15,0-51 16,0 26-16,25 0 15,0 24-15,0-24 16,0 0-16,0-1 16,0 1-16,0 25 15,0-51-15,0 76 16,0-50-16,0 49 16,0 1-1,0-26-15,0 26 16,0-26-16,25 26 15,-25-26-15,50 26 16,-25-1-16,-25 26 0,25-26 16,-25 51-1,25-1-15,0-25 16,-25 26-16,24-26 16,-24 50-16,25-49 15,-25 49-15,25-25 16,-25 0-16,25 25 15,-25-24-15,25 24 16,-25 0-16,25 0 16,0-24-1,-25 24-15,25 0 16,-25 25-16,0 0 16,0 0-16,25 0 15</inkml:trace>
-  <inkml:trace contextRef="#ctx0" brushRef="#br0" timeOffset="-33294.7">18676 7546 0,'0'0'15,"0"-25"-15,-24 25 16,24-25-16,-25 0 31,25 0-31,-25 25 16,25-25-1,-25 25-15,25-25 16,-25 25-16,25-49 16,-25 24-16,0 0 15,0-25-15,0 0 16,0 25-16,1 0 16,-26-49-16,0 24 15,25 0-15,-50 0 16,50 0-16,-24 25 15,24 1-15,0-1 16,-25 0-16,-25-25 16,26 50-1,-26 0-15,25 0 16,-25-25-16,50 25 0,-49 0 16,24 0-1,-25 0-15,25 0 16,1 0-16,-26 0 15,25 0-15,-50 0 16,26 0-16,24 0 16,0 0-16,0 0 15,-24 0-15,-1 0 16,-50 25-16,51-25 16,-1 25-16,-50-25 15,51 25-15,-26-25 16,25 25-16,1-25 15,24 0 1,-25 0-16,1 0 0,-1 0 16,25 0-16,0 0 15,-24 0-15,49 0 16,-25 0 0,0 0-16,25 0 15,-50-25-15,1-25 16,49 25-16,-25 0 15,0 25-15,0-25 0,1 25 16,-1-25 0,25 25-16,0 0 15,0-25-15,0 25 16,0 0 0,-25 0-1,26 25 1,-26 0-1,50 25 1,-25-25 0,25 0-16,-25 25 15,-25-25-15,25-1 0,-25 26 16,26 50-16,-26-25 16,0-1-16,25-24 15,0 25 1,-50 24-16,51 51 15,-51-1-15,50-24 16,-25-1-16,0 1 16,1-1-16,-1 1 15,0-1-15,25-24 16,-25 24-16,50 1 16,-25-1-16,-25 1 15,26-1-15,-1 26 16,0-51-16,0 26 15,-25-50-15,25 24 16,25-49-16,-25 25 16,25-25-16,0-1 15,0 1 1,0 25-16,0-25 16,-25 24-16,25-24 0,-25 0 15,25 25 1,0-25-16,0 24 15,0 1-15,0-25 16,0 24-16,0 1 16,0 0-16,0-25 15,0 24-15,0 1 16,0-25-16,0 25 16,0-26-16,25 26 15,0 0-15,0 0 16,-25-26-16,25 26 15,0 0-15,-25-1 16,25 1 0,-25 0-16,25 24 15,0 1-15,0-25 0,-25 24 16,0 26-16,24-25 16,1 24-1,0-49-15,-25 24 16,0 1-16,0 0 15,0-1-15,50-49 16,-50 50-16,25-26 16,-25 26-16,0-25 15,0-26-15,25 51 16,-25 0-16,0-1 16,0 51-16,25-51 15,-25 1-15,0-25 16,0-1-16,25 26 15,-25-25-15,0-26 16,0 26-16,25-25 16,0 25-1,-25-26-15,24 51 16,1-25-16,-25 24 16,25-49-16,0 25 0,0 0 15,0-1 1,0 1-16,0 25 15,0-51-15,-25-24 16,25 100-16,-25-100 16,24 24-16,-24 1 15,25 0-15,0 25 16,-25-25-16,25-26 16,0 51-16,-25-50 15,0 25-15,25 0 16,0-25-1,-25 24-15,50 1 16,-50-25-16,0 0 16,0 0-16,25 0 15,-25 25-15,0-1 16,24-24 0,1 0-16,-25 25 15,25 0 1,-25-25-16,50 0 15,-25-25-15,0 25 16,-25-1-16,25-24 16,0 25-16,0-25 15,24 0 1,-24 0-16,50 25 16,-25-25-1,0 0-15,-1 0 16,1 0-16,0 0 15,0 0-15,0 0 16,24 0 0,-24-25-16,25 0 15,49-24-15,-24 24 16,24 0-16,-24 0 0,-25 0 16,-1 25-1,1-50-15,-25 50 16,0-25-16,49 25 15,-24-25-15,50 25 16,-51-24-16,51-1 16,-26 0-16,-24 25 15,50 0-15,-51-25 16,26 0-16,-50 25 16,24 0-16,-24 0 15,25-25-15,0 0 16,-1 0-16,-24 0 15,0 25-15,-25-25 16,25 25-16,-25-24 16,0 24-1,-1 0 1,1-25 0,0 25-16,0-25 15,0 0 16,0 25-31,-25-25 32,25 25-32,-25-50 15,25 25-15,-25 0 16,25 0-16,0 0 16,-25 1-16,0-1 15,24 25-15,-24-25 16,0-25-16,25 50 15,-25-50 1,0 25-16,25-25 16,-25 26-16,0-1 15,0-25-15,0 0 0,25 0 16,-25 25 0,25 0-16,-25 1 15,0-76-15,0 25 16,25 25-16,-25-24 15,25-26-15,-25 50 16,0 25-16,0-49 16,25-1-16,-25 25 15,25 0-15,0 1 16,-25 24-16,0 0 16,0-25-1,0 0-15,24 0 0,-24 25 16,0-24-16,25-26 15,-25 50 1,25 0-16,-25-25 16,25 25-1,-25 1-15,25-51 16,-25 25-16,25 25 16,0-25-16,-25-24 15,0 24-15,0 0 16,0 0-16,0 25 15,0-24-15,25-26 16,-25 25-16,0 0 16,0 0-16,0 1 15,0-51-15,0 50 16,0-49-16,0-1 16,0 0-16,0 1 15,0-1-15,0-24 16,0 49-1,0 25-15,0-25 0,0-24 16,0 49-16,0-25 16,25 1-1,0 24-15,-25 0 0,0 0 16,0 0 0,0 1-16,0-1 15,0 25-15,0-25 16,0-25-1,0 50-15,24 1 16,1-26-16,-25 0 16,0-25-16,0-24 15,0-26-15,0 75 16,0-24 0,0-26-16,0 0 0,0-24 15,0-26-15,0 26 16,0-1-16,0-24 15,0 25-15,0-26 16,-25 26 0,1-26-16,-1 26 15,25-1-15,0 26 16,0 24-16,0-25 16,0 1-16,0 49 0,-25-25 15,25 0 1,0 1-16,0-26 15,0 25-15,0 26 16,0-51 0,0 25-16,0 25 0,0 1 15,0-1 1,0-25-16,0 50 0,0-25 16,0 26-16,0-1 15,0 0 1</inkml:trace>
-</inkml:ink>
-</file>
-
-<file path=ppt/ink/ink4.xml><?xml version="1.0" encoding="utf-8"?>
-<inkml:ink xmlns:inkml="http://www.w3.org/2003/InkML">
-  <inkml:definitions>
-    <inkml:context xml:id="ctx0">
-      <inkml:inkSource xml:id="inkSrc0">
-        <inkml:traceFormat>
-          <inkml:channel name="X" type="integer" max="1360" units="cm"/>
-          <inkml:channel name="Y" type="integer" max="768" units="cm"/>
-          <inkml:channel name="T" type="integer" max="2.14748E9" units="dev"/>
-        </inkml:traceFormat>
-        <inkml:channelProperties>
-          <inkml:channelProperty channel="X" name="resolution" value="33.49754" units="1/cm"/>
-          <inkml:channelProperty channel="Y" name="resolution" value="33.53712" units="1/cm"/>
-          <inkml:channelProperty channel="T" name="resolution" value="1" units="1/dev"/>
-        </inkml:channelProperties>
-      </inkml:inkSource>
-      <inkml:timestamp xml:id="ts0" timeString="2021-09-27T01:59:04.974"/>
-    </inkml:context>
-    <inkml:brush xml:id="br0">
-      <inkml:brushProperty name="width" value="0.05292" units="cm"/>
-      <inkml:brushProperty name="height" value="0.05292" units="cm"/>
-      <inkml:brushProperty name="color" value="#FF0000"/>
-    </inkml:brush>
-  </inkml:definitions>
-  <inkml:trace contextRef="#ctx0" brushRef="#br0">2615 3786 0,'25'0'250,"24"0"-235,-24 0-15,0 0 16,0 0 0,25 0-16,-25 0 15,0 0-15,49 0 16,-49 0-16,0 0 15,0 0-15,0 0 16,0 0 0,50 0-16,-26 0 15,-24 0-15,0 0 16,25 0-16,0 0 0,0 0 16,-1 0-1,1 0-15,0 0 16,0 0-16,25 0 15,-51 0-15,26 0 16,0 0-16,-25 0 16,25 0-16,0 0 15,-1 0-15,-24 0 16,0 0-16,25 0 16,0 0-1,0 0-15,-1 0 0,1 0 16,-25 0-16,50 0 15,-25 0-15,24 0 16,-24 0-16,25 0 16,-25 0-1,24 0-15,-24 0 16,75 24-16,-76-24 16,1 0-16,0 0 15,25 0-15,49 0 0,1 0 16,-26 0-1,26 0-15,-1 0 16,1 0-16,49 0 16,-24 0-16,49 0 15,-75 0-15,51 0 16,-26 0-16,25 0 16,1 0-16,-1 0 15,25 0-15,-49 0 16,24 0-1,-49 0-15,-1 0 0,25 25 16,-24-25 0,-1 0-16,-24 25 0,0-25 15,-1 0-15,-24 0 16,0 0 0,24 0-16,-49 0 15,25 0-15,-25 0 16,-1 0-16,26 0 15,-50 0-15,50 0 0,-25 0 16,-26 25 0,26-25-16,0 0 15,-25 0-15,25 50 16,24-50-16,-49 0 16,25 0-16,-25 25 15,25 0-15,0-25 16,-1 25-16,-24 0 15,0-1-15,25-24 16,-25 25 0,75 25-16,-51-50 15,-49 25-15,25 0 16,0 0-16,25-25 16,-50 25-16,25-25 15,0 0 16,0 0-31,-25 25 16,25-25 109,0 0-109,-1 0 15,1 0-15,0-25-1,25 0 1,0-25-16,-25 50 0,0-25 15,0 25 1,24-25-16,-24 0 16,0 0-16,25 1 15,0 24-15,-25-25 16,0 25-16,-1-25 16,1 25-16,25 0 15,-25-50-15,0 50 16,0 0-16,0 0 15,0 0 1,0 0-16,-1 0 16,1 0-16,0 0 0,25 0 15,0 0 1,0 0-16,0 0 0,-1 0 16,1 0-1,25 0-15,-50 0 16,25 0-16,-1 0 15,26 0-15,-25 0 16,25 0-16,-51-25 16,51 25-16,-25 0 15,0 0-15,0 0 16,-26 0-16,51 0 16,-50 0-16,0 0 15,50 0 1,-50 0-16,74 0 0,-74 0 15,25 0-15,0 0 16,-25 0-16,24 0 16,-24 0-1,50 0-15,-50 0 16,0 0-16,25 0 16,-1 0-16,-24 0 15,25 0-15,-25 0 16,25 0-16,0 0 15,-25 0-15,24 0 16,1 0-16,-25 0 16,25 0-16,-25 0 15,0 0-15,49 0 16,-49 0-16,0 0 16,0 0-16,0 0 15,25 0-15,24-25 16,-49 25-1,0 0-15,25 0 16,0 0-16,-25 0 0,50 0 16,-26 0-1,-24 0-15,25 0 16,0 0-16,0 0 16,-1 0-16,1-25 15,0 25-15,0 0 16,25 0-16,-26 0 15,-24 0-15,0 0 16,50 0-16,-50 0 16,25 0-16,-26 0 15,26 0-15,-25 0 16,25 0-16,25 0 16,-50 0-16,24 0 15,1 0-15,25 0 16,0 0-16,-26 0 15,1 0-15,50 0 16,-50 0 0,-1 0-16,1 0 15,0 0-15,0 0 16,0 0-16,-1 0 16,-24 0-16,25 0 15,0 0-15,25 0 16,-26 0-16,1 0 15,0 0-15,0 0 16,25 0-16,-26 0 16,26 0-16,50 25 15,-76 25-15,26-50 16,-25 0-16,0 0 16,49 0-16,1 0 15,-25 0 1,-26 0-16,1 0 15,50 0-15,-1 0 16,26 0-16,-25 0 0,-26 0 16,51 0-16,-26 0 15,1 0 1,0 0-16,-1 0 16,1 0-16,24 0 15,-24 0-15,0 0 16,-1 0-16,1 0 15,-1 0-15,1 0 16,-25 0-16,-1 0 16,1 0-16,-25 0 15,-25 0 1,25 0-16,-1 0 16,-24 0-16,0 0 0,25-25 15,-25 25-15,0-25 16,-25 0-16,50 0 15,-25 0 1,24 1-16,-24 24 16,-25-25-16,25 25 15,-25-25-15,25 0 16,0 0-16,-25 0 16,25-25-16,0 25 15,-25-24 1,0 24-16,25-25 15,-25 0-15,25 0 16,-25 25-16,0-25 16,0 1-16,0-1 15,0 0-15,0 0 16,0 25-16,0-49 16,0 49-1,0-25-15,0 25 16,0-25-16,0 25 15,0-49-15,0 49 0,0-25 16,-25 0-16,25 25 16,-25 0-1,25-24-15,-25 24 16,0-25-16,25 25 16,-25 0-16,0 0 15,25 0-15,-25 0 16,-25 0-16,26 1 15,-26-1-15,25 0 16,0 0-16,-25-25 16,0 50-1,25 0-15,-24-25 16,-1 0-16,0 25 16,25-50-16,-25 50 15,25 0-15,-24-25 16,24 25-1,0 0-15,0 0 16,0-24-16,0 24 16,0 0-16,0 0 15,-25-25 1,1 25 0,49-25-16,-50 25 15,25 0 1,25-25-16,-25 25 15,0 0-15,-25 0 16,1-25-16,24 25 16,0-25-16,-25 25 15,25-25-15,-99 0 16,99 25 0,-100-50-16,26 50 0,49 0 15,-50 0-15,-74-24 16,-50-1-16,0 25 15,-25-25-15,0 0 16,0 0 0,-25 25-16,49-25 15,-48 25-15,24 0 16,-25 0-16,0 0 16,25 0-16,-25 0 15,0 0-15,25 0 16,-25 0-16,50 0 15,-25 0-15,0 0 16,0 0-16,49 0 16,1 0-16,50 0 15,-50 0-15,24 0 16,1 0-16,0 0 16,-26 0-16,51 0 15,0 0 1,-26 0-16,26 0 15,24 0-15,26 0 16,-1 0-16,-24 0 16,24 0-16,0 0 15,-24 0-15,24 0 16,-24 0-16,-1 0 16,1 0-16,-1 0 15,-24 0-15,24 0 16,1 0-16,-1 0 15,26 0-15,-51 0 16,51 0-16,-1 0 16,-49 0-16,49 0 15,1 0-15,-26 0 16,1-25 0,-26 25-16,50 0 0,-49-25 15,0 0-15,24 25 16,-24-25-16,24 25 15,-24 0 1,24 0-16,-24 0 16,24 0-16,1 0 15,-1 0-15,1 0 16,24 0-16,-49 0 16,24 0-16,26 0 15,-51 0-15,51 0 16,-51 0-16,26 0 15,24 0 1,-24 0-16,24 0 0,25 0 16,-49 0-16,49 0 15,25 0-15,-24 0 16,24 25-16,0-25 16,-25 0-1,1 0-15,24 0 16,0 0-16,-25 25 15,25 0-15,26-25 0,-51 0 16,25 25-16,25-25 16,-50 0-1,51 0-15,-51 25 16,0-25-16,25 25 16,-24 25-16,49-50 15,-50 0-15,25 0 16,25 49-16,0-49 15,-24 0-15,24 25 16,0 0-16,-50 0 16,25 0-1,-24 50-15,24-1 0,25-49 16,-75 50-16,50-25 16,26-25-16,-26 50 15,25-51-15,-50 26 16,50-25-1,0 25-15,0 0 16,1-50-16,24 74 16,-25-74-16,25 25 15,-25 25 1</inkml:trace>
-</inkml:ink>
-</file>
-
 <file path=ppt/notesMasters/notesMaster1.xml><?xml version="1.0" encoding="utf-8"?>
 <p:notesMaster xmlns:a="http://schemas.openxmlformats.org/drawingml/2006/main" xmlns:r="http://schemas.openxmlformats.org/officeDocument/2006/relationships" xmlns:p="http://schemas.openxmlformats.org/presentationml/2006/main">
   <p:cSld>
@@ -450,7 +206,7 @@
           <a:p>
             <a:fld id="{B913A67E-827E-40BA-9851-F844FC96A7C1}" type="datetimeFigureOut">
               <a:rPr lang="vi-VN" smtClean="0"/>
-              <a:t>27/09/2021</a:t>
+              <a:t>16/11/2021</a:t>
             </a:fld>
             <a:endParaRPr lang="vi-VN"/>
           </a:p>
@@ -864,7 +620,7 @@
           <a:p>
             <a:fld id="{7CD56ACD-87BF-4DA0-89BC-56DBA0C154F0}" type="datetime1">
               <a:rPr lang="vi-VN" smtClean="0"/>
-              <a:t>27/09/2021</a:t>
+              <a:t>16/11/2021</a:t>
             </a:fld>
             <a:endParaRPr lang="vi-VN"/>
           </a:p>
@@ -1062,7 +818,7 @@
           <a:p>
             <a:fld id="{C7EBD68F-1981-4500-9A36-189AEF0C73BA}" type="datetime1">
               <a:rPr lang="vi-VN" smtClean="0"/>
-              <a:t>27/09/2021</a:t>
+              <a:t>16/11/2021</a:t>
             </a:fld>
             <a:endParaRPr lang="vi-VN"/>
           </a:p>
@@ -1270,7 +1026,7 @@
           <a:p>
             <a:fld id="{06B6D85F-2712-473F-9529-0261ADC6F9A8}" type="datetime1">
               <a:rPr lang="vi-VN" smtClean="0"/>
-              <a:t>27/09/2021</a:t>
+              <a:t>16/11/2021</a:t>
             </a:fld>
             <a:endParaRPr lang="vi-VN"/>
           </a:p>
@@ -1468,7 +1224,7 @@
           <a:p>
             <a:fld id="{B88AB8FE-ED6C-40A5-BC87-FF6B28DA066D}" type="datetime1">
               <a:rPr lang="vi-VN" smtClean="0"/>
-              <a:t>27/09/2021</a:t>
+              <a:t>16/11/2021</a:t>
             </a:fld>
             <a:endParaRPr lang="vi-VN"/>
           </a:p>
@@ -1743,7 +1499,7 @@
           <a:p>
             <a:fld id="{E0CD9A4A-5460-44BE-8113-59F10A908959}" type="datetime1">
               <a:rPr lang="vi-VN" smtClean="0"/>
-              <a:t>27/09/2021</a:t>
+              <a:t>16/11/2021</a:t>
             </a:fld>
             <a:endParaRPr lang="vi-VN"/>
           </a:p>
@@ -2008,7 +1764,7 @@
           <a:p>
             <a:fld id="{F80BAD44-36FE-4DE5-A8F9-0DB835EFDFBE}" type="datetime1">
               <a:rPr lang="vi-VN" smtClean="0"/>
-              <a:t>27/09/2021</a:t>
+              <a:t>16/11/2021</a:t>
             </a:fld>
             <a:endParaRPr lang="vi-VN"/>
           </a:p>
@@ -2420,7 +2176,7 @@
           <a:p>
             <a:fld id="{4BF9356D-58A9-4F30-A802-DE395038EE73}" type="datetime1">
               <a:rPr lang="vi-VN" smtClean="0"/>
-              <a:t>27/09/2021</a:t>
+              <a:t>16/11/2021</a:t>
             </a:fld>
             <a:endParaRPr lang="vi-VN"/>
           </a:p>
@@ -2561,7 +2317,7 @@
           <a:p>
             <a:fld id="{DA1DDBBD-61D3-4599-8342-6BB7382DA8C9}" type="datetime1">
               <a:rPr lang="vi-VN" smtClean="0"/>
-              <a:t>27/09/2021</a:t>
+              <a:t>16/11/2021</a:t>
             </a:fld>
             <a:endParaRPr lang="vi-VN"/>
           </a:p>
@@ -2674,7 +2430,7 @@
           <a:p>
             <a:fld id="{D4E0A9FF-02CD-4D95-A873-8ACC6DF4C7A9}" type="datetime1">
               <a:rPr lang="vi-VN" smtClean="0"/>
-              <a:t>27/09/2021</a:t>
+              <a:t>16/11/2021</a:t>
             </a:fld>
             <a:endParaRPr lang="vi-VN"/>
           </a:p>
@@ -2985,7 +2741,7 @@
           <a:p>
             <a:fld id="{9D41F2FF-B00D-4650-95C9-A8F4C906F5D1}" type="datetime1">
               <a:rPr lang="vi-VN" smtClean="0"/>
-              <a:t>27/09/2021</a:t>
+              <a:t>16/11/2021</a:t>
             </a:fld>
             <a:endParaRPr lang="vi-VN"/>
           </a:p>
@@ -3273,7 +3029,7 @@
           <a:p>
             <a:fld id="{3AD75733-2893-457B-9D38-1989EED27481}" type="datetime1">
               <a:rPr lang="vi-VN" smtClean="0"/>
-              <a:t>27/09/2021</a:t>
+              <a:t>16/11/2021</a:t>
             </a:fld>
             <a:endParaRPr lang="vi-VN"/>
           </a:p>
@@ -3514,7 +3270,7 @@
           <a:p>
             <a:fld id="{774B13C1-10BB-48A6-944D-9A3DA2D35844}" type="datetime1">
               <a:rPr lang="vi-VN" smtClean="0"/>
-              <a:t>27/09/2021</a:t>
+              <a:t>16/11/2021</a:t>
             </a:fld>
             <a:endParaRPr lang="vi-VN"/>
           </a:p>
@@ -4070,7 +3826,7 @@
           <p:cNvPr id="2" name="Tiêu đề 1">
             <a:extLst>
               <a:ext uri="{FF2B5EF4-FFF2-40B4-BE49-F238E27FC236}">
-                <a16:creationId xmlns:a16="http://schemas.microsoft.com/office/drawing/2014/main" id="{4B915052-3C5E-47FD-BAAB-C3DE3C0A0019}"/>
+                <a16:creationId xmlns:a16="http://schemas.microsoft.com/office/drawing/2014/main" id="{795E3B59-2632-488B-9E9F-875DFE7024F8}"/>
               </a:ext>
             </a:extLst>
           </p:cNvPr>
@@ -4088,7 +3844,7 @@
           <a:p>
             <a:r>
               <a:rPr lang="en-US"/>
-              <a:t>Homework</a:t>
+              <a:t>Question</a:t>
             </a:r>
             <a:endParaRPr lang="vi-VN"/>
           </a:p>
@@ -4096,73 +3852,10 @@
       </p:sp>
       <p:sp>
         <p:nvSpPr>
-          <p:cNvPr id="3" name="Chỗ dành sẵn cho Nội dung 2">
-            <a:extLst>
-              <a:ext uri="{FF2B5EF4-FFF2-40B4-BE49-F238E27FC236}">
-                <a16:creationId xmlns:a16="http://schemas.microsoft.com/office/drawing/2014/main" id="{B2A6EC0C-F150-4F00-9956-37643371B243}"/>
-              </a:ext>
-            </a:extLst>
-          </p:cNvPr>
-          <p:cNvSpPr>
-            <a:spLocks noGrp="1"/>
-          </p:cNvSpPr>
-          <p:nvPr>
-            <p:ph idx="1"/>
-          </p:nvPr>
-        </p:nvSpPr>
-        <p:spPr>
-          <a:xfrm>
-            <a:off x="838200" y="1825625"/>
-            <a:ext cx="10717696" cy="4351338"/>
-          </a:xfrm>
-        </p:spPr>
-        <p:txBody>
-          <a:bodyPr/>
-          <a:lstStyle/>
-          <a:p>
-            <a:pPr marL="0" indent="0">
-              <a:buNone/>
-            </a:pPr>
-            <a:r>
-              <a:rPr lang="en-US"/>
-              <a:t>Choose your group, vote a leader and a topic.</a:t>
-            </a:r>
-          </a:p>
-          <a:p>
-            <a:pPr marL="0" indent="0">
-              <a:buNone/>
-            </a:pPr>
-            <a:r>
-              <a:rPr lang="en-US"/>
-              <a:t>Setup environment as instructions.</a:t>
-            </a:r>
-          </a:p>
-          <a:p>
-            <a:pPr marL="0" indent="0">
-              <a:buNone/>
-            </a:pPr>
-            <a:r>
-              <a:rPr lang="en-US"/>
-              <a:t>Update environment (Github repository link) in Files/Group Information.</a:t>
-            </a:r>
-          </a:p>
-          <a:p>
-            <a:pPr marL="0" indent="0">
-              <a:buNone/>
-            </a:pPr>
-            <a:r>
-              <a:rPr lang="en-US"/>
-              <a:t>Deadline: 2 weeks.</a:t>
-            </a:r>
-          </a:p>
-        </p:txBody>
-      </p:sp>
-      <p:sp>
-        <p:nvSpPr>
           <p:cNvPr id="4" name="Chỗ dành sẵn cho Số hiệu Bản chiếu 3">
             <a:extLst>
               <a:ext uri="{FF2B5EF4-FFF2-40B4-BE49-F238E27FC236}">
-                <a16:creationId xmlns:a16="http://schemas.microsoft.com/office/drawing/2014/main" id="{284D5393-7725-429A-8FE4-E2D58B08EA60}"/>
+                <a16:creationId xmlns:a16="http://schemas.microsoft.com/office/drawing/2014/main" id="{D2C46F38-2C62-4F5A-B55B-0C255E970953}"/>
               </a:ext>
             </a:extLst>
           </p:cNvPr>
@@ -4181,94 +3874,6 @@
             <a:fld id="{480537A9-B8B1-481D-9BE4-179EB839AE15}" type="slidenum">
               <a:rPr lang="vi-VN" smtClean="0"/>
               <a:t>10</a:t>
-            </a:fld>
-            <a:endParaRPr lang="vi-VN"/>
-          </a:p>
-        </p:txBody>
-      </p:sp>
-    </p:spTree>
-    <p:extLst>
-      <p:ext uri="{BB962C8B-B14F-4D97-AF65-F5344CB8AC3E}">
-        <p14:creationId xmlns:p14="http://schemas.microsoft.com/office/powerpoint/2010/main" val="2413377356"/>
-      </p:ext>
-    </p:extLst>
-  </p:cSld>
-  <p:clrMapOvr>
-    <a:masterClrMapping/>
-  </p:clrMapOvr>
-</p:sld>
-</file>
-
-<file path=ppt/slides/slide11.xml><?xml version="1.0" encoding="utf-8"?>
-<p:sld xmlns:a="http://schemas.openxmlformats.org/drawingml/2006/main" xmlns:r="http://schemas.openxmlformats.org/officeDocument/2006/relationships" xmlns:p="http://schemas.openxmlformats.org/presentationml/2006/main">
-  <p:cSld>
-    <p:spTree>
-      <p:nvGrpSpPr>
-        <p:cNvPr id="1" name=""/>
-        <p:cNvGrpSpPr/>
-        <p:nvPr/>
-      </p:nvGrpSpPr>
-      <p:grpSpPr>
-        <a:xfrm>
-          <a:off x="0" y="0"/>
-          <a:ext cx="0" cy="0"/>
-          <a:chOff x="0" y="0"/>
-          <a:chExt cx="0" cy="0"/>
-        </a:xfrm>
-      </p:grpSpPr>
-      <p:sp>
-        <p:nvSpPr>
-          <p:cNvPr id="2" name="Tiêu đề 1">
-            <a:extLst>
-              <a:ext uri="{FF2B5EF4-FFF2-40B4-BE49-F238E27FC236}">
-                <a16:creationId xmlns:a16="http://schemas.microsoft.com/office/drawing/2014/main" id="{795E3B59-2632-488B-9E9F-875DFE7024F8}"/>
-              </a:ext>
-            </a:extLst>
-          </p:cNvPr>
-          <p:cNvSpPr>
-            <a:spLocks noGrp="1"/>
-          </p:cNvSpPr>
-          <p:nvPr>
-            <p:ph type="title"/>
-          </p:nvPr>
-        </p:nvSpPr>
-        <p:spPr/>
-        <p:txBody>
-          <a:bodyPr/>
-          <a:lstStyle/>
-          <a:p>
-            <a:r>
-              <a:rPr lang="en-US"/>
-              <a:t>Question</a:t>
-            </a:r>
-            <a:endParaRPr lang="vi-VN"/>
-          </a:p>
-        </p:txBody>
-      </p:sp>
-      <p:sp>
-        <p:nvSpPr>
-          <p:cNvPr id="4" name="Chỗ dành sẵn cho Số hiệu Bản chiếu 3">
-            <a:extLst>
-              <a:ext uri="{FF2B5EF4-FFF2-40B4-BE49-F238E27FC236}">
-                <a16:creationId xmlns:a16="http://schemas.microsoft.com/office/drawing/2014/main" id="{D2C46F38-2C62-4F5A-B55B-0C255E970953}"/>
-              </a:ext>
-            </a:extLst>
-          </p:cNvPr>
-          <p:cNvSpPr>
-            <a:spLocks noGrp="1"/>
-          </p:cNvSpPr>
-          <p:nvPr>
-            <p:ph type="sldNum" sz="quarter" idx="12"/>
-          </p:nvPr>
-        </p:nvSpPr>
-        <p:spPr/>
-        <p:txBody>
-          <a:bodyPr/>
-          <a:lstStyle/>
-          <a:p>
-            <a:fld id="{480537A9-B8B1-481D-9BE4-179EB839AE15}" type="slidenum">
-              <a:rPr lang="vi-VN" smtClean="0"/>
-              <a:t>11</a:t>
             </a:fld>
             <a:endParaRPr lang="vi-VN"/>
           </a:p>
@@ -6125,57 +5730,6 @@
           </a:p>
         </p:txBody>
       </p:sp>
-      <mc:AlternateContent xmlns:mc="http://schemas.openxmlformats.org/markup-compatibility/2006">
-        <mc:Choice xmlns:p14="http://schemas.microsoft.com/office/powerpoint/2010/main" Requires="p14">
-          <p:contentPart p14:bwMode="auto" r:id="rId2">
-            <p14:nvContentPartPr>
-              <p14:cNvPr id="5" name="Viết tay 4">
-                <a:extLst>
-                  <a:ext uri="{FF2B5EF4-FFF2-40B4-BE49-F238E27FC236}">
-                    <a16:creationId xmlns:a16="http://schemas.microsoft.com/office/drawing/2014/main" id="{09D01833-2134-45B7-813C-5AA0B2637D32}"/>
-                  </a:ext>
-                </a:extLst>
-              </p14:cNvPr>
-              <p14:cNvContentPartPr/>
-              <p14:nvPr/>
-            </p14:nvContentPartPr>
-            <p14:xfrm>
-              <a:off x="591840" y="1067040"/>
-              <a:ext cx="10928160" cy="5415120"/>
-            </p14:xfrm>
-          </p:contentPart>
-        </mc:Choice>
-        <mc:Fallback>
-          <p:pic>
-            <p:nvPicPr>
-              <p:cNvPr id="5" name="Viết tay 4">
-                <a:extLst>
-                  <a:ext uri="{FF2B5EF4-FFF2-40B4-BE49-F238E27FC236}">
-                    <a16:creationId xmlns:a16="http://schemas.microsoft.com/office/drawing/2014/main" id="{09D01833-2134-45B7-813C-5AA0B2637D32}"/>
-                  </a:ext>
-                </a:extLst>
-              </p:cNvPr>
-              <p:cNvPicPr/>
-              <p:nvPr/>
-            </p:nvPicPr>
-            <p:blipFill>
-              <a:blip r:embed="rId3"/>
-              <a:stretch>
-                <a:fillRect/>
-              </a:stretch>
-            </p:blipFill>
-            <p:spPr>
-              <a:xfrm>
-                <a:off x="582480" y="1057680"/>
-                <a:ext cx="10946880" cy="5433840"/>
-              </a:xfrm>
-              <a:prstGeom prst="rect">
-                <a:avLst/>
-              </a:prstGeom>
-            </p:spPr>
-          </p:pic>
-        </mc:Fallback>
-      </mc:AlternateContent>
     </p:spTree>
     <p:extLst>
       <p:ext uri="{BB962C8B-B14F-4D97-AF65-F5344CB8AC3E}">
@@ -7498,57 +7052,6 @@
           </a:p>
         </p:txBody>
       </p:sp>
-      <mc:AlternateContent xmlns:mc="http://schemas.openxmlformats.org/markup-compatibility/2006">
-        <mc:Choice xmlns:p14="http://schemas.microsoft.com/office/powerpoint/2010/main" Requires="p14">
-          <p:contentPart p14:bwMode="auto" r:id="rId2">
-            <p14:nvContentPartPr>
-              <p14:cNvPr id="5" name="Viết tay 4">
-                <a:extLst>
-                  <a:ext uri="{FF2B5EF4-FFF2-40B4-BE49-F238E27FC236}">
-                    <a16:creationId xmlns:a16="http://schemas.microsoft.com/office/drawing/2014/main" id="{8EACC276-BB31-47C4-9DAA-F0E53E373435}"/>
-                  </a:ext>
-                </a:extLst>
-              </p14:cNvPr>
-              <p14:cNvContentPartPr/>
-              <p14:nvPr/>
-            </p14:nvContentPartPr>
-            <p14:xfrm>
-              <a:off x="753120" y="1380600"/>
-              <a:ext cx="10973160" cy="4948920"/>
-            </p14:xfrm>
-          </p:contentPart>
-        </mc:Choice>
-        <mc:Fallback>
-          <p:pic>
-            <p:nvPicPr>
-              <p:cNvPr id="5" name="Viết tay 4">
-                <a:extLst>
-                  <a:ext uri="{FF2B5EF4-FFF2-40B4-BE49-F238E27FC236}">
-                    <a16:creationId xmlns:a16="http://schemas.microsoft.com/office/drawing/2014/main" id="{8EACC276-BB31-47C4-9DAA-F0E53E373435}"/>
-                  </a:ext>
-                </a:extLst>
-              </p:cNvPr>
-              <p:cNvPicPr/>
-              <p:nvPr/>
-            </p:nvPicPr>
-            <p:blipFill>
-              <a:blip r:embed="rId3"/>
-              <a:stretch>
-                <a:fillRect/>
-              </a:stretch>
-            </p:blipFill>
-            <p:spPr>
-              <a:xfrm>
-                <a:off x="743760" y="1371240"/>
-                <a:ext cx="10991880" cy="4967640"/>
-              </a:xfrm>
-              <a:prstGeom prst="rect">
-                <a:avLst/>
-              </a:prstGeom>
-            </p:spPr>
-          </p:pic>
-        </mc:Fallback>
-      </mc:AlternateContent>
     </p:spTree>
     <p:extLst>
       <p:ext uri="{BB962C8B-B14F-4D97-AF65-F5344CB8AC3E}">
@@ -8788,57 +8291,6 @@
           </a:p>
         </p:txBody>
       </p:sp>
-      <mc:AlternateContent xmlns:mc="http://schemas.openxmlformats.org/markup-compatibility/2006">
-        <mc:Choice xmlns:p14="http://schemas.microsoft.com/office/powerpoint/2010/main" Requires="p14">
-          <p:contentPart p14:bwMode="auto" r:id="rId2">
-            <p14:nvContentPartPr>
-              <p14:cNvPr id="3" name="Viết tay 2">
-                <a:extLst>
-                  <a:ext uri="{FF2B5EF4-FFF2-40B4-BE49-F238E27FC236}">
-                    <a16:creationId xmlns:a16="http://schemas.microsoft.com/office/drawing/2014/main" id="{133E658E-2A91-42D2-9276-A62E75AB5D5F}"/>
-                  </a:ext>
-                </a:extLst>
-              </p14:cNvPr>
-              <p14:cNvContentPartPr/>
-              <p14:nvPr/>
-            </p14:nvContentPartPr>
-            <p14:xfrm>
-              <a:off x="609480" y="233280"/>
-              <a:ext cx="10784880" cy="6212880"/>
-            </p14:xfrm>
-          </p:contentPart>
-        </mc:Choice>
-        <mc:Fallback>
-          <p:pic>
-            <p:nvPicPr>
-              <p:cNvPr id="3" name="Viết tay 2">
-                <a:extLst>
-                  <a:ext uri="{FF2B5EF4-FFF2-40B4-BE49-F238E27FC236}">
-                    <a16:creationId xmlns:a16="http://schemas.microsoft.com/office/drawing/2014/main" id="{133E658E-2A91-42D2-9276-A62E75AB5D5F}"/>
-                  </a:ext>
-                </a:extLst>
-              </p:cNvPr>
-              <p:cNvPicPr/>
-              <p:nvPr/>
-            </p:nvPicPr>
-            <p:blipFill>
-              <a:blip r:embed="rId3"/>
-              <a:stretch>
-                <a:fillRect/>
-              </a:stretch>
-            </p:blipFill>
-            <p:spPr>
-              <a:xfrm>
-                <a:off x="600120" y="223920"/>
-                <a:ext cx="10803600" cy="6231600"/>
-              </a:xfrm>
-              <a:prstGeom prst="rect">
-                <a:avLst/>
-              </a:prstGeom>
-            </p:spPr>
-          </p:pic>
-        </mc:Fallback>
-      </mc:AlternateContent>
     </p:spTree>
     <p:extLst>
       <p:ext uri="{BB962C8B-B14F-4D97-AF65-F5344CB8AC3E}">
@@ -8959,57 +8411,6 @@
           </a:p>
         </p:txBody>
       </p:sp>
-      <mc:AlternateContent xmlns:mc="http://schemas.openxmlformats.org/markup-compatibility/2006">
-        <mc:Choice xmlns:p14="http://schemas.microsoft.com/office/powerpoint/2010/main" Requires="p14">
-          <p:contentPart p14:bwMode="auto" r:id="rId2">
-            <p14:nvContentPartPr>
-              <p14:cNvPr id="5" name="Viết tay 4">
-                <a:extLst>
-                  <a:ext uri="{FF2B5EF4-FFF2-40B4-BE49-F238E27FC236}">
-                    <a16:creationId xmlns:a16="http://schemas.microsoft.com/office/drawing/2014/main" id="{0396C06D-9E11-40E5-B48B-DA793ADA52F3}"/>
-                  </a:ext>
-                </a:extLst>
-              </p14:cNvPr>
-              <p14:cNvContentPartPr/>
-              <p14:nvPr/>
-            </p14:nvContentPartPr>
-            <p14:xfrm>
-              <a:off x="753120" y="546840"/>
-              <a:ext cx="6419160" cy="986760"/>
-            </p14:xfrm>
-          </p:contentPart>
-        </mc:Choice>
-        <mc:Fallback>
-          <p:pic>
-            <p:nvPicPr>
-              <p:cNvPr id="5" name="Viết tay 4">
-                <a:extLst>
-                  <a:ext uri="{FF2B5EF4-FFF2-40B4-BE49-F238E27FC236}">
-                    <a16:creationId xmlns:a16="http://schemas.microsoft.com/office/drawing/2014/main" id="{0396C06D-9E11-40E5-B48B-DA793ADA52F3}"/>
-                  </a:ext>
-                </a:extLst>
-              </p:cNvPr>
-              <p:cNvPicPr/>
-              <p:nvPr/>
-            </p:nvPicPr>
-            <p:blipFill>
-              <a:blip r:embed="rId3"/>
-              <a:stretch>
-                <a:fillRect/>
-              </a:stretch>
-            </p:blipFill>
-            <p:spPr>
-              <a:xfrm>
-                <a:off x="743760" y="537480"/>
-                <a:ext cx="6437880" cy="1005480"/>
-              </a:xfrm>
-              <a:prstGeom prst="rect">
-                <a:avLst/>
-              </a:prstGeom>
-            </p:spPr>
-          </p:pic>
-        </mc:Fallback>
-      </mc:AlternateContent>
     </p:spTree>
     <p:extLst>
       <p:ext uri="{BB962C8B-B14F-4D97-AF65-F5344CB8AC3E}">
@@ -9042,10 +8443,117 @@
       </p:grpSpPr>
       <p:sp>
         <p:nvSpPr>
+          <p:cNvPr id="2" name="Tiêu đề 1">
+            <a:extLst>
+              <a:ext uri="{FF2B5EF4-FFF2-40B4-BE49-F238E27FC236}">
+                <a16:creationId xmlns:a16="http://schemas.microsoft.com/office/drawing/2014/main" id="{F2179789-AE5D-44AC-884E-93FD24FE3F97}"/>
+              </a:ext>
+            </a:extLst>
+          </p:cNvPr>
+          <p:cNvSpPr>
+            <a:spLocks noGrp="1"/>
+          </p:cNvSpPr>
+          <p:nvPr>
+            <p:ph type="title"/>
+          </p:nvPr>
+        </p:nvSpPr>
+        <p:spPr/>
+        <p:txBody>
+          <a:bodyPr/>
+          <a:lstStyle/>
+          <a:p>
+            <a:r>
+              <a:rPr lang="en-US"/>
+              <a:t>Setup sources control</a:t>
+            </a:r>
+            <a:endParaRPr lang="vi-VN"/>
+          </a:p>
+        </p:txBody>
+      </p:sp>
+      <p:sp>
+        <p:nvSpPr>
+          <p:cNvPr id="3" name="Chỗ dành sẵn cho Nội dung 2">
+            <a:extLst>
+              <a:ext uri="{FF2B5EF4-FFF2-40B4-BE49-F238E27FC236}">
+                <a16:creationId xmlns:a16="http://schemas.microsoft.com/office/drawing/2014/main" id="{D92B7B4F-937B-4247-A29E-F935165A7C53}"/>
+              </a:ext>
+            </a:extLst>
+          </p:cNvPr>
+          <p:cNvSpPr>
+            <a:spLocks noGrp="1"/>
+          </p:cNvSpPr>
+          <p:nvPr>
+            <p:ph idx="1"/>
+          </p:nvPr>
+        </p:nvSpPr>
+        <p:spPr/>
+        <p:txBody>
+          <a:bodyPr/>
+          <a:lstStyle/>
+          <a:p>
+            <a:pPr marL="0" indent="0">
+              <a:buNone/>
+            </a:pPr>
+            <a:r>
+              <a:rPr lang="en-US"/>
+              <a:t>Install Git / Github</a:t>
+            </a:r>
+          </a:p>
+          <a:p>
+            <a:pPr marL="0" indent="0">
+              <a:buNone/>
+            </a:pPr>
+            <a:r>
+              <a:rPr lang="en-US"/>
+              <a:t>Follow link: </a:t>
+            </a:r>
+            <a:r>
+              <a:rPr lang="en-US">
+                <a:hlinkClick r:id="rId2"/>
+              </a:rPr>
+              <a:t>https://github.com/vutuanhai237/Sample-Project-CS4273</a:t>
+            </a:r>
+            <a:endParaRPr lang="en-US"/>
+          </a:p>
+          <a:p>
+            <a:pPr>
+              <a:buFontTx/>
+              <a:buChar char="-"/>
+            </a:pPr>
+            <a:r>
+              <a:rPr lang="en-US"/>
+              <a:t>Leader clones this repository and add members into it.</a:t>
+            </a:r>
+          </a:p>
+          <a:p>
+            <a:pPr>
+              <a:buFontTx/>
+              <a:buChar char="-"/>
+            </a:pPr>
+            <a:r>
+              <a:rPr lang="en-US"/>
+              <a:t>Rename the repository.</a:t>
+            </a:r>
+          </a:p>
+          <a:p>
+            <a:pPr>
+              <a:buFontTx/>
+              <a:buChar char="-"/>
+            </a:pPr>
+            <a:r>
+              <a:rPr lang="en-US"/>
+              <a:t>Each member needs to fetch source code to local machine, create their own branch – switch branch and contribute to the repository.</a:t>
+            </a:r>
+            <a:endParaRPr lang="vi-VN"/>
+          </a:p>
+        </p:txBody>
+      </p:sp>
+      <p:sp>
+        <p:nvSpPr>
           <p:cNvPr id="4" name="Chỗ dành sẵn cho Số hiệu Bản chiếu 3">
             <a:extLst>
               <a:ext uri="{FF2B5EF4-FFF2-40B4-BE49-F238E27FC236}">
-                <a16:creationId xmlns:a16="http://schemas.microsoft.com/office/drawing/2014/main" id="{5B0175C6-5B23-45EC-A5AC-867429A09A7C}"/>
+                <a16:creationId xmlns:a16="http://schemas.microsoft.com/office/drawing/2014/main" id="{C40961D6-D447-4AE8-9F14-039CE9A6D9DF}"/>
               </a:ext>
             </a:extLst>
           </p:cNvPr>
@@ -9072,7 +8580,7 @@
     </p:spTree>
     <p:extLst>
       <p:ext uri="{BB962C8B-B14F-4D97-AF65-F5344CB8AC3E}">
-        <p14:creationId xmlns:p14="http://schemas.microsoft.com/office/powerpoint/2010/main" val="2293620936"/>
+        <p14:creationId xmlns:p14="http://schemas.microsoft.com/office/powerpoint/2010/main" val="109721426"/>
       </p:ext>
     </p:extLst>
   </p:cSld>
@@ -9104,7 +8612,7 @@
           <p:cNvPr id="2" name="Tiêu đề 1">
             <a:extLst>
               <a:ext uri="{FF2B5EF4-FFF2-40B4-BE49-F238E27FC236}">
-                <a16:creationId xmlns:a16="http://schemas.microsoft.com/office/drawing/2014/main" id="{F2179789-AE5D-44AC-884E-93FD24FE3F97}"/>
+                <a16:creationId xmlns:a16="http://schemas.microsoft.com/office/drawing/2014/main" id="{4B915052-3C5E-47FD-BAAB-C3DE3C0A0019}"/>
               </a:ext>
             </a:extLst>
           </p:cNvPr>
@@ -9122,7 +8630,7 @@
           <a:p>
             <a:r>
               <a:rPr lang="en-US"/>
-              <a:t>Setup sources control</a:t>
+              <a:t>Homework</a:t>
             </a:r>
             <a:endParaRPr lang="vi-VN"/>
           </a:p>
@@ -9133,7 +8641,7 @@
           <p:cNvPr id="3" name="Chỗ dành sẵn cho Nội dung 2">
             <a:extLst>
               <a:ext uri="{FF2B5EF4-FFF2-40B4-BE49-F238E27FC236}">
-                <a16:creationId xmlns:a16="http://schemas.microsoft.com/office/drawing/2014/main" id="{D92B7B4F-937B-4247-A29E-F935165A7C53}"/>
+                <a16:creationId xmlns:a16="http://schemas.microsoft.com/office/drawing/2014/main" id="{B2A6EC0C-F150-4F00-9956-37643371B243}"/>
               </a:ext>
             </a:extLst>
           </p:cNvPr>
@@ -9144,7 +8652,12 @@
             <p:ph idx="1"/>
           </p:nvPr>
         </p:nvSpPr>
-        <p:spPr/>
+        <p:spPr>
+          <a:xfrm>
+            <a:off x="838200" y="1825625"/>
+            <a:ext cx="10717696" cy="4351338"/>
+          </a:xfrm>
+        </p:spPr>
         <p:txBody>
           <a:bodyPr/>
           <a:lstStyle/>
@@ -9154,7 +8667,7 @@
             </a:pPr>
             <a:r>
               <a:rPr lang="en-US"/>
-              <a:t>Install Git / Github</a:t>
+              <a:t>Choose your group, vote a leader and a topic.</a:t>
             </a:r>
           </a:p>
           <a:p>
@@ -9163,46 +8676,26 @@
             </a:pPr>
             <a:r>
               <a:rPr lang="en-US"/>
-              <a:t>Follow link: </a:t>
-            </a:r>
-            <a:r>
-              <a:rPr lang="en-US">
-                <a:hlinkClick r:id="rId2"/>
-              </a:rPr>
-              <a:t>https://github.com/vutuanhai237/Sample-Project-CS4273</a:t>
-            </a:r>
-            <a:endParaRPr lang="en-US"/>
-          </a:p>
-          <a:p>
-            <a:pPr>
-              <a:buFontTx/>
-              <a:buChar char="-"/>
+              <a:t>Setup environment as instructions.</a:t>
+            </a:r>
+          </a:p>
+          <a:p>
+            <a:pPr marL="0" indent="0">
+              <a:buNone/>
             </a:pPr>
             <a:r>
               <a:rPr lang="en-US"/>
-              <a:t>Leader clones this repository and add members into it.</a:t>
-            </a:r>
-          </a:p>
-          <a:p>
-            <a:pPr>
-              <a:buFontTx/>
-              <a:buChar char="-"/>
+              <a:t>Update environment (Github repository link) in Files/Group Information.</a:t>
+            </a:r>
+          </a:p>
+          <a:p>
+            <a:pPr marL="0" indent="0">
+              <a:buNone/>
             </a:pPr>
             <a:r>
               <a:rPr lang="en-US"/>
-              <a:t>Rename the repository.</a:t>
-            </a:r>
-          </a:p>
-          <a:p>
-            <a:pPr>
-              <a:buFontTx/>
-              <a:buChar char="-"/>
-            </a:pPr>
-            <a:r>
-              <a:rPr lang="en-US"/>
-              <a:t>Each member needs to fetch source code to local machine, create their own branch – switch branch and contribute to the repository.</a:t>
-            </a:r>
-            <a:endParaRPr lang="vi-VN"/>
+              <a:t>Deadline: 2 weeks.</a:t>
+            </a:r>
           </a:p>
         </p:txBody>
       </p:sp>
@@ -9211,7 +8704,7 @@
           <p:cNvPr id="4" name="Chỗ dành sẵn cho Số hiệu Bản chiếu 3">
             <a:extLst>
               <a:ext uri="{FF2B5EF4-FFF2-40B4-BE49-F238E27FC236}">
-                <a16:creationId xmlns:a16="http://schemas.microsoft.com/office/drawing/2014/main" id="{C40961D6-D447-4AE8-9F14-039CE9A6D9DF}"/>
+                <a16:creationId xmlns:a16="http://schemas.microsoft.com/office/drawing/2014/main" id="{284D5393-7725-429A-8FE4-E2D58B08EA60}"/>
               </a:ext>
             </a:extLst>
           </p:cNvPr>
@@ -9238,7 +8731,7 @@
     </p:spTree>
     <p:extLst>
       <p:ext uri="{BB962C8B-B14F-4D97-AF65-F5344CB8AC3E}">
-        <p14:creationId xmlns:p14="http://schemas.microsoft.com/office/powerpoint/2010/main" val="109721426"/>
+        <p14:creationId xmlns:p14="http://schemas.microsoft.com/office/powerpoint/2010/main" val="2413377356"/>
       </p:ext>
     </p:extLst>
   </p:cSld>
